--- a/murach_html_4e/slides/Chapter 4 slides.pptx
+++ b/murach_html_4e/slides/Chapter 4 slides.pptx
@@ -5,10 +5,10 @@
     <p:sldMasterId id="2147483673" r:id="rId1"/>
   </p:sldMasterIdLst>
   <p:notesMasterIdLst>
-    <p:notesMasterId r:id="rId63"/>
+    <p:notesMasterId r:id="rId65"/>
   </p:notesMasterIdLst>
   <p:handoutMasterIdLst>
-    <p:handoutMasterId r:id="rId64"/>
+    <p:handoutMasterId r:id="rId66"/>
   </p:handoutMasterIdLst>
   <p:sldIdLst>
     <p:sldId id="256" r:id="rId2"/>
@@ -72,6 +72,8 @@
     <p:sldId id="315" r:id="rId60"/>
     <p:sldId id="316" r:id="rId61"/>
     <p:sldId id="317" r:id="rId62"/>
+    <p:sldId id="320" r:id="rId63"/>
+    <p:sldId id="321" r:id="rId64"/>
   </p:sldIdLst>
   <p:sldSz cx="9144000" cy="6858000" type="screen4x3"/>
   <p:notesSz cx="7010400" cy="9296400"/>
@@ -390,7 +392,7 @@
               <a:pPr>
                 <a:defRPr/>
               </a:pPr>
-              <a:t>3/2/2018</a:t>
+              <a:t>6/10/2019</a:t>
             </a:fld>
             <a:endParaRPr lang="en-US"/>
           </a:p>
@@ -1066,7 +1068,7 @@
               <a:defRPr/>
             </a:pPr>
             <a:r>
-              <a:rPr lang="en-US" smtClean="0"/>
+              <a:rPr lang="en-US"/>
               <a:t>Murach's HTML and CSS, 4th Edition</a:t>
             </a:r>
             <a:endParaRPr lang="en-US" dirty="0"/>
@@ -1099,14 +1101,14 @@
             <a:pPr>
               <a:defRPr/>
             </a:pPr>
-            <a:endParaRPr lang="en-US" smtClean="0"/>
+            <a:endParaRPr lang="en-US"/>
           </a:p>
           <a:p>
             <a:pPr>
               <a:defRPr/>
             </a:pPr>
             <a:r>
-              <a:rPr lang="en-US" smtClean="0">
+              <a:rPr lang="en-US">
                 <a:solidFill>
                   <a:schemeClr val="bg1"/>
                 </a:solidFill>
@@ -1190,10 +1192,10 @@
           <a:p>
             <a:pPr lvl="0"/>
             <a:r>
-              <a:rPr lang="en-US" smtClean="0"/>
+              <a:rPr lang="en-US"/>
               <a:t>Click to edit Master title style</a:t>
             </a:r>
-            <a:endParaRPr lang="en-US" dirty="0" smtClean="0"/>
+            <a:endParaRPr lang="en-US" dirty="0"/>
           </a:p>
         </p:txBody>
       </p:sp>
@@ -1240,7 +1242,7 @@
           <a:p>
             <a:pPr lvl="0"/>
             <a:r>
-              <a:rPr lang="en-US" dirty="0" smtClean="0"/>
+              <a:rPr lang="en-US" dirty="0"/>
               <a:t>Click to edit Master text styles</a:t>
             </a:r>
           </a:p>
@@ -1271,7 +1273,7 @@
               <a:defRPr/>
             </a:pPr>
             <a:r>
-              <a:rPr lang="en-US" smtClean="0"/>
+              <a:rPr lang="en-US"/>
               <a:t>© 2018, Mike Murach &amp; Associates, Inc.</a:t>
             </a:r>
             <a:endParaRPr lang="en-US" dirty="0"/>
@@ -1310,10 +1312,9 @@
           <a:p>
             <a:pPr lvl="0"/>
             <a:r>
-              <a:rPr lang="en-US" dirty="0" smtClean="0"/>
+              <a:rPr lang="en-US" dirty="0"/>
               <a:t>Click to edit Master heading style</a:t>
             </a:r>
-            <a:endParaRPr lang="en-US" dirty="0"/>
           </a:p>
         </p:txBody>
       </p:sp>
@@ -1344,7 +1345,7 @@
           <a:p>
             <a:pPr lvl="0"/>
             <a:r>
-              <a:rPr lang="en-US" dirty="0" smtClean="0"/>
+              <a:rPr lang="en-US" dirty="0"/>
               <a:t>Click to edit Master text styles</a:t>
             </a:r>
           </a:p>
@@ -1406,7 +1407,7 @@
               <a:defRPr/>
             </a:pPr>
             <a:r>
-              <a:rPr lang="en-US" smtClean="0"/>
+              <a:rPr lang="en-US"/>
               <a:t>Murach's HTML and CSS, 4th Edition</a:t>
             </a:r>
             <a:endParaRPr lang="en-US" dirty="0"/>
@@ -1439,14 +1440,14 @@
             <a:pPr>
               <a:defRPr/>
             </a:pPr>
-            <a:endParaRPr lang="en-US" smtClean="0"/>
+            <a:endParaRPr lang="en-US"/>
           </a:p>
           <a:p>
             <a:pPr>
               <a:defRPr/>
             </a:pPr>
             <a:r>
-              <a:rPr lang="en-US" smtClean="0">
+              <a:rPr lang="en-US">
                 <a:solidFill>
                   <a:schemeClr val="bg1"/>
                 </a:solidFill>
@@ -1530,10 +1531,10 @@
           <a:p>
             <a:pPr lvl="0"/>
             <a:r>
-              <a:rPr lang="en-US" smtClean="0"/>
+              <a:rPr lang="en-US"/>
               <a:t>Click to edit Master title style</a:t>
             </a:r>
-            <a:endParaRPr lang="en-US" dirty="0" smtClean="0"/>
+            <a:endParaRPr lang="en-US" dirty="0"/>
           </a:p>
         </p:txBody>
       </p:sp>
@@ -1564,7 +1565,7 @@
           <a:p>
             <a:pPr lvl="0"/>
             <a:r>
-              <a:rPr lang="en-US" smtClean="0"/>
+              <a:rPr lang="en-US"/>
               <a:t>Click to edit Master text styles</a:t>
             </a:r>
           </a:p>
@@ -1595,7 +1596,7 @@
               <a:defRPr/>
             </a:pPr>
             <a:r>
-              <a:rPr lang="en-US" smtClean="0"/>
+              <a:rPr lang="en-US"/>
               <a:t>© 2018, Mike Murach &amp; Associates, Inc.</a:t>
             </a:r>
             <a:endParaRPr lang="en-US" dirty="0"/>
@@ -1634,10 +1635,9 @@
           <a:p>
             <a:pPr lvl="0"/>
             <a:r>
-              <a:rPr lang="en-US" dirty="0" smtClean="0"/>
+              <a:rPr lang="en-US" dirty="0"/>
               <a:t>Click to edit Master heading style</a:t>
             </a:r>
-            <a:endParaRPr lang="en-US" dirty="0"/>
           </a:p>
         </p:txBody>
       </p:sp>
@@ -1668,7 +1668,7 @@
           <a:p>
             <a:pPr lvl="0"/>
             <a:r>
-              <a:rPr lang="en-US" smtClean="0"/>
+              <a:rPr lang="en-US"/>
               <a:t>Click to edit Master text styles</a:t>
             </a:r>
           </a:p>
@@ -1730,7 +1730,7 @@
               <a:defRPr/>
             </a:pPr>
             <a:r>
-              <a:rPr lang="en-US" smtClean="0"/>
+              <a:rPr lang="en-US"/>
               <a:t>Murach's HTML and CSS, 4th Edition</a:t>
             </a:r>
             <a:endParaRPr lang="en-US" dirty="0"/>
@@ -1763,14 +1763,14 @@
             <a:pPr>
               <a:defRPr/>
             </a:pPr>
-            <a:endParaRPr lang="en-US" smtClean="0"/>
+            <a:endParaRPr lang="en-US"/>
           </a:p>
           <a:p>
             <a:pPr>
               <a:defRPr/>
             </a:pPr>
             <a:r>
-              <a:rPr lang="en-US" smtClean="0">
+              <a:rPr lang="en-US">
                 <a:solidFill>
                   <a:schemeClr val="bg1"/>
                 </a:solidFill>
@@ -1854,10 +1854,10 @@
           <a:p>
             <a:pPr lvl="0"/>
             <a:r>
-              <a:rPr lang="en-US" smtClean="0"/>
+              <a:rPr lang="en-US"/>
               <a:t>Click to edit Master title style</a:t>
             </a:r>
-            <a:endParaRPr lang="en-US" dirty="0" smtClean="0"/>
+            <a:endParaRPr lang="en-US" dirty="0"/>
           </a:p>
         </p:txBody>
       </p:sp>
@@ -1888,7 +1888,7 @@
           <a:p>
             <a:pPr lvl="0"/>
             <a:r>
-              <a:rPr lang="en-US" smtClean="0"/>
+              <a:rPr lang="en-US"/>
               <a:t>Click to edit Master text styles</a:t>
             </a:r>
           </a:p>
@@ -1919,7 +1919,7 @@
               <a:defRPr/>
             </a:pPr>
             <a:r>
-              <a:rPr lang="en-US" smtClean="0"/>
+              <a:rPr lang="en-US"/>
               <a:t>© 2018, Mike Murach &amp; Associates, Inc.</a:t>
             </a:r>
             <a:endParaRPr lang="en-US" dirty="0"/>
@@ -1958,11 +1958,11 @@
           <a:p>
             <a:pPr lvl="0"/>
             <a:r>
-              <a:rPr lang="en-US" dirty="0" smtClean="0"/>
+              <a:rPr lang="en-US" dirty="0"/>
               <a:t>Click to edit </a:t>
             </a:r>
             <a:r>
-              <a:rPr lang="en-US" smtClean="0"/>
+              <a:rPr lang="en-US"/>
               <a:t>Master heading style</a:t>
             </a:r>
             <a:endParaRPr lang="en-US" dirty="0"/>
@@ -1996,7 +1996,7 @@
           <a:p>
             <a:pPr lvl="0"/>
             <a:r>
-              <a:rPr lang="en-US" smtClean="0"/>
+              <a:rPr lang="en-US"/>
               <a:t>Click to edit Master text styles</a:t>
             </a:r>
           </a:p>
@@ -2071,7 +2071,7 @@
           <p:cNvPr id="6" name="Title 5">
             <a:extLst>
               <a:ext uri="{FF2B5EF4-FFF2-40B4-BE49-F238E27FC236}">
-                <a16:creationId xmlns:a16="http://schemas.microsoft.com/office/drawing/2014/main" xmlns="" id="{EC3A72EA-95A4-4971-A611-08118360D51D}"/>
+                <a16:creationId xmlns:a16="http://schemas.microsoft.com/office/drawing/2014/main" id="{EC3A72EA-95A4-4971-A611-08118360D51D}"/>
               </a:ext>
             </a:extLst>
           </p:cNvPr>
@@ -2099,7 +2099,7 @@
           <p:cNvPr id="2" name="Date Placeholder 1">
             <a:extLst>
               <a:ext uri="{FF2B5EF4-FFF2-40B4-BE49-F238E27FC236}">
-                <a16:creationId xmlns:a16="http://schemas.microsoft.com/office/drawing/2014/main" xmlns="" id="{805C1F24-BFF2-4185-85BB-A0DFC365FCD9}"/>
+                <a16:creationId xmlns:a16="http://schemas.microsoft.com/office/drawing/2014/main" id="{805C1F24-BFF2-4185-85BB-A0DFC365FCD9}"/>
               </a:ext>
             </a:extLst>
           </p:cNvPr>
@@ -2131,7 +2131,7 @@
           <p:cNvPr id="3" name="Footer Placeholder 2">
             <a:extLst>
               <a:ext uri="{FF2B5EF4-FFF2-40B4-BE49-F238E27FC236}">
-                <a16:creationId xmlns:a16="http://schemas.microsoft.com/office/drawing/2014/main" xmlns="" id="{9D0D137B-59BC-486D-BF00-F2FFE59AC0D5}"/>
+                <a16:creationId xmlns:a16="http://schemas.microsoft.com/office/drawing/2014/main" id="{9D0D137B-59BC-486D-BF00-F2FFE59AC0D5}"/>
               </a:ext>
             </a:extLst>
           </p:cNvPr>
@@ -2163,7 +2163,7 @@
           <p:cNvPr id="4" name="Slide Number Placeholder 3">
             <a:extLst>
               <a:ext uri="{FF2B5EF4-FFF2-40B4-BE49-F238E27FC236}">
-                <a16:creationId xmlns:a16="http://schemas.microsoft.com/office/drawing/2014/main" xmlns="" id="{C31921E1-018C-46BC-A8C8-322A2940309F}"/>
+                <a16:creationId xmlns:a16="http://schemas.microsoft.com/office/drawing/2014/main" id="{C31921E1-018C-46BC-A8C8-322A2940309F}"/>
               </a:ext>
             </a:extLst>
           </p:cNvPr>
@@ -2366,7 +2366,7 @@
           <p:cNvPr id="10" name="Date Placeholder 9">
             <a:extLst>
               <a:ext uri="{FF2B5EF4-FFF2-40B4-BE49-F238E27FC236}">
-                <a16:creationId xmlns:a16="http://schemas.microsoft.com/office/drawing/2014/main" xmlns="" id="{6AD71E90-A095-4E69-9451-395CD82372CC}"/>
+                <a16:creationId xmlns:a16="http://schemas.microsoft.com/office/drawing/2014/main" id="{6AD71E90-A095-4E69-9451-395CD82372CC}"/>
               </a:ext>
             </a:extLst>
           </p:cNvPr>
@@ -2398,7 +2398,7 @@
           <p:cNvPr id="11" name="Footer Placeholder 10">
             <a:extLst>
               <a:ext uri="{FF2B5EF4-FFF2-40B4-BE49-F238E27FC236}">
-                <a16:creationId xmlns:a16="http://schemas.microsoft.com/office/drawing/2014/main" xmlns="" id="{9897A521-89BB-45E2-8829-2778F464A7B2}"/>
+                <a16:creationId xmlns:a16="http://schemas.microsoft.com/office/drawing/2014/main" id="{9897A521-89BB-45E2-8829-2778F464A7B2}"/>
               </a:ext>
             </a:extLst>
           </p:cNvPr>
@@ -2430,7 +2430,7 @@
           <p:cNvPr id="12" name="Slide Number Placeholder 11">
             <a:extLst>
               <a:ext uri="{FF2B5EF4-FFF2-40B4-BE49-F238E27FC236}">
-                <a16:creationId xmlns:a16="http://schemas.microsoft.com/office/drawing/2014/main" xmlns="" id="{E67A9A81-694D-4639-A4B6-89156A3472C8}"/>
+                <a16:creationId xmlns:a16="http://schemas.microsoft.com/office/drawing/2014/main" id="{E67A9A81-694D-4639-A4B6-89156A3472C8}"/>
               </a:ext>
             </a:extLst>
           </p:cNvPr>
@@ -2617,7 +2617,7 @@
           <p:cNvPr id="3" name="Date Placeholder 2">
             <a:extLst>
               <a:ext uri="{FF2B5EF4-FFF2-40B4-BE49-F238E27FC236}">
-                <a16:creationId xmlns:a16="http://schemas.microsoft.com/office/drawing/2014/main" xmlns="" id="{03A7B6BB-4346-41AB-8BAF-8B6DEFB48F7A}"/>
+                <a16:creationId xmlns:a16="http://schemas.microsoft.com/office/drawing/2014/main" id="{03A7B6BB-4346-41AB-8BAF-8B6DEFB48F7A}"/>
               </a:ext>
             </a:extLst>
           </p:cNvPr>
@@ -2649,7 +2649,7 @@
           <p:cNvPr id="4" name="Footer Placeholder 3">
             <a:extLst>
               <a:ext uri="{FF2B5EF4-FFF2-40B4-BE49-F238E27FC236}">
-                <a16:creationId xmlns:a16="http://schemas.microsoft.com/office/drawing/2014/main" xmlns="" id="{C3A322FD-6B4A-490F-ACE4-6D1F18620472}"/>
+                <a16:creationId xmlns:a16="http://schemas.microsoft.com/office/drawing/2014/main" id="{C3A322FD-6B4A-490F-ACE4-6D1F18620472}"/>
               </a:ext>
             </a:extLst>
           </p:cNvPr>
@@ -2681,7 +2681,7 @@
           <p:cNvPr id="6" name="Slide Number Placeholder 5">
             <a:extLst>
               <a:ext uri="{FF2B5EF4-FFF2-40B4-BE49-F238E27FC236}">
-                <a16:creationId xmlns:a16="http://schemas.microsoft.com/office/drawing/2014/main" xmlns="" id="{CBEB5B42-F45F-4D47-A4D6-D98ACFA3A4E4}"/>
+                <a16:creationId xmlns:a16="http://schemas.microsoft.com/office/drawing/2014/main" id="{CBEB5B42-F45F-4D47-A4D6-D98ACFA3A4E4}"/>
               </a:ext>
             </a:extLst>
           </p:cNvPr>
@@ -2823,7 +2823,7 @@
               <a:buNone/>
               <a:tabLst/>
             </a:pPr>
-            <a:endParaRPr kumimoji="0" lang="en-US" sz="2400" b="0" i="0" u="none" strike="noStrike" cap="none" normalizeH="0" baseline="0" smtClean="0">
+            <a:endParaRPr kumimoji="0" lang="en-US" sz="2400" b="0" i="0" u="none" strike="noStrike" cap="none" normalizeH="0" baseline="0">
               <a:ln>
                 <a:noFill/>
               </a:ln>
@@ -2888,7 +2888,7 @@
           <a:p>
             <a:pPr lvl="0"/>
             <a:r>
-              <a:rPr lang="en-US" smtClean="0"/>
+              <a:rPr lang="en-US"/>
               <a:t>Click to edit Master title style</a:t>
             </a:r>
           </a:p>
@@ -2946,35 +2946,35 @@
           <a:p>
             <a:pPr lvl="0"/>
             <a:r>
-              <a:rPr lang="en-US" smtClean="0"/>
+              <a:rPr lang="en-US"/>
               <a:t>Click to edit Master text styles</a:t>
             </a:r>
           </a:p>
           <a:p>
             <a:pPr lvl="1"/>
             <a:r>
-              <a:rPr lang="en-US" smtClean="0"/>
+              <a:rPr lang="en-US"/>
               <a:t>Second level</a:t>
             </a:r>
           </a:p>
           <a:p>
             <a:pPr lvl="2"/>
             <a:r>
-              <a:rPr lang="en-US" smtClean="0"/>
+              <a:rPr lang="en-US"/>
               <a:t>Third level</a:t>
             </a:r>
           </a:p>
           <a:p>
             <a:pPr lvl="3"/>
             <a:r>
-              <a:rPr lang="en-US" smtClean="0"/>
+              <a:rPr lang="en-US"/>
               <a:t>Fourth level</a:t>
             </a:r>
           </a:p>
           <a:p>
             <a:pPr lvl="4"/>
             <a:r>
-              <a:rPr lang="en-US" smtClean="0"/>
+              <a:rPr lang="en-US"/>
               <a:t>Fifth level</a:t>
             </a:r>
           </a:p>
@@ -3027,7 +3027,7 @@
               <a:defRPr/>
             </a:pPr>
             <a:r>
-              <a:rPr lang="en-US" smtClean="0"/>
+              <a:rPr lang="en-US"/>
               <a:t>Murach's HTML and CSS, 4th Edition</a:t>
             </a:r>
             <a:endParaRPr lang="en-US" dirty="0"/>
@@ -3080,7 +3080,7 @@
               <a:defRPr/>
             </a:pPr>
             <a:r>
-              <a:rPr lang="en-US" smtClean="0"/>
+              <a:rPr lang="en-US"/>
               <a:t>© 2018, Mike Murach &amp; Associates, Inc.</a:t>
             </a:r>
             <a:endParaRPr lang="en-US" dirty="0"/>
@@ -3129,7 +3129,7 @@
             <a:pPr algn="l">
               <a:defRPr/>
             </a:pPr>
-            <a:endParaRPr lang="en-US" sz="1400" smtClean="0">
+            <a:endParaRPr lang="en-US" sz="1400">
               <a:latin typeface="Times New Roman"/>
             </a:endParaRPr>
           </a:p>
@@ -3138,7 +3138,7 @@
               <a:defRPr/>
             </a:pPr>
             <a:r>
-              <a:rPr lang="en-US" smtClean="0">
+              <a:rPr lang="en-US">
                 <a:solidFill>
                   <a:schemeClr val="bg1"/>
                 </a:solidFill>
@@ -3602,7 +3602,7 @@
           <p:cNvPr id="8" name="Text Placeholder 7">
             <a:extLst>
               <a:ext uri="{FF2B5EF4-FFF2-40B4-BE49-F238E27FC236}">
-                <a16:creationId xmlns:a16="http://schemas.microsoft.com/office/drawing/2014/main" xmlns="" id="{959ED5A8-8C75-4BB5-826D-8FF2AF0274F2}"/>
+                <a16:creationId xmlns:a16="http://schemas.microsoft.com/office/drawing/2014/main" id="{959ED5A8-8C75-4BB5-826D-8FF2AF0274F2}"/>
               </a:ext>
             </a:extLst>
           </p:cNvPr>
@@ -3659,50 +3659,7 @@
                 <a:ea typeface="Times New Roman" panose="02020603050405020304" pitchFamily="18" charset="0"/>
                 <a:cs typeface="Times New Roman" panose="02020603050405020304" pitchFamily="18" charset="0"/>
               </a:rPr>
-              <a:t>to </a:t>
-            </a:r>
-            <a:r>
-              <a:rPr lang="en-US" dirty="0" smtClean="0">
-                <a:solidFill>
-                  <a:srgbClr val="000000"/>
-                </a:solidFill>
-                <a:latin typeface="Arial" panose="020B0604020202020204" pitchFamily="34" charset="0"/>
-                <a:ea typeface="Times New Roman" panose="02020603050405020304" pitchFamily="18" charset="0"/>
-                <a:cs typeface="Times New Roman" panose="02020603050405020304" pitchFamily="18" charset="0"/>
-              </a:rPr>
-              <a:t>format</a:t>
-            </a:r>
-            <a:br>
-              <a:rPr lang="en-US" dirty="0" smtClean="0">
-                <a:solidFill>
-                  <a:srgbClr val="000000"/>
-                </a:solidFill>
-                <a:latin typeface="Arial" panose="020B0604020202020204" pitchFamily="34" charset="0"/>
-                <a:ea typeface="Times New Roman" panose="02020603050405020304" pitchFamily="18" charset="0"/>
-                <a:cs typeface="Times New Roman" panose="02020603050405020304" pitchFamily="18" charset="0"/>
-              </a:rPr>
-            </a:br>
-            <a:r>
-              <a:rPr lang="en-US" dirty="0" smtClean="0">
-                <a:solidFill>
-                  <a:srgbClr val="000000"/>
-                </a:solidFill>
-                <a:latin typeface="Arial" panose="020B0604020202020204" pitchFamily="34" charset="0"/>
-                <a:ea typeface="Times New Roman" panose="02020603050405020304" pitchFamily="18" charset="0"/>
-                <a:cs typeface="Times New Roman" panose="02020603050405020304" pitchFamily="18" charset="0"/>
-              </a:rPr>
-              <a:t>the </a:t>
-            </a:r>
-            <a:r>
-              <a:rPr lang="en-US" dirty="0">
-                <a:solidFill>
-                  <a:srgbClr val="000000"/>
-                </a:solidFill>
-                <a:latin typeface="Arial" panose="020B0604020202020204" pitchFamily="34" charset="0"/>
-                <a:ea typeface="Times New Roman" panose="02020603050405020304" pitchFamily="18" charset="0"/>
-                <a:cs typeface="Times New Roman" panose="02020603050405020304" pitchFamily="18" charset="0"/>
-              </a:rPr>
-              <a:t>elements</a:t>
+              <a:t>to format</a:t>
             </a:r>
             <a:br>
               <a:rPr lang="en-US" dirty="0">
@@ -3723,6 +3680,27 @@
                 <a:ea typeface="Times New Roman" panose="02020603050405020304" pitchFamily="18" charset="0"/>
                 <a:cs typeface="Times New Roman" panose="02020603050405020304" pitchFamily="18" charset="0"/>
               </a:rPr>
+              <a:t>the elements</a:t>
+            </a:r>
+            <a:br>
+              <a:rPr lang="en-US" dirty="0">
+                <a:solidFill>
+                  <a:srgbClr val="000000"/>
+                </a:solidFill>
+                <a:latin typeface="Arial" panose="020B0604020202020204" pitchFamily="34" charset="0"/>
+                <a:ea typeface="Times New Roman" panose="02020603050405020304" pitchFamily="18" charset="0"/>
+                <a:cs typeface="Times New Roman" panose="02020603050405020304" pitchFamily="18" charset="0"/>
+              </a:rPr>
+            </a:br>
+            <a:r>
+              <a:rPr lang="en-US" dirty="0">
+                <a:solidFill>
+                  <a:srgbClr val="000000"/>
+                </a:solidFill>
+                <a:latin typeface="Arial" panose="020B0604020202020204" pitchFamily="34" charset="0"/>
+                <a:ea typeface="Times New Roman" panose="02020603050405020304" pitchFamily="18" charset="0"/>
+                <a:cs typeface="Times New Roman" panose="02020603050405020304" pitchFamily="18" charset="0"/>
+              </a:rPr>
               <a:t>of a web page</a:t>
             </a:r>
           </a:p>
@@ -3736,7 +3714,7 @@
           <p:cNvPr id="7" name="Title 6">
             <a:extLst>
               <a:ext uri="{FF2B5EF4-FFF2-40B4-BE49-F238E27FC236}">
-                <a16:creationId xmlns:a16="http://schemas.microsoft.com/office/drawing/2014/main" xmlns="" id="{78F1EFEB-2401-4D83-88F9-500E8E23BEE0}"/>
+                <a16:creationId xmlns:a16="http://schemas.microsoft.com/office/drawing/2014/main" id="{78F1EFEB-2401-4D83-88F9-500E8E23BEE0}"/>
               </a:ext>
             </a:extLst>
           </p:cNvPr>
@@ -3764,7 +3742,7 @@
           <p:cNvPr id="4" name="Date Placeholder 3">
             <a:extLst>
               <a:ext uri="{FF2B5EF4-FFF2-40B4-BE49-F238E27FC236}">
-                <a16:creationId xmlns:a16="http://schemas.microsoft.com/office/drawing/2014/main" xmlns="" id="{63358075-7189-4561-A4E5-98C8C46EDDC9}"/>
+                <a16:creationId xmlns:a16="http://schemas.microsoft.com/office/drawing/2014/main" id="{63358075-7189-4561-A4E5-98C8C46EDDC9}"/>
               </a:ext>
             </a:extLst>
           </p:cNvPr>
@@ -3796,7 +3774,7 @@
           <p:cNvPr id="5" name="Footer Placeholder 4">
             <a:extLst>
               <a:ext uri="{FF2B5EF4-FFF2-40B4-BE49-F238E27FC236}">
-                <a16:creationId xmlns:a16="http://schemas.microsoft.com/office/drawing/2014/main" xmlns="" id="{122A3984-E668-431C-B47A-D79A7058C76A}"/>
+                <a16:creationId xmlns:a16="http://schemas.microsoft.com/office/drawing/2014/main" id="{122A3984-E668-431C-B47A-D79A7058C76A}"/>
               </a:ext>
             </a:extLst>
           </p:cNvPr>
@@ -3828,7 +3806,7 @@
           <p:cNvPr id="6" name="Slide Number Placeholder 5">
             <a:extLst>
               <a:ext uri="{FF2B5EF4-FFF2-40B4-BE49-F238E27FC236}">
-                <a16:creationId xmlns:a16="http://schemas.microsoft.com/office/drawing/2014/main" xmlns="" id="{4AFF6169-E941-478B-83FF-531399080CB6}"/>
+                <a16:creationId xmlns:a16="http://schemas.microsoft.com/office/drawing/2014/main" id="{4AFF6169-E941-478B-83FF-531399080CB6}"/>
               </a:ext>
             </a:extLst>
           </p:cNvPr>
@@ -3917,7 +3895,7 @@
           <p:cNvPr id="2" name="Title 1">
             <a:extLst>
               <a:ext uri="{FF2B5EF4-FFF2-40B4-BE49-F238E27FC236}">
-                <a16:creationId xmlns:a16="http://schemas.microsoft.com/office/drawing/2014/main" xmlns="" id="{0C8AD557-2454-4610-BEAC-924646F777B2}"/>
+                <a16:creationId xmlns:a16="http://schemas.microsoft.com/office/drawing/2014/main" id="{0C8AD557-2454-4610-BEAC-924646F777B2}"/>
               </a:ext>
             </a:extLst>
           </p:cNvPr>
@@ -3981,7 +3959,7 @@
           <p:cNvPr id="3" name="Text Placeholder 2">
             <a:extLst>
               <a:ext uri="{FF2B5EF4-FFF2-40B4-BE49-F238E27FC236}">
-                <a16:creationId xmlns:a16="http://schemas.microsoft.com/office/drawing/2014/main" xmlns="" id="{70A36C9E-D4D1-4980-AB4D-8239A89EF712}"/>
+                <a16:creationId xmlns:a16="http://schemas.microsoft.com/office/drawing/2014/main" id="{70A36C9E-D4D1-4980-AB4D-8239A89EF712}"/>
               </a:ext>
             </a:extLst>
           </p:cNvPr>
@@ -4242,7 +4220,7 @@
           <p:cNvPr id="4" name="Date Placeholder 3">
             <a:extLst>
               <a:ext uri="{FF2B5EF4-FFF2-40B4-BE49-F238E27FC236}">
-                <a16:creationId xmlns:a16="http://schemas.microsoft.com/office/drawing/2014/main" xmlns="" id="{8FAA0FD6-7C64-479C-B92F-8FA264009277}"/>
+                <a16:creationId xmlns:a16="http://schemas.microsoft.com/office/drawing/2014/main" id="{8FAA0FD6-7C64-479C-B92F-8FA264009277}"/>
               </a:ext>
             </a:extLst>
           </p:cNvPr>
@@ -4274,7 +4252,7 @@
           <p:cNvPr id="5" name="Footer Placeholder 4">
             <a:extLst>
               <a:ext uri="{FF2B5EF4-FFF2-40B4-BE49-F238E27FC236}">
-                <a16:creationId xmlns:a16="http://schemas.microsoft.com/office/drawing/2014/main" xmlns="" id="{7A335785-2D25-4452-85FE-715A341163C6}"/>
+                <a16:creationId xmlns:a16="http://schemas.microsoft.com/office/drawing/2014/main" id="{7A335785-2D25-4452-85FE-715A341163C6}"/>
               </a:ext>
             </a:extLst>
           </p:cNvPr>
@@ -4306,7 +4284,7 @@
           <p:cNvPr id="6" name="Slide Number Placeholder 5">
             <a:extLst>
               <a:ext uri="{FF2B5EF4-FFF2-40B4-BE49-F238E27FC236}">
-                <a16:creationId xmlns:a16="http://schemas.microsoft.com/office/drawing/2014/main" xmlns="" id="{FDBC6DC7-0E1F-47FF-B1C6-237883A0AC68}"/>
+                <a16:creationId xmlns:a16="http://schemas.microsoft.com/office/drawing/2014/main" id="{FDBC6DC7-0E1F-47FF-B1C6-237883A0AC68}"/>
               </a:ext>
             </a:extLst>
           </p:cNvPr>
@@ -4370,13 +4348,6 @@
   <p:clrMapOvr>
     <a:masterClrMapping/>
   </p:clrMapOvr>
-  <p:timing>
-    <p:tnLst>
-      <p:par>
-        <p:cTn id="1" dur="indefinite" restart="never" nodeType="tmRoot"/>
-      </p:par>
-    </p:tnLst>
-  </p:timing>
 </p:sld>
 </file>
 
@@ -4402,7 +4373,7 @@
           <p:cNvPr id="2" name="Title 1">
             <a:extLst>
               <a:ext uri="{FF2B5EF4-FFF2-40B4-BE49-F238E27FC236}">
-                <a16:creationId xmlns:a16="http://schemas.microsoft.com/office/drawing/2014/main" xmlns="" id="{F5763F00-8084-42C5-A1C7-A8F49379EFA4}"/>
+                <a16:creationId xmlns:a16="http://schemas.microsoft.com/office/drawing/2014/main" id="{F5763F00-8084-42C5-A1C7-A8F49379EFA4}"/>
               </a:ext>
             </a:extLst>
           </p:cNvPr>
@@ -4446,7 +4417,7 @@
           <p:cNvPr id="7" name="Content Placeholder 6" descr="See page 128 in book" title="See slide title">
             <a:extLst>
               <a:ext uri="{FF2B5EF4-FFF2-40B4-BE49-F238E27FC236}">
-                <a16:creationId xmlns:a16="http://schemas.microsoft.com/office/drawing/2014/main" xmlns="" id="{E28434D6-65F5-475C-87AC-69B92C6A6410}"/>
+                <a16:creationId xmlns:a16="http://schemas.microsoft.com/office/drawing/2014/main" id="{E28434D6-65F5-475C-87AC-69B92C6A6410}"/>
               </a:ext>
             </a:extLst>
           </p:cNvPr>
@@ -4484,7 +4455,7 @@
           <p:cNvPr id="4" name="Date Placeholder 3">
             <a:extLst>
               <a:ext uri="{FF2B5EF4-FFF2-40B4-BE49-F238E27FC236}">
-                <a16:creationId xmlns:a16="http://schemas.microsoft.com/office/drawing/2014/main" xmlns="" id="{41227E97-5C34-429F-ADAB-9A0EAB68B472}"/>
+                <a16:creationId xmlns:a16="http://schemas.microsoft.com/office/drawing/2014/main" id="{41227E97-5C34-429F-ADAB-9A0EAB68B472}"/>
               </a:ext>
             </a:extLst>
           </p:cNvPr>
@@ -4516,7 +4487,7 @@
           <p:cNvPr id="5" name="Footer Placeholder 4">
             <a:extLst>
               <a:ext uri="{FF2B5EF4-FFF2-40B4-BE49-F238E27FC236}">
-                <a16:creationId xmlns:a16="http://schemas.microsoft.com/office/drawing/2014/main" xmlns="" id="{158648BA-2AE0-4AB5-91EA-24C2E97D2EF2}"/>
+                <a16:creationId xmlns:a16="http://schemas.microsoft.com/office/drawing/2014/main" id="{158648BA-2AE0-4AB5-91EA-24C2E97D2EF2}"/>
               </a:ext>
             </a:extLst>
           </p:cNvPr>
@@ -4548,7 +4519,7 @@
           <p:cNvPr id="6" name="Slide Number Placeholder 5">
             <a:extLst>
               <a:ext uri="{FF2B5EF4-FFF2-40B4-BE49-F238E27FC236}">
-                <a16:creationId xmlns:a16="http://schemas.microsoft.com/office/drawing/2014/main" xmlns="" id="{1F8A7784-82FF-4B68-AE3F-FFE6DE30A009}"/>
+                <a16:creationId xmlns:a16="http://schemas.microsoft.com/office/drawing/2014/main" id="{1F8A7784-82FF-4B68-AE3F-FFE6DE30A009}"/>
               </a:ext>
             </a:extLst>
           </p:cNvPr>
@@ -4612,13 +4583,6 @@
   <p:clrMapOvr>
     <a:masterClrMapping/>
   </p:clrMapOvr>
-  <p:timing>
-    <p:tnLst>
-      <p:par>
-        <p:cTn id="1" dur="indefinite" restart="never" nodeType="tmRoot"/>
-      </p:par>
-    </p:tnLst>
-  </p:timing>
 </p:sld>
 </file>
 
@@ -4644,7 +4608,7 @@
           <p:cNvPr id="2" name="Title 1">
             <a:extLst>
               <a:ext uri="{FF2B5EF4-FFF2-40B4-BE49-F238E27FC236}">
-                <a16:creationId xmlns:a16="http://schemas.microsoft.com/office/drawing/2014/main" xmlns="" id="{21F53E7C-E5F3-49AA-86CD-B282D0E5B102}"/>
+                <a16:creationId xmlns:a16="http://schemas.microsoft.com/office/drawing/2014/main" id="{21F53E7C-E5F3-49AA-86CD-B282D0E5B102}"/>
               </a:ext>
             </a:extLst>
           </p:cNvPr>
@@ -4688,7 +4652,7 @@
           <p:cNvPr id="3" name="Text Placeholder 2">
             <a:extLst>
               <a:ext uri="{FF2B5EF4-FFF2-40B4-BE49-F238E27FC236}">
-                <a16:creationId xmlns:a16="http://schemas.microsoft.com/office/drawing/2014/main" xmlns="" id="{57AD8382-09F7-43D5-9D9A-3EA8FB7A0E5F}"/>
+                <a16:creationId xmlns:a16="http://schemas.microsoft.com/office/drawing/2014/main" id="{57AD8382-09F7-43D5-9D9A-3EA8FB7A0E5F}"/>
               </a:ext>
             </a:extLst>
           </p:cNvPr>
@@ -4973,7 +4937,7 @@
           <p:cNvPr id="4" name="Date Placeholder 3">
             <a:extLst>
               <a:ext uri="{FF2B5EF4-FFF2-40B4-BE49-F238E27FC236}">
-                <a16:creationId xmlns:a16="http://schemas.microsoft.com/office/drawing/2014/main" xmlns="" id="{B4731D8A-BDAB-4B27-AFC0-8B40C70126C8}"/>
+                <a16:creationId xmlns:a16="http://schemas.microsoft.com/office/drawing/2014/main" id="{B4731D8A-BDAB-4B27-AFC0-8B40C70126C8}"/>
               </a:ext>
             </a:extLst>
           </p:cNvPr>
@@ -5005,7 +4969,7 @@
           <p:cNvPr id="5" name="Footer Placeholder 4">
             <a:extLst>
               <a:ext uri="{FF2B5EF4-FFF2-40B4-BE49-F238E27FC236}">
-                <a16:creationId xmlns:a16="http://schemas.microsoft.com/office/drawing/2014/main" xmlns="" id="{0728AA00-D602-4563-93AA-D7D8605A73F1}"/>
+                <a16:creationId xmlns:a16="http://schemas.microsoft.com/office/drawing/2014/main" id="{0728AA00-D602-4563-93AA-D7D8605A73F1}"/>
               </a:ext>
             </a:extLst>
           </p:cNvPr>
@@ -5037,7 +5001,7 @@
           <p:cNvPr id="6" name="Slide Number Placeholder 5">
             <a:extLst>
               <a:ext uri="{FF2B5EF4-FFF2-40B4-BE49-F238E27FC236}">
-                <a16:creationId xmlns:a16="http://schemas.microsoft.com/office/drawing/2014/main" xmlns="" id="{83B2A27A-3134-443E-B7EA-2AAACA537F9D}"/>
+                <a16:creationId xmlns:a16="http://schemas.microsoft.com/office/drawing/2014/main" id="{83B2A27A-3134-443E-B7EA-2AAACA537F9D}"/>
               </a:ext>
             </a:extLst>
           </p:cNvPr>
@@ -5126,7 +5090,7 @@
           <p:cNvPr id="2" name="Title 1">
             <a:extLst>
               <a:ext uri="{FF2B5EF4-FFF2-40B4-BE49-F238E27FC236}">
-                <a16:creationId xmlns:a16="http://schemas.microsoft.com/office/drawing/2014/main" xmlns="" id="{5891D081-1A1B-47A3-8551-FDE858DBEACC}"/>
+                <a16:creationId xmlns:a16="http://schemas.microsoft.com/office/drawing/2014/main" id="{5891D081-1A1B-47A3-8551-FDE858DBEACC}"/>
               </a:ext>
             </a:extLst>
           </p:cNvPr>
@@ -5170,7 +5134,7 @@
           <p:cNvPr id="3" name="Text Placeholder 2">
             <a:extLst>
               <a:ext uri="{FF2B5EF4-FFF2-40B4-BE49-F238E27FC236}">
-                <a16:creationId xmlns:a16="http://schemas.microsoft.com/office/drawing/2014/main" xmlns="" id="{6A6FFDEF-8366-44A7-8F23-600B792730BB}"/>
+                <a16:creationId xmlns:a16="http://schemas.microsoft.com/office/drawing/2014/main" id="{6A6FFDEF-8366-44A7-8F23-600B792730BB}"/>
               </a:ext>
             </a:extLst>
           </p:cNvPr>
@@ -5372,7 +5336,7 @@
           <p:cNvPr id="4" name="Date Placeholder 3">
             <a:extLst>
               <a:ext uri="{FF2B5EF4-FFF2-40B4-BE49-F238E27FC236}">
-                <a16:creationId xmlns:a16="http://schemas.microsoft.com/office/drawing/2014/main" xmlns="" id="{17478F06-D549-44BE-BCBD-44414DC9DE47}"/>
+                <a16:creationId xmlns:a16="http://schemas.microsoft.com/office/drawing/2014/main" id="{17478F06-D549-44BE-BCBD-44414DC9DE47}"/>
               </a:ext>
             </a:extLst>
           </p:cNvPr>
@@ -5404,7 +5368,7 @@
           <p:cNvPr id="5" name="Footer Placeholder 4">
             <a:extLst>
               <a:ext uri="{FF2B5EF4-FFF2-40B4-BE49-F238E27FC236}">
-                <a16:creationId xmlns:a16="http://schemas.microsoft.com/office/drawing/2014/main" xmlns="" id="{EE71898A-D46A-44BC-AE9B-53B366F16391}"/>
+                <a16:creationId xmlns:a16="http://schemas.microsoft.com/office/drawing/2014/main" id="{EE71898A-D46A-44BC-AE9B-53B366F16391}"/>
               </a:ext>
             </a:extLst>
           </p:cNvPr>
@@ -5436,7 +5400,7 @@
           <p:cNvPr id="6" name="Slide Number Placeholder 5">
             <a:extLst>
               <a:ext uri="{FF2B5EF4-FFF2-40B4-BE49-F238E27FC236}">
-                <a16:creationId xmlns:a16="http://schemas.microsoft.com/office/drawing/2014/main" xmlns="" id="{97E96459-55DB-4641-B772-4F1768F12025}"/>
+                <a16:creationId xmlns:a16="http://schemas.microsoft.com/office/drawing/2014/main" id="{97E96459-55DB-4641-B772-4F1768F12025}"/>
               </a:ext>
             </a:extLst>
           </p:cNvPr>
@@ -5525,7 +5489,7 @@
           <p:cNvPr id="2" name="Title 1">
             <a:extLst>
               <a:ext uri="{FF2B5EF4-FFF2-40B4-BE49-F238E27FC236}">
-                <a16:creationId xmlns:a16="http://schemas.microsoft.com/office/drawing/2014/main" xmlns="" id="{C5452BEC-A8B0-4289-ABAA-ED6D9413415A}"/>
+                <a16:creationId xmlns:a16="http://schemas.microsoft.com/office/drawing/2014/main" id="{C5452BEC-A8B0-4289-ABAA-ED6D9413415A}"/>
               </a:ext>
             </a:extLst>
           </p:cNvPr>
@@ -5569,7 +5533,7 @@
           <p:cNvPr id="7" name="Content Placeholder 6" descr="See page 130 in book" title="See slide title">
             <a:extLst>
               <a:ext uri="{FF2B5EF4-FFF2-40B4-BE49-F238E27FC236}">
-                <a16:creationId xmlns:a16="http://schemas.microsoft.com/office/drawing/2014/main" xmlns="" id="{D7EE5690-0FE1-48BA-91A4-D3E1766324C4}"/>
+                <a16:creationId xmlns:a16="http://schemas.microsoft.com/office/drawing/2014/main" id="{D7EE5690-0FE1-48BA-91A4-D3E1766324C4}"/>
               </a:ext>
             </a:extLst>
           </p:cNvPr>
@@ -5607,7 +5571,7 @@
           <p:cNvPr id="4" name="Date Placeholder 3">
             <a:extLst>
               <a:ext uri="{FF2B5EF4-FFF2-40B4-BE49-F238E27FC236}">
-                <a16:creationId xmlns:a16="http://schemas.microsoft.com/office/drawing/2014/main" xmlns="" id="{55805119-9360-4E48-9E72-2048FB12615C}"/>
+                <a16:creationId xmlns:a16="http://schemas.microsoft.com/office/drawing/2014/main" id="{55805119-9360-4E48-9E72-2048FB12615C}"/>
               </a:ext>
             </a:extLst>
           </p:cNvPr>
@@ -5639,7 +5603,7 @@
           <p:cNvPr id="5" name="Footer Placeholder 4">
             <a:extLst>
               <a:ext uri="{FF2B5EF4-FFF2-40B4-BE49-F238E27FC236}">
-                <a16:creationId xmlns:a16="http://schemas.microsoft.com/office/drawing/2014/main" xmlns="" id="{AA1040EA-F006-40C7-AC2D-9F1C240FDEFE}"/>
+                <a16:creationId xmlns:a16="http://schemas.microsoft.com/office/drawing/2014/main" id="{AA1040EA-F006-40C7-AC2D-9F1C240FDEFE}"/>
               </a:ext>
             </a:extLst>
           </p:cNvPr>
@@ -5671,7 +5635,7 @@
           <p:cNvPr id="6" name="Slide Number Placeholder 5">
             <a:extLst>
               <a:ext uri="{FF2B5EF4-FFF2-40B4-BE49-F238E27FC236}">
-                <a16:creationId xmlns:a16="http://schemas.microsoft.com/office/drawing/2014/main" xmlns="" id="{5A73CBC6-1BA7-4C84-84F0-2E1271A02B3C}"/>
+                <a16:creationId xmlns:a16="http://schemas.microsoft.com/office/drawing/2014/main" id="{5A73CBC6-1BA7-4C84-84F0-2E1271A02B3C}"/>
               </a:ext>
             </a:extLst>
           </p:cNvPr>
@@ -5760,7 +5724,7 @@
           <p:cNvPr id="2" name="Title 1">
             <a:extLst>
               <a:ext uri="{FF2B5EF4-FFF2-40B4-BE49-F238E27FC236}">
-                <a16:creationId xmlns:a16="http://schemas.microsoft.com/office/drawing/2014/main" xmlns="" id="{0E700FC1-F610-4CAB-9ABF-801A8E455ECE}"/>
+                <a16:creationId xmlns:a16="http://schemas.microsoft.com/office/drawing/2014/main" id="{0E700FC1-F610-4CAB-9ABF-801A8E455ECE}"/>
               </a:ext>
             </a:extLst>
           </p:cNvPr>
@@ -5804,7 +5768,7 @@
           <p:cNvPr id="3" name="Text Placeholder 2">
             <a:extLst>
               <a:ext uri="{FF2B5EF4-FFF2-40B4-BE49-F238E27FC236}">
-                <a16:creationId xmlns:a16="http://schemas.microsoft.com/office/drawing/2014/main" xmlns="" id="{6BCD057A-949F-44E2-8782-D5B5C65BD45D}"/>
+                <a16:creationId xmlns:a16="http://schemas.microsoft.com/office/drawing/2014/main" id="{6BCD057A-949F-44E2-8782-D5B5C65BD45D}"/>
               </a:ext>
             </a:extLst>
           </p:cNvPr>
@@ -5867,7 +5831,7 @@
           <p:cNvPr id="4" name="Date Placeholder 3">
             <a:extLst>
               <a:ext uri="{FF2B5EF4-FFF2-40B4-BE49-F238E27FC236}">
-                <a16:creationId xmlns:a16="http://schemas.microsoft.com/office/drawing/2014/main" xmlns="" id="{572D9BB7-B8AE-4E96-B49C-A7BD55E9D5EA}"/>
+                <a16:creationId xmlns:a16="http://schemas.microsoft.com/office/drawing/2014/main" id="{572D9BB7-B8AE-4E96-B49C-A7BD55E9D5EA}"/>
               </a:ext>
             </a:extLst>
           </p:cNvPr>
@@ -5899,7 +5863,7 @@
           <p:cNvPr id="5" name="Footer Placeholder 4">
             <a:extLst>
               <a:ext uri="{FF2B5EF4-FFF2-40B4-BE49-F238E27FC236}">
-                <a16:creationId xmlns:a16="http://schemas.microsoft.com/office/drawing/2014/main" xmlns="" id="{0E88E77D-B780-4073-9ED8-E5CAAB297430}"/>
+                <a16:creationId xmlns:a16="http://schemas.microsoft.com/office/drawing/2014/main" id="{0E88E77D-B780-4073-9ED8-E5CAAB297430}"/>
               </a:ext>
             </a:extLst>
           </p:cNvPr>
@@ -5931,7 +5895,7 @@
           <p:cNvPr id="6" name="Slide Number Placeholder 5">
             <a:extLst>
               <a:ext uri="{FF2B5EF4-FFF2-40B4-BE49-F238E27FC236}">
-                <a16:creationId xmlns:a16="http://schemas.microsoft.com/office/drawing/2014/main" xmlns="" id="{23F5BCBB-F7FA-438D-8202-592F2CB9150B}"/>
+                <a16:creationId xmlns:a16="http://schemas.microsoft.com/office/drawing/2014/main" id="{23F5BCBB-F7FA-438D-8202-592F2CB9150B}"/>
               </a:ext>
             </a:extLst>
           </p:cNvPr>
@@ -6020,7 +5984,7 @@
           <p:cNvPr id="2" name="Title 1">
             <a:extLst>
               <a:ext uri="{FF2B5EF4-FFF2-40B4-BE49-F238E27FC236}">
-                <a16:creationId xmlns:a16="http://schemas.microsoft.com/office/drawing/2014/main" xmlns="" id="{B0FBFB8F-151F-4414-95A1-8C5051FF1F36}"/>
+                <a16:creationId xmlns:a16="http://schemas.microsoft.com/office/drawing/2014/main" id="{B0FBFB8F-151F-4414-95A1-8C5051FF1F36}"/>
               </a:ext>
             </a:extLst>
           </p:cNvPr>
@@ -6064,7 +6028,7 @@
           <p:cNvPr id="3" name="Text Placeholder 2">
             <a:extLst>
               <a:ext uri="{FF2B5EF4-FFF2-40B4-BE49-F238E27FC236}">
-                <a16:creationId xmlns:a16="http://schemas.microsoft.com/office/drawing/2014/main" xmlns="" id="{5EDC4A48-C632-4867-8C12-CA72DF76E7F2}"/>
+                <a16:creationId xmlns:a16="http://schemas.microsoft.com/office/drawing/2014/main" id="{5EDC4A48-C632-4867-8C12-CA72DF76E7F2}"/>
               </a:ext>
             </a:extLst>
           </p:cNvPr>
@@ -6352,7 +6316,7 @@
           <p:cNvPr id="4" name="Date Placeholder 3">
             <a:extLst>
               <a:ext uri="{FF2B5EF4-FFF2-40B4-BE49-F238E27FC236}">
-                <a16:creationId xmlns:a16="http://schemas.microsoft.com/office/drawing/2014/main" xmlns="" id="{B911282D-C960-47AF-99C3-41E655CC828A}"/>
+                <a16:creationId xmlns:a16="http://schemas.microsoft.com/office/drawing/2014/main" id="{B911282D-C960-47AF-99C3-41E655CC828A}"/>
               </a:ext>
             </a:extLst>
           </p:cNvPr>
@@ -6384,7 +6348,7 @@
           <p:cNvPr id="5" name="Footer Placeholder 4">
             <a:extLst>
               <a:ext uri="{FF2B5EF4-FFF2-40B4-BE49-F238E27FC236}">
-                <a16:creationId xmlns:a16="http://schemas.microsoft.com/office/drawing/2014/main" xmlns="" id="{442C0FE8-C5FF-40BE-9944-154B74A5243E}"/>
+                <a16:creationId xmlns:a16="http://schemas.microsoft.com/office/drawing/2014/main" id="{442C0FE8-C5FF-40BE-9944-154B74A5243E}"/>
               </a:ext>
             </a:extLst>
           </p:cNvPr>
@@ -6416,7 +6380,7 @@
           <p:cNvPr id="6" name="Slide Number Placeholder 5">
             <a:extLst>
               <a:ext uri="{FF2B5EF4-FFF2-40B4-BE49-F238E27FC236}">
-                <a16:creationId xmlns:a16="http://schemas.microsoft.com/office/drawing/2014/main" xmlns="" id="{1D6C8DBC-3442-40E9-98C7-85B85CD4883E}"/>
+                <a16:creationId xmlns:a16="http://schemas.microsoft.com/office/drawing/2014/main" id="{1D6C8DBC-3442-40E9-98C7-85B85CD4883E}"/>
               </a:ext>
             </a:extLst>
           </p:cNvPr>
@@ -6505,7 +6469,7 @@
           <p:cNvPr id="2" name="Title 1">
             <a:extLst>
               <a:ext uri="{FF2B5EF4-FFF2-40B4-BE49-F238E27FC236}">
-                <a16:creationId xmlns:a16="http://schemas.microsoft.com/office/drawing/2014/main" xmlns="" id="{6E146C39-CEA1-423A-876C-06D9DEA5F3E0}"/>
+                <a16:creationId xmlns:a16="http://schemas.microsoft.com/office/drawing/2014/main" id="{6E146C39-CEA1-423A-876C-06D9DEA5F3E0}"/>
               </a:ext>
             </a:extLst>
           </p:cNvPr>
@@ -6549,7 +6513,7 @@
           <p:cNvPr id="3" name="Text Placeholder 2">
             <a:extLst>
               <a:ext uri="{FF2B5EF4-FFF2-40B4-BE49-F238E27FC236}">
-                <a16:creationId xmlns:a16="http://schemas.microsoft.com/office/drawing/2014/main" xmlns="" id="{A1635C0F-3A0A-4669-B9F3-B4DA07ED6165}"/>
+                <a16:creationId xmlns:a16="http://schemas.microsoft.com/office/drawing/2014/main" id="{A1635C0F-3A0A-4669-B9F3-B4DA07ED6165}"/>
               </a:ext>
             </a:extLst>
           </p:cNvPr>
@@ -6772,7 +6736,7 @@
           <p:cNvPr id="4" name="Date Placeholder 3">
             <a:extLst>
               <a:ext uri="{FF2B5EF4-FFF2-40B4-BE49-F238E27FC236}">
-                <a16:creationId xmlns:a16="http://schemas.microsoft.com/office/drawing/2014/main" xmlns="" id="{2D0A336E-2375-4A54-B97B-B0E2D4EA18EE}"/>
+                <a16:creationId xmlns:a16="http://schemas.microsoft.com/office/drawing/2014/main" id="{2D0A336E-2375-4A54-B97B-B0E2D4EA18EE}"/>
               </a:ext>
             </a:extLst>
           </p:cNvPr>
@@ -6804,7 +6768,7 @@
           <p:cNvPr id="5" name="Footer Placeholder 4">
             <a:extLst>
               <a:ext uri="{FF2B5EF4-FFF2-40B4-BE49-F238E27FC236}">
-                <a16:creationId xmlns:a16="http://schemas.microsoft.com/office/drawing/2014/main" xmlns="" id="{81792C15-F0EC-4DC6-ACF4-CA7A23C13529}"/>
+                <a16:creationId xmlns:a16="http://schemas.microsoft.com/office/drawing/2014/main" id="{81792C15-F0EC-4DC6-ACF4-CA7A23C13529}"/>
               </a:ext>
             </a:extLst>
           </p:cNvPr>
@@ -6836,7 +6800,7 @@
           <p:cNvPr id="6" name="Slide Number Placeholder 5">
             <a:extLst>
               <a:ext uri="{FF2B5EF4-FFF2-40B4-BE49-F238E27FC236}">
-                <a16:creationId xmlns:a16="http://schemas.microsoft.com/office/drawing/2014/main" xmlns="" id="{60E897C4-68BD-44E8-AB6C-4D8B9F6A6F18}"/>
+                <a16:creationId xmlns:a16="http://schemas.microsoft.com/office/drawing/2014/main" id="{60E897C4-68BD-44E8-AB6C-4D8B9F6A6F18}"/>
               </a:ext>
             </a:extLst>
           </p:cNvPr>
@@ -6925,7 +6889,7 @@
           <p:cNvPr id="2" name="Title 1">
             <a:extLst>
               <a:ext uri="{FF2B5EF4-FFF2-40B4-BE49-F238E27FC236}">
-                <a16:creationId xmlns:a16="http://schemas.microsoft.com/office/drawing/2014/main" xmlns="" id="{02A71D77-4A34-4D0E-9E69-1703FA1DFFF2}"/>
+                <a16:creationId xmlns:a16="http://schemas.microsoft.com/office/drawing/2014/main" id="{02A71D77-4A34-4D0E-9E69-1703FA1DFFF2}"/>
               </a:ext>
             </a:extLst>
           </p:cNvPr>
@@ -6969,7 +6933,7 @@
           <p:cNvPr id="7" name="Content Placeholder 6" descr="See page 132 in book" title="See slide title">
             <a:extLst>
               <a:ext uri="{FF2B5EF4-FFF2-40B4-BE49-F238E27FC236}">
-                <a16:creationId xmlns:a16="http://schemas.microsoft.com/office/drawing/2014/main" xmlns="" id="{9185D277-33E8-4122-9257-DC727A52F608}"/>
+                <a16:creationId xmlns:a16="http://schemas.microsoft.com/office/drawing/2014/main" id="{9185D277-33E8-4122-9257-DC727A52F608}"/>
               </a:ext>
             </a:extLst>
           </p:cNvPr>
@@ -7007,7 +6971,7 @@
           <p:cNvPr id="4" name="Date Placeholder 3">
             <a:extLst>
               <a:ext uri="{FF2B5EF4-FFF2-40B4-BE49-F238E27FC236}">
-                <a16:creationId xmlns:a16="http://schemas.microsoft.com/office/drawing/2014/main" xmlns="" id="{354D68F6-04D0-4796-B798-A2F15C854366}"/>
+                <a16:creationId xmlns:a16="http://schemas.microsoft.com/office/drawing/2014/main" id="{354D68F6-04D0-4796-B798-A2F15C854366}"/>
               </a:ext>
             </a:extLst>
           </p:cNvPr>
@@ -7039,7 +7003,7 @@
           <p:cNvPr id="5" name="Footer Placeholder 4">
             <a:extLst>
               <a:ext uri="{FF2B5EF4-FFF2-40B4-BE49-F238E27FC236}">
-                <a16:creationId xmlns:a16="http://schemas.microsoft.com/office/drawing/2014/main" xmlns="" id="{5ACBB317-6F60-4C91-9BA4-040E7F214ABB}"/>
+                <a16:creationId xmlns:a16="http://schemas.microsoft.com/office/drawing/2014/main" id="{5ACBB317-6F60-4C91-9BA4-040E7F214ABB}"/>
               </a:ext>
             </a:extLst>
           </p:cNvPr>
@@ -7071,7 +7035,7 @@
           <p:cNvPr id="6" name="Slide Number Placeholder 5">
             <a:extLst>
               <a:ext uri="{FF2B5EF4-FFF2-40B4-BE49-F238E27FC236}">
-                <a16:creationId xmlns:a16="http://schemas.microsoft.com/office/drawing/2014/main" xmlns="" id="{589F2891-09B8-4E2C-A15A-DEFFFC7C65EA}"/>
+                <a16:creationId xmlns:a16="http://schemas.microsoft.com/office/drawing/2014/main" id="{589F2891-09B8-4E2C-A15A-DEFFFC7C65EA}"/>
               </a:ext>
             </a:extLst>
           </p:cNvPr>
@@ -7160,7 +7124,7 @@
           <p:cNvPr id="2" name="Title 1">
             <a:extLst>
               <a:ext uri="{FF2B5EF4-FFF2-40B4-BE49-F238E27FC236}">
-                <a16:creationId xmlns:a16="http://schemas.microsoft.com/office/drawing/2014/main" xmlns="" id="{E83E6CFA-A1F5-4245-9B53-C0E6604CEDC1}"/>
+                <a16:creationId xmlns:a16="http://schemas.microsoft.com/office/drawing/2014/main" id="{E83E6CFA-A1F5-4245-9B53-C0E6604CEDC1}"/>
               </a:ext>
             </a:extLst>
           </p:cNvPr>
@@ -7224,7 +7188,7 @@
           <p:cNvPr id="3" name="Text Placeholder 2">
             <a:extLst>
               <a:ext uri="{FF2B5EF4-FFF2-40B4-BE49-F238E27FC236}">
-                <a16:creationId xmlns:a16="http://schemas.microsoft.com/office/drawing/2014/main" xmlns="" id="{2DFE1E43-D5D2-43DC-9EA5-FBECBF1C7453}"/>
+                <a16:creationId xmlns:a16="http://schemas.microsoft.com/office/drawing/2014/main" id="{2DFE1E43-D5D2-43DC-9EA5-FBECBF1C7453}"/>
               </a:ext>
             </a:extLst>
           </p:cNvPr>
@@ -7491,7 +7455,7 @@
           <p:cNvPr id="4" name="Date Placeholder 3">
             <a:extLst>
               <a:ext uri="{FF2B5EF4-FFF2-40B4-BE49-F238E27FC236}">
-                <a16:creationId xmlns:a16="http://schemas.microsoft.com/office/drawing/2014/main" xmlns="" id="{910D87DF-F557-4B93-B680-00924D391A6D}"/>
+                <a16:creationId xmlns:a16="http://schemas.microsoft.com/office/drawing/2014/main" id="{910D87DF-F557-4B93-B680-00924D391A6D}"/>
               </a:ext>
             </a:extLst>
           </p:cNvPr>
@@ -7523,7 +7487,7 @@
           <p:cNvPr id="5" name="Footer Placeholder 4">
             <a:extLst>
               <a:ext uri="{FF2B5EF4-FFF2-40B4-BE49-F238E27FC236}">
-                <a16:creationId xmlns:a16="http://schemas.microsoft.com/office/drawing/2014/main" xmlns="" id="{75F08B6A-5FAD-4CDC-B783-449FBB907D55}"/>
+                <a16:creationId xmlns:a16="http://schemas.microsoft.com/office/drawing/2014/main" id="{75F08B6A-5FAD-4CDC-B783-449FBB907D55}"/>
               </a:ext>
             </a:extLst>
           </p:cNvPr>
@@ -7555,7 +7519,7 @@
           <p:cNvPr id="6" name="Slide Number Placeholder 5">
             <a:extLst>
               <a:ext uri="{FF2B5EF4-FFF2-40B4-BE49-F238E27FC236}">
-                <a16:creationId xmlns:a16="http://schemas.microsoft.com/office/drawing/2014/main" xmlns="" id="{52BA4707-7637-458A-862E-774E1EE9DAA4}"/>
+                <a16:creationId xmlns:a16="http://schemas.microsoft.com/office/drawing/2014/main" id="{52BA4707-7637-458A-862E-774E1EE9DAA4}"/>
               </a:ext>
             </a:extLst>
           </p:cNvPr>
@@ -7644,7 +7608,7 @@
           <p:cNvPr id="2" name="Title 1">
             <a:extLst>
               <a:ext uri="{FF2B5EF4-FFF2-40B4-BE49-F238E27FC236}">
-                <a16:creationId xmlns:a16="http://schemas.microsoft.com/office/drawing/2014/main" xmlns="" id="{A164FAEE-959D-40CE-8100-583E8C0F9AA0}"/>
+                <a16:creationId xmlns:a16="http://schemas.microsoft.com/office/drawing/2014/main" id="{A164FAEE-959D-40CE-8100-583E8C0F9AA0}"/>
               </a:ext>
             </a:extLst>
           </p:cNvPr>
@@ -7688,7 +7652,7 @@
           <p:cNvPr id="3" name="Text Placeholder 2">
             <a:extLst>
               <a:ext uri="{FF2B5EF4-FFF2-40B4-BE49-F238E27FC236}">
-                <a16:creationId xmlns:a16="http://schemas.microsoft.com/office/drawing/2014/main" xmlns="" id="{C370FF70-0469-401D-B2A1-712DF236566B}"/>
+                <a16:creationId xmlns:a16="http://schemas.microsoft.com/office/drawing/2014/main" id="{C370FF70-0469-401D-B2A1-712DF236566B}"/>
               </a:ext>
             </a:extLst>
           </p:cNvPr>
@@ -7870,7 +7834,7 @@
           <p:cNvPr id="4" name="Date Placeholder 3">
             <a:extLst>
               <a:ext uri="{FF2B5EF4-FFF2-40B4-BE49-F238E27FC236}">
-                <a16:creationId xmlns:a16="http://schemas.microsoft.com/office/drawing/2014/main" xmlns="" id="{605211FD-08FA-4547-AB8E-071CC7355B73}"/>
+                <a16:creationId xmlns:a16="http://schemas.microsoft.com/office/drawing/2014/main" id="{605211FD-08FA-4547-AB8E-071CC7355B73}"/>
               </a:ext>
             </a:extLst>
           </p:cNvPr>
@@ -7902,7 +7866,7 @@
           <p:cNvPr id="5" name="Footer Placeholder 4">
             <a:extLst>
               <a:ext uri="{FF2B5EF4-FFF2-40B4-BE49-F238E27FC236}">
-                <a16:creationId xmlns:a16="http://schemas.microsoft.com/office/drawing/2014/main" xmlns="" id="{164F5A81-2529-468B-BF96-FBAC19652C6B}"/>
+                <a16:creationId xmlns:a16="http://schemas.microsoft.com/office/drawing/2014/main" id="{164F5A81-2529-468B-BF96-FBAC19652C6B}"/>
               </a:ext>
             </a:extLst>
           </p:cNvPr>
@@ -7934,7 +7898,7 @@
           <p:cNvPr id="6" name="Slide Number Placeholder 5">
             <a:extLst>
               <a:ext uri="{FF2B5EF4-FFF2-40B4-BE49-F238E27FC236}">
-                <a16:creationId xmlns:a16="http://schemas.microsoft.com/office/drawing/2014/main" xmlns="" id="{E9DDF860-D18A-4E1D-877A-9C81C9C90860}"/>
+                <a16:creationId xmlns:a16="http://schemas.microsoft.com/office/drawing/2014/main" id="{E9DDF860-D18A-4E1D-877A-9C81C9C90860}"/>
               </a:ext>
             </a:extLst>
           </p:cNvPr>
@@ -8023,7 +7987,7 @@
           <p:cNvPr id="2" name="Title 1">
             <a:extLst>
               <a:ext uri="{FF2B5EF4-FFF2-40B4-BE49-F238E27FC236}">
-                <a16:creationId xmlns:a16="http://schemas.microsoft.com/office/drawing/2014/main" xmlns="" id="{DC0585F7-2FB4-4464-9990-5C4AAAD771EE}"/>
+                <a16:creationId xmlns:a16="http://schemas.microsoft.com/office/drawing/2014/main" id="{DC0585F7-2FB4-4464-9990-5C4AAAD771EE}"/>
               </a:ext>
             </a:extLst>
           </p:cNvPr>
@@ -8067,7 +8031,7 @@
           <p:cNvPr id="3" name="Text Placeholder 2">
             <a:extLst>
               <a:ext uri="{FF2B5EF4-FFF2-40B4-BE49-F238E27FC236}">
-                <a16:creationId xmlns:a16="http://schemas.microsoft.com/office/drawing/2014/main" xmlns="" id="{F247F434-405B-4C3E-8B46-CAA5DDDE98B2}"/>
+                <a16:creationId xmlns:a16="http://schemas.microsoft.com/office/drawing/2014/main" id="{F247F434-405B-4C3E-8B46-CAA5DDDE98B2}"/>
               </a:ext>
             </a:extLst>
           </p:cNvPr>
@@ -8377,7 +8341,7 @@
           <p:cNvPr id="4" name="Date Placeholder 3">
             <a:extLst>
               <a:ext uri="{FF2B5EF4-FFF2-40B4-BE49-F238E27FC236}">
-                <a16:creationId xmlns:a16="http://schemas.microsoft.com/office/drawing/2014/main" xmlns="" id="{B6501249-F270-4B0B-810B-0F781405AD6C}"/>
+                <a16:creationId xmlns:a16="http://schemas.microsoft.com/office/drawing/2014/main" id="{B6501249-F270-4B0B-810B-0F781405AD6C}"/>
               </a:ext>
             </a:extLst>
           </p:cNvPr>
@@ -8409,7 +8373,7 @@
           <p:cNvPr id="5" name="Footer Placeholder 4">
             <a:extLst>
               <a:ext uri="{FF2B5EF4-FFF2-40B4-BE49-F238E27FC236}">
-                <a16:creationId xmlns:a16="http://schemas.microsoft.com/office/drawing/2014/main" xmlns="" id="{DB23E8E4-F5EF-44C8-90B2-27BAEC42C4E1}"/>
+                <a16:creationId xmlns:a16="http://schemas.microsoft.com/office/drawing/2014/main" id="{DB23E8E4-F5EF-44C8-90B2-27BAEC42C4E1}"/>
               </a:ext>
             </a:extLst>
           </p:cNvPr>
@@ -8441,7 +8405,7 @@
           <p:cNvPr id="6" name="Slide Number Placeholder 5">
             <a:extLst>
               <a:ext uri="{FF2B5EF4-FFF2-40B4-BE49-F238E27FC236}">
-                <a16:creationId xmlns:a16="http://schemas.microsoft.com/office/drawing/2014/main" xmlns="" id="{C9BA89F5-BA6C-4BAB-916C-E65DFB39D026}"/>
+                <a16:creationId xmlns:a16="http://schemas.microsoft.com/office/drawing/2014/main" id="{C9BA89F5-BA6C-4BAB-916C-E65DFB39D026}"/>
               </a:ext>
             </a:extLst>
           </p:cNvPr>
@@ -8530,7 +8494,7 @@
           <p:cNvPr id="2" name="Title 1">
             <a:extLst>
               <a:ext uri="{FF2B5EF4-FFF2-40B4-BE49-F238E27FC236}">
-                <a16:creationId xmlns:a16="http://schemas.microsoft.com/office/drawing/2014/main" xmlns="" id="{E943F62A-E432-4AFB-9996-013DCD2E6F92}"/>
+                <a16:creationId xmlns:a16="http://schemas.microsoft.com/office/drawing/2014/main" id="{E943F62A-E432-4AFB-9996-013DCD2E6F92}"/>
               </a:ext>
             </a:extLst>
           </p:cNvPr>
@@ -8574,7 +8538,7 @@
           <p:cNvPr id="7" name="Content Placeholder 6" descr="See page 134 in book" title="See slide title">
             <a:extLst>
               <a:ext uri="{FF2B5EF4-FFF2-40B4-BE49-F238E27FC236}">
-                <a16:creationId xmlns:a16="http://schemas.microsoft.com/office/drawing/2014/main" xmlns="" id="{0D32B8FD-3D7F-4838-9C69-85F0872B2561}"/>
+                <a16:creationId xmlns:a16="http://schemas.microsoft.com/office/drawing/2014/main" id="{0D32B8FD-3D7F-4838-9C69-85F0872B2561}"/>
               </a:ext>
             </a:extLst>
           </p:cNvPr>
@@ -8612,7 +8576,7 @@
           <p:cNvPr id="4" name="Date Placeholder 3">
             <a:extLst>
               <a:ext uri="{FF2B5EF4-FFF2-40B4-BE49-F238E27FC236}">
-                <a16:creationId xmlns:a16="http://schemas.microsoft.com/office/drawing/2014/main" xmlns="" id="{37FDEAF7-338C-4C59-B860-54ACB8834328}"/>
+                <a16:creationId xmlns:a16="http://schemas.microsoft.com/office/drawing/2014/main" id="{37FDEAF7-338C-4C59-B860-54ACB8834328}"/>
               </a:ext>
             </a:extLst>
           </p:cNvPr>
@@ -8644,7 +8608,7 @@
           <p:cNvPr id="5" name="Footer Placeholder 4">
             <a:extLst>
               <a:ext uri="{FF2B5EF4-FFF2-40B4-BE49-F238E27FC236}">
-                <a16:creationId xmlns:a16="http://schemas.microsoft.com/office/drawing/2014/main" xmlns="" id="{C046BF05-C888-4703-B595-EEA7CFCBB020}"/>
+                <a16:creationId xmlns:a16="http://schemas.microsoft.com/office/drawing/2014/main" id="{C046BF05-C888-4703-B595-EEA7CFCBB020}"/>
               </a:ext>
             </a:extLst>
           </p:cNvPr>
@@ -8676,7 +8640,7 @@
           <p:cNvPr id="6" name="Slide Number Placeholder 5">
             <a:extLst>
               <a:ext uri="{FF2B5EF4-FFF2-40B4-BE49-F238E27FC236}">
-                <a16:creationId xmlns:a16="http://schemas.microsoft.com/office/drawing/2014/main" xmlns="" id="{7D6622BF-409D-48D0-AF85-B197277279CF}"/>
+                <a16:creationId xmlns:a16="http://schemas.microsoft.com/office/drawing/2014/main" id="{7D6622BF-409D-48D0-AF85-B197277279CF}"/>
               </a:ext>
             </a:extLst>
           </p:cNvPr>
@@ -8765,7 +8729,7 @@
           <p:cNvPr id="2" name="Title 1">
             <a:extLst>
               <a:ext uri="{FF2B5EF4-FFF2-40B4-BE49-F238E27FC236}">
-                <a16:creationId xmlns:a16="http://schemas.microsoft.com/office/drawing/2014/main" xmlns="" id="{D8F7E41B-683D-437C-B5CB-7FC05A15E811}"/>
+                <a16:creationId xmlns:a16="http://schemas.microsoft.com/office/drawing/2014/main" id="{D8F7E41B-683D-437C-B5CB-7FC05A15E811}"/>
               </a:ext>
             </a:extLst>
           </p:cNvPr>
@@ -8809,7 +8773,7 @@
           <p:cNvPr id="3" name="Text Placeholder 2">
             <a:extLst>
               <a:ext uri="{FF2B5EF4-FFF2-40B4-BE49-F238E27FC236}">
-                <a16:creationId xmlns:a16="http://schemas.microsoft.com/office/drawing/2014/main" xmlns="" id="{7BD22F77-8B80-4104-8E38-5D95A148EE26}"/>
+                <a16:creationId xmlns:a16="http://schemas.microsoft.com/office/drawing/2014/main" id="{7BD22F77-8B80-4104-8E38-5D95A148EE26}"/>
               </a:ext>
             </a:extLst>
           </p:cNvPr>
@@ -9296,7 +9260,7 @@
           <p:cNvPr id="4" name="Date Placeholder 3">
             <a:extLst>
               <a:ext uri="{FF2B5EF4-FFF2-40B4-BE49-F238E27FC236}">
-                <a16:creationId xmlns:a16="http://schemas.microsoft.com/office/drawing/2014/main" xmlns="" id="{5CCA36F5-5C97-4740-BDA8-BA3078223EF6}"/>
+                <a16:creationId xmlns:a16="http://schemas.microsoft.com/office/drawing/2014/main" id="{5CCA36F5-5C97-4740-BDA8-BA3078223EF6}"/>
               </a:ext>
             </a:extLst>
           </p:cNvPr>
@@ -9328,7 +9292,7 @@
           <p:cNvPr id="5" name="Footer Placeholder 4">
             <a:extLst>
               <a:ext uri="{FF2B5EF4-FFF2-40B4-BE49-F238E27FC236}">
-                <a16:creationId xmlns:a16="http://schemas.microsoft.com/office/drawing/2014/main" xmlns="" id="{E6F85FA6-AA0D-4E30-B14C-595550AE504C}"/>
+                <a16:creationId xmlns:a16="http://schemas.microsoft.com/office/drawing/2014/main" id="{E6F85FA6-AA0D-4E30-B14C-595550AE504C}"/>
               </a:ext>
             </a:extLst>
           </p:cNvPr>
@@ -9360,7 +9324,7 @@
           <p:cNvPr id="6" name="Slide Number Placeholder 5">
             <a:extLst>
               <a:ext uri="{FF2B5EF4-FFF2-40B4-BE49-F238E27FC236}">
-                <a16:creationId xmlns:a16="http://schemas.microsoft.com/office/drawing/2014/main" xmlns="" id="{C0AD936C-B71B-4987-8AEF-CC8EAC39DB70}"/>
+                <a16:creationId xmlns:a16="http://schemas.microsoft.com/office/drawing/2014/main" id="{C0AD936C-B71B-4987-8AEF-CC8EAC39DB70}"/>
               </a:ext>
             </a:extLst>
           </p:cNvPr>
@@ -9449,7 +9413,7 @@
           <p:cNvPr id="2" name="Title 1">
             <a:extLst>
               <a:ext uri="{FF2B5EF4-FFF2-40B4-BE49-F238E27FC236}">
-                <a16:creationId xmlns:a16="http://schemas.microsoft.com/office/drawing/2014/main" xmlns="" id="{D5CFA548-8105-41DB-B01B-E255B31DC85D}"/>
+                <a16:creationId xmlns:a16="http://schemas.microsoft.com/office/drawing/2014/main" id="{D5CFA548-8105-41DB-B01B-E255B31DC85D}"/>
               </a:ext>
             </a:extLst>
           </p:cNvPr>
@@ -9493,7 +9457,7 @@
           <p:cNvPr id="3" name="Text Placeholder 2">
             <a:extLst>
               <a:ext uri="{FF2B5EF4-FFF2-40B4-BE49-F238E27FC236}">
-                <a16:creationId xmlns:a16="http://schemas.microsoft.com/office/drawing/2014/main" xmlns="" id="{A2E81DBE-12DA-423C-AAAB-28AF21389961}"/>
+                <a16:creationId xmlns:a16="http://schemas.microsoft.com/office/drawing/2014/main" id="{A2E81DBE-12DA-423C-AAAB-28AF21389961}"/>
               </a:ext>
             </a:extLst>
           </p:cNvPr>
@@ -9740,7 +9704,7 @@
           <p:cNvPr id="4" name="Date Placeholder 3">
             <a:extLst>
               <a:ext uri="{FF2B5EF4-FFF2-40B4-BE49-F238E27FC236}">
-                <a16:creationId xmlns:a16="http://schemas.microsoft.com/office/drawing/2014/main" xmlns="" id="{C7303B02-0CA6-492C-9D47-A12E13A26282}"/>
+                <a16:creationId xmlns:a16="http://schemas.microsoft.com/office/drawing/2014/main" id="{C7303B02-0CA6-492C-9D47-A12E13A26282}"/>
               </a:ext>
             </a:extLst>
           </p:cNvPr>
@@ -9772,7 +9736,7 @@
           <p:cNvPr id="5" name="Footer Placeholder 4">
             <a:extLst>
               <a:ext uri="{FF2B5EF4-FFF2-40B4-BE49-F238E27FC236}">
-                <a16:creationId xmlns:a16="http://schemas.microsoft.com/office/drawing/2014/main" xmlns="" id="{99E02DC6-AFFC-4486-AFEE-9ADC28D36278}"/>
+                <a16:creationId xmlns:a16="http://schemas.microsoft.com/office/drawing/2014/main" id="{99E02DC6-AFFC-4486-AFEE-9ADC28D36278}"/>
               </a:ext>
             </a:extLst>
           </p:cNvPr>
@@ -9804,7 +9768,7 @@
           <p:cNvPr id="6" name="Slide Number Placeholder 5">
             <a:extLst>
               <a:ext uri="{FF2B5EF4-FFF2-40B4-BE49-F238E27FC236}">
-                <a16:creationId xmlns:a16="http://schemas.microsoft.com/office/drawing/2014/main" xmlns="" id="{3977C671-A93A-4DEC-8BED-A7153A128D76}"/>
+                <a16:creationId xmlns:a16="http://schemas.microsoft.com/office/drawing/2014/main" id="{3977C671-A93A-4DEC-8BED-A7153A128D76}"/>
               </a:ext>
             </a:extLst>
           </p:cNvPr>
@@ -9893,7 +9857,7 @@
           <p:cNvPr id="2" name="Title 1">
             <a:extLst>
               <a:ext uri="{FF2B5EF4-FFF2-40B4-BE49-F238E27FC236}">
-                <a16:creationId xmlns:a16="http://schemas.microsoft.com/office/drawing/2014/main" xmlns="" id="{1CC911DA-FE75-4853-B4D5-320C38E86495}"/>
+                <a16:creationId xmlns:a16="http://schemas.microsoft.com/office/drawing/2014/main" id="{1CC911DA-FE75-4853-B4D5-320C38E86495}"/>
               </a:ext>
             </a:extLst>
           </p:cNvPr>
@@ -9937,7 +9901,7 @@
           <p:cNvPr id="3" name="Text Placeholder 2">
             <a:extLst>
               <a:ext uri="{FF2B5EF4-FFF2-40B4-BE49-F238E27FC236}">
-                <a16:creationId xmlns:a16="http://schemas.microsoft.com/office/drawing/2014/main" xmlns="" id="{EF842CD9-A417-468C-B449-30F6B9D75D73}"/>
+                <a16:creationId xmlns:a16="http://schemas.microsoft.com/office/drawing/2014/main" id="{EF842CD9-A417-468C-B449-30F6B9D75D73}"/>
               </a:ext>
             </a:extLst>
           </p:cNvPr>
@@ -10240,7 +10204,7 @@
           <p:cNvPr id="4" name="Date Placeholder 3">
             <a:extLst>
               <a:ext uri="{FF2B5EF4-FFF2-40B4-BE49-F238E27FC236}">
-                <a16:creationId xmlns:a16="http://schemas.microsoft.com/office/drawing/2014/main" xmlns="" id="{DA3E7E7E-9411-478A-A548-B47AEFB2719C}"/>
+                <a16:creationId xmlns:a16="http://schemas.microsoft.com/office/drawing/2014/main" id="{DA3E7E7E-9411-478A-A548-B47AEFB2719C}"/>
               </a:ext>
             </a:extLst>
           </p:cNvPr>
@@ -10272,7 +10236,7 @@
           <p:cNvPr id="5" name="Footer Placeholder 4">
             <a:extLst>
               <a:ext uri="{FF2B5EF4-FFF2-40B4-BE49-F238E27FC236}">
-                <a16:creationId xmlns:a16="http://schemas.microsoft.com/office/drawing/2014/main" xmlns="" id="{892F455F-E26E-40AA-97B4-D280CB96E919}"/>
+                <a16:creationId xmlns:a16="http://schemas.microsoft.com/office/drawing/2014/main" id="{892F455F-E26E-40AA-97B4-D280CB96E919}"/>
               </a:ext>
             </a:extLst>
           </p:cNvPr>
@@ -10304,7 +10268,7 @@
           <p:cNvPr id="6" name="Slide Number Placeholder 5">
             <a:extLst>
               <a:ext uri="{FF2B5EF4-FFF2-40B4-BE49-F238E27FC236}">
-                <a16:creationId xmlns:a16="http://schemas.microsoft.com/office/drawing/2014/main" xmlns="" id="{100ED962-E873-4B60-97BB-29F06E12A5DE}"/>
+                <a16:creationId xmlns:a16="http://schemas.microsoft.com/office/drawing/2014/main" id="{100ED962-E873-4B60-97BB-29F06E12A5DE}"/>
               </a:ext>
             </a:extLst>
           </p:cNvPr>
@@ -10393,7 +10357,7 @@
           <p:cNvPr id="2" name="Title 1">
             <a:extLst>
               <a:ext uri="{FF2B5EF4-FFF2-40B4-BE49-F238E27FC236}">
-                <a16:creationId xmlns:a16="http://schemas.microsoft.com/office/drawing/2014/main" xmlns="" id="{7357A0D9-A1E0-4FBB-BC8A-3EEDE513C50F}"/>
+                <a16:creationId xmlns:a16="http://schemas.microsoft.com/office/drawing/2014/main" id="{7357A0D9-A1E0-4FBB-BC8A-3EEDE513C50F}"/>
               </a:ext>
             </a:extLst>
           </p:cNvPr>
@@ -10437,7 +10401,7 @@
           <p:cNvPr id="3" name="Text Placeholder 2">
             <a:extLst>
               <a:ext uri="{FF2B5EF4-FFF2-40B4-BE49-F238E27FC236}">
-                <a16:creationId xmlns:a16="http://schemas.microsoft.com/office/drawing/2014/main" xmlns="" id="{CD741809-A37D-4AAB-B030-B96B5749128B}"/>
+                <a16:creationId xmlns:a16="http://schemas.microsoft.com/office/drawing/2014/main" id="{CD741809-A37D-4AAB-B030-B96B5749128B}"/>
               </a:ext>
             </a:extLst>
           </p:cNvPr>
@@ -10838,7 +10802,7 @@
           <p:cNvPr id="4" name="Date Placeholder 3">
             <a:extLst>
               <a:ext uri="{FF2B5EF4-FFF2-40B4-BE49-F238E27FC236}">
-                <a16:creationId xmlns:a16="http://schemas.microsoft.com/office/drawing/2014/main" xmlns="" id="{07E04527-B7CB-426D-8B1E-1F65274ACF07}"/>
+                <a16:creationId xmlns:a16="http://schemas.microsoft.com/office/drawing/2014/main" id="{07E04527-B7CB-426D-8B1E-1F65274ACF07}"/>
               </a:ext>
             </a:extLst>
           </p:cNvPr>
@@ -10870,7 +10834,7 @@
           <p:cNvPr id="5" name="Footer Placeholder 4">
             <a:extLst>
               <a:ext uri="{FF2B5EF4-FFF2-40B4-BE49-F238E27FC236}">
-                <a16:creationId xmlns:a16="http://schemas.microsoft.com/office/drawing/2014/main" xmlns="" id="{34DB9D58-2661-4969-A5BB-D70231C098A0}"/>
+                <a16:creationId xmlns:a16="http://schemas.microsoft.com/office/drawing/2014/main" id="{34DB9D58-2661-4969-A5BB-D70231C098A0}"/>
               </a:ext>
             </a:extLst>
           </p:cNvPr>
@@ -10902,7 +10866,7 @@
           <p:cNvPr id="6" name="Slide Number Placeholder 5">
             <a:extLst>
               <a:ext uri="{FF2B5EF4-FFF2-40B4-BE49-F238E27FC236}">
-                <a16:creationId xmlns:a16="http://schemas.microsoft.com/office/drawing/2014/main" xmlns="" id="{32AFA85D-CDA3-4A70-8514-B09D6C4DDB75}"/>
+                <a16:creationId xmlns:a16="http://schemas.microsoft.com/office/drawing/2014/main" id="{32AFA85D-CDA3-4A70-8514-B09D6C4DDB75}"/>
               </a:ext>
             </a:extLst>
           </p:cNvPr>
@@ -10991,7 +10955,7 @@
           <p:cNvPr id="2" name="Title 1">
             <a:extLst>
               <a:ext uri="{FF2B5EF4-FFF2-40B4-BE49-F238E27FC236}">
-                <a16:creationId xmlns:a16="http://schemas.microsoft.com/office/drawing/2014/main" xmlns="" id="{D2ECFE41-735D-4DF5-8CE3-FA7EAA0ED753}"/>
+                <a16:creationId xmlns:a16="http://schemas.microsoft.com/office/drawing/2014/main" id="{D2ECFE41-735D-4DF5-8CE3-FA7EAA0ED753}"/>
               </a:ext>
             </a:extLst>
           </p:cNvPr>
@@ -11035,7 +10999,7 @@
           <p:cNvPr id="3" name="Text Placeholder 2">
             <a:extLst>
               <a:ext uri="{FF2B5EF4-FFF2-40B4-BE49-F238E27FC236}">
-                <a16:creationId xmlns:a16="http://schemas.microsoft.com/office/drawing/2014/main" xmlns="" id="{99AA9C7A-D32D-4C52-BF03-AF27809C6499}"/>
+                <a16:creationId xmlns:a16="http://schemas.microsoft.com/office/drawing/2014/main" id="{99AA9C7A-D32D-4C52-BF03-AF27809C6499}"/>
               </a:ext>
             </a:extLst>
           </p:cNvPr>
@@ -11232,14 +11196,7 @@
                 <a:latin typeface="Courier New" panose="02070309020205020404" pitchFamily="49" charset="0"/>
                 <a:ea typeface="Times New Roman" panose="02020603050405020304" pitchFamily="18" charset="0"/>
               </a:rPr>
-              <a:t>:</a:t>
-            </a:r>
-            <a:r>
-              <a:rPr lang="en-US" sz="1600" b="1" spc="-10" dirty="0" smtClean="0">
-                <a:latin typeface="Courier New" panose="02070309020205020404" pitchFamily="49" charset="0"/>
-                <a:ea typeface="Times New Roman" panose="02020603050405020304" pitchFamily="18" charset="0"/>
-              </a:rPr>
-              <a:t>last-child</a:t>
+              <a:t>:last-child</a:t>
             </a:r>
           </a:p>
           <a:p>
@@ -11252,7 +11209,7 @@
               </a:spcAft>
             </a:pPr>
             <a:r>
-              <a:rPr lang="en-US" sz="1600" b="1" spc="-10" dirty="0" smtClean="0">
+              <a:rPr lang="en-US" sz="1600" b="1" spc="-10" dirty="0">
                 <a:latin typeface="Courier New" panose="02070309020205020404" pitchFamily="49" charset="0"/>
                 <a:ea typeface="Times New Roman" panose="02020603050405020304" pitchFamily="18" charset="0"/>
               </a:rPr>
@@ -11348,7 +11305,7 @@
           <p:cNvPr id="4" name="Date Placeholder 3">
             <a:extLst>
               <a:ext uri="{FF2B5EF4-FFF2-40B4-BE49-F238E27FC236}">
-                <a16:creationId xmlns:a16="http://schemas.microsoft.com/office/drawing/2014/main" xmlns="" id="{281FC1EC-E70D-4032-97A0-3FFF33DBEE8F}"/>
+                <a16:creationId xmlns:a16="http://schemas.microsoft.com/office/drawing/2014/main" id="{281FC1EC-E70D-4032-97A0-3FFF33DBEE8F}"/>
               </a:ext>
             </a:extLst>
           </p:cNvPr>
@@ -11380,7 +11337,7 @@
           <p:cNvPr id="5" name="Footer Placeholder 4">
             <a:extLst>
               <a:ext uri="{FF2B5EF4-FFF2-40B4-BE49-F238E27FC236}">
-                <a16:creationId xmlns:a16="http://schemas.microsoft.com/office/drawing/2014/main" xmlns="" id="{9702D6BF-1953-42A7-9D4B-31AB99954D6B}"/>
+                <a16:creationId xmlns:a16="http://schemas.microsoft.com/office/drawing/2014/main" id="{9702D6BF-1953-42A7-9D4B-31AB99954D6B}"/>
               </a:ext>
             </a:extLst>
           </p:cNvPr>
@@ -11412,7 +11369,7 @@
           <p:cNvPr id="6" name="Slide Number Placeholder 5">
             <a:extLst>
               <a:ext uri="{FF2B5EF4-FFF2-40B4-BE49-F238E27FC236}">
-                <a16:creationId xmlns:a16="http://schemas.microsoft.com/office/drawing/2014/main" xmlns="" id="{9410CAA8-0DCA-4641-A36C-BB31643B01A7}"/>
+                <a16:creationId xmlns:a16="http://schemas.microsoft.com/office/drawing/2014/main" id="{9410CAA8-0DCA-4641-A36C-BB31643B01A7}"/>
               </a:ext>
             </a:extLst>
           </p:cNvPr>
@@ -11501,7 +11458,7 @@
           <p:cNvPr id="2" name="Title 1">
             <a:extLst>
               <a:ext uri="{FF2B5EF4-FFF2-40B4-BE49-F238E27FC236}">
-                <a16:creationId xmlns:a16="http://schemas.microsoft.com/office/drawing/2014/main" xmlns="" id="{2E344961-EE06-457B-8EB3-3A8AE4F9B1E7}"/>
+                <a16:creationId xmlns:a16="http://schemas.microsoft.com/office/drawing/2014/main" id="{2E344961-EE06-457B-8EB3-3A8AE4F9B1E7}"/>
               </a:ext>
             </a:extLst>
           </p:cNvPr>
@@ -11565,7 +11522,7 @@
           <p:cNvPr id="3" name="Text Placeholder 2">
             <a:extLst>
               <a:ext uri="{FF2B5EF4-FFF2-40B4-BE49-F238E27FC236}">
-                <a16:creationId xmlns:a16="http://schemas.microsoft.com/office/drawing/2014/main" xmlns="" id="{A07D770E-FA9D-4147-8EAA-FB5CFC9C134C}"/>
+                <a16:creationId xmlns:a16="http://schemas.microsoft.com/office/drawing/2014/main" id="{A07D770E-FA9D-4147-8EAA-FB5CFC9C134C}"/>
               </a:ext>
             </a:extLst>
           </p:cNvPr>
@@ -11889,7 +11846,7 @@
           <p:cNvPr id="4" name="Date Placeholder 3">
             <a:extLst>
               <a:ext uri="{FF2B5EF4-FFF2-40B4-BE49-F238E27FC236}">
-                <a16:creationId xmlns:a16="http://schemas.microsoft.com/office/drawing/2014/main" xmlns="" id="{97AC0DA5-B4E8-46CB-9BA0-8571D2DF527C}"/>
+                <a16:creationId xmlns:a16="http://schemas.microsoft.com/office/drawing/2014/main" id="{97AC0DA5-B4E8-46CB-9BA0-8571D2DF527C}"/>
               </a:ext>
             </a:extLst>
           </p:cNvPr>
@@ -11921,7 +11878,7 @@
           <p:cNvPr id="5" name="Footer Placeholder 4">
             <a:extLst>
               <a:ext uri="{FF2B5EF4-FFF2-40B4-BE49-F238E27FC236}">
-                <a16:creationId xmlns:a16="http://schemas.microsoft.com/office/drawing/2014/main" xmlns="" id="{BEA4A869-E0CB-470D-960E-B795EA339F71}"/>
+                <a16:creationId xmlns:a16="http://schemas.microsoft.com/office/drawing/2014/main" id="{BEA4A869-E0CB-470D-960E-B795EA339F71}"/>
               </a:ext>
             </a:extLst>
           </p:cNvPr>
@@ -11953,7 +11910,7 @@
           <p:cNvPr id="6" name="Slide Number Placeholder 5">
             <a:extLst>
               <a:ext uri="{FF2B5EF4-FFF2-40B4-BE49-F238E27FC236}">
-                <a16:creationId xmlns:a16="http://schemas.microsoft.com/office/drawing/2014/main" xmlns="" id="{5EE55899-6EEE-46DB-9BE6-8203F3069665}"/>
+                <a16:creationId xmlns:a16="http://schemas.microsoft.com/office/drawing/2014/main" id="{5EE55899-6EEE-46DB-9BE6-8203F3069665}"/>
               </a:ext>
             </a:extLst>
           </p:cNvPr>
@@ -12042,7 +11999,7 @@
           <p:cNvPr id="2" name="Title 1">
             <a:extLst>
               <a:ext uri="{FF2B5EF4-FFF2-40B4-BE49-F238E27FC236}">
-                <a16:creationId xmlns:a16="http://schemas.microsoft.com/office/drawing/2014/main" xmlns="" id="{5765CEE8-E944-4B82-BA49-F7413FB3A2CD}"/>
+                <a16:creationId xmlns:a16="http://schemas.microsoft.com/office/drawing/2014/main" id="{5765CEE8-E944-4B82-BA49-F7413FB3A2CD}"/>
               </a:ext>
             </a:extLst>
           </p:cNvPr>
@@ -12106,7 +12063,7 @@
           <p:cNvPr id="3" name="Text Placeholder 2">
             <a:extLst>
               <a:ext uri="{FF2B5EF4-FFF2-40B4-BE49-F238E27FC236}">
-                <a16:creationId xmlns:a16="http://schemas.microsoft.com/office/drawing/2014/main" xmlns="" id="{00E6F36D-BFEA-41E5-8FDD-B44974E79890}"/>
+                <a16:creationId xmlns:a16="http://schemas.microsoft.com/office/drawing/2014/main" id="{00E6F36D-BFEA-41E5-8FDD-B44974E79890}"/>
               </a:ext>
             </a:extLst>
           </p:cNvPr>
@@ -12460,7 +12417,7 @@
           <p:cNvPr id="4" name="Date Placeholder 3">
             <a:extLst>
               <a:ext uri="{FF2B5EF4-FFF2-40B4-BE49-F238E27FC236}">
-                <a16:creationId xmlns:a16="http://schemas.microsoft.com/office/drawing/2014/main" xmlns="" id="{36C1FB62-FC9A-49B6-9128-6D469C2C491D}"/>
+                <a16:creationId xmlns:a16="http://schemas.microsoft.com/office/drawing/2014/main" id="{36C1FB62-FC9A-49B6-9128-6D469C2C491D}"/>
               </a:ext>
             </a:extLst>
           </p:cNvPr>
@@ -12492,7 +12449,7 @@
           <p:cNvPr id="5" name="Footer Placeholder 4">
             <a:extLst>
               <a:ext uri="{FF2B5EF4-FFF2-40B4-BE49-F238E27FC236}">
-                <a16:creationId xmlns:a16="http://schemas.microsoft.com/office/drawing/2014/main" xmlns="" id="{2340F087-6F89-4788-A276-36384E54BB82}"/>
+                <a16:creationId xmlns:a16="http://schemas.microsoft.com/office/drawing/2014/main" id="{2340F087-6F89-4788-A276-36384E54BB82}"/>
               </a:ext>
             </a:extLst>
           </p:cNvPr>
@@ -12524,7 +12481,7 @@
           <p:cNvPr id="6" name="Slide Number Placeholder 5">
             <a:extLst>
               <a:ext uri="{FF2B5EF4-FFF2-40B4-BE49-F238E27FC236}">
-                <a16:creationId xmlns:a16="http://schemas.microsoft.com/office/drawing/2014/main" xmlns="" id="{E207B260-CB36-430C-B543-0CFF9E1035E0}"/>
+                <a16:creationId xmlns:a16="http://schemas.microsoft.com/office/drawing/2014/main" id="{E207B260-CB36-430C-B543-0CFF9E1035E0}"/>
               </a:ext>
             </a:extLst>
           </p:cNvPr>
@@ -12613,7 +12570,7 @@
           <p:cNvPr id="2" name="Title 1">
             <a:extLst>
               <a:ext uri="{FF2B5EF4-FFF2-40B4-BE49-F238E27FC236}">
-                <a16:creationId xmlns:a16="http://schemas.microsoft.com/office/drawing/2014/main" xmlns="" id="{76EC2F07-3739-4A77-B64D-7CB8EC748DBB}"/>
+                <a16:creationId xmlns:a16="http://schemas.microsoft.com/office/drawing/2014/main" id="{76EC2F07-3739-4A77-B64D-7CB8EC748DBB}"/>
               </a:ext>
             </a:extLst>
           </p:cNvPr>
@@ -12662,7 +12619,7 @@
           <p:cNvPr id="7" name="Content Placeholder 6" descr="See page 140 in book" title="See slide title">
             <a:extLst>
               <a:ext uri="{FF2B5EF4-FFF2-40B4-BE49-F238E27FC236}">
-                <a16:creationId xmlns:a16="http://schemas.microsoft.com/office/drawing/2014/main" xmlns="" id="{31437376-D05C-4C15-A96F-23D8D69BDAC7}"/>
+                <a16:creationId xmlns:a16="http://schemas.microsoft.com/office/drawing/2014/main" id="{31437376-D05C-4C15-A96F-23D8D69BDAC7}"/>
               </a:ext>
             </a:extLst>
           </p:cNvPr>
@@ -12705,7 +12662,7 @@
           <p:cNvPr id="4" name="Date Placeholder 3">
             <a:extLst>
               <a:ext uri="{FF2B5EF4-FFF2-40B4-BE49-F238E27FC236}">
-                <a16:creationId xmlns:a16="http://schemas.microsoft.com/office/drawing/2014/main" xmlns="" id="{D0003E51-1DCF-4CEB-A279-32D5E9E387D2}"/>
+                <a16:creationId xmlns:a16="http://schemas.microsoft.com/office/drawing/2014/main" id="{D0003E51-1DCF-4CEB-A279-32D5E9E387D2}"/>
               </a:ext>
             </a:extLst>
           </p:cNvPr>
@@ -12737,7 +12694,7 @@
           <p:cNvPr id="5" name="Footer Placeholder 4">
             <a:extLst>
               <a:ext uri="{FF2B5EF4-FFF2-40B4-BE49-F238E27FC236}">
-                <a16:creationId xmlns:a16="http://schemas.microsoft.com/office/drawing/2014/main" xmlns="" id="{AF5E05DF-E9EB-4453-9594-E0025FE9E294}"/>
+                <a16:creationId xmlns:a16="http://schemas.microsoft.com/office/drawing/2014/main" id="{AF5E05DF-E9EB-4453-9594-E0025FE9E294}"/>
               </a:ext>
             </a:extLst>
           </p:cNvPr>
@@ -12769,7 +12726,7 @@
           <p:cNvPr id="6" name="Slide Number Placeholder 5">
             <a:extLst>
               <a:ext uri="{FF2B5EF4-FFF2-40B4-BE49-F238E27FC236}">
-                <a16:creationId xmlns:a16="http://schemas.microsoft.com/office/drawing/2014/main" xmlns="" id="{3F64D273-15CD-400F-B522-33835CF7DCEA}"/>
+                <a16:creationId xmlns:a16="http://schemas.microsoft.com/office/drawing/2014/main" id="{3F64D273-15CD-400F-B522-33835CF7DCEA}"/>
               </a:ext>
             </a:extLst>
           </p:cNvPr>
@@ -12858,7 +12815,7 @@
           <p:cNvPr id="2" name="Title 1">
             <a:extLst>
               <a:ext uri="{FF2B5EF4-FFF2-40B4-BE49-F238E27FC236}">
-                <a16:creationId xmlns:a16="http://schemas.microsoft.com/office/drawing/2014/main" xmlns="" id="{93AEB272-DCC5-4D12-A756-65B47BFBB78D}"/>
+                <a16:creationId xmlns:a16="http://schemas.microsoft.com/office/drawing/2014/main" id="{93AEB272-DCC5-4D12-A756-65B47BFBB78D}"/>
               </a:ext>
             </a:extLst>
           </p:cNvPr>
@@ -12902,7 +12859,7 @@
           <p:cNvPr id="3" name="Text Placeholder 2">
             <a:extLst>
               <a:ext uri="{FF2B5EF4-FFF2-40B4-BE49-F238E27FC236}">
-                <a16:creationId xmlns:a16="http://schemas.microsoft.com/office/drawing/2014/main" xmlns="" id="{FE2FF72C-D441-4068-BD2A-EA311DD926BC}"/>
+                <a16:creationId xmlns:a16="http://schemas.microsoft.com/office/drawing/2014/main" id="{FE2FF72C-D441-4068-BD2A-EA311DD926BC}"/>
               </a:ext>
             </a:extLst>
           </p:cNvPr>
@@ -13002,11 +12959,34 @@
               </a:tabLst>
             </a:pPr>
             <a:r>
+              <a:rPr lang="en-US" b="1" spc="-10" dirty="0">
+                <a:latin typeface="Times New Roman" panose="02020603050405020304" pitchFamily="18" charset="0"/>
+                <a:ea typeface="Times New Roman" panose="02020603050405020304" pitchFamily="18" charset="0"/>
+              </a:rPr>
+              <a:t>Describe these types of selectors: universal, type, id, class, descendant, child, sibling, pseudo-class, and pseudo-element.</a:t>
+            </a:r>
+          </a:p>
+          <a:p>
+            <a:pPr marL="457200" marR="274320" lvl="0" indent="-457200">
+              <a:spcBef>
+                <a:spcPts val="0"/>
+              </a:spcBef>
+              <a:spcAft>
+                <a:spcPts val="600"/>
+              </a:spcAft>
+              <a:buFont typeface="+mj-lt"/>
+              <a:buAutoNum type="arabicPeriod" startAt="3"/>
+              <a:tabLst>
+                <a:tab pos="347345" algn="l"/>
+                <a:tab pos="365760" algn="l"/>
+              </a:tabLst>
+            </a:pPr>
+            <a:r>
               <a:rPr lang="en-US" spc="-10" dirty="0">
                 <a:latin typeface="Times New Roman" panose="02020603050405020304" pitchFamily="18" charset="0"/>
                 <a:ea typeface="Times New Roman" panose="02020603050405020304" pitchFamily="18" charset="0"/>
               </a:rPr>
-              <a:t>Describe these types of selectors: universal, type, id, class, descendant, child, sibling, pseudo-class, and pseudo-element.</a:t>
+              <a:t>Describe one accessibility guideline for using pseudo-class selectors.</a:t>
             </a:r>
           </a:p>
           <a:p>
@@ -13029,7 +13009,7 @@
                 <a:latin typeface="Times New Roman" panose="02020603050405020304" pitchFamily="18" charset="0"/>
                 <a:ea typeface="Times New Roman" panose="02020603050405020304" pitchFamily="18" charset="0"/>
               </a:rPr>
-              <a:t>Describe one accessibility guideline for using pseudo-class selectors.</a:t>
+              <a:t>Explain how user style sheets, !important rules, and specificity are used in the cascade order for applying style rules.</a:t>
             </a:r>
           </a:p>
           <a:p>
@@ -13041,7 +13021,7 @@
                 <a:spcPts val="600"/>
               </a:spcAft>
               <a:buFont typeface="+mj-lt"/>
-              <a:buAutoNum type="arabicPeriod" startAt="3"/>
+              <a:buAutoNum type="arabicPeriod" startAt="9"/>
               <a:tabLst>
                 <a:tab pos="347345" algn="l"/>
                 <a:tab pos="365760" algn="l"/>
@@ -13052,7 +13032,7 @@
                 <a:latin typeface="Times New Roman" panose="02020603050405020304" pitchFamily="18" charset="0"/>
                 <a:ea typeface="Times New Roman" panose="02020603050405020304" pitchFamily="18" charset="0"/>
               </a:rPr>
-              <a:t>Explain how user style sheets, !important rules, and specificity are used in the cascade order for applying style rules.</a:t>
+              <a:t>Describe these properties for styling fonts: font-family, font-style, font-weight, font-size, and line-height.</a:t>
             </a:r>
           </a:p>
           <a:p>
@@ -13075,29 +13055,6 @@
                 <a:latin typeface="Times New Roman" panose="02020603050405020304" pitchFamily="18" charset="0"/>
                 <a:ea typeface="Times New Roman" panose="02020603050405020304" pitchFamily="18" charset="0"/>
               </a:rPr>
-              <a:t>Describe these properties for styling fonts: font-family, font-style, font-weight, font-size, and line-height.</a:t>
-            </a:r>
-          </a:p>
-          <a:p>
-            <a:pPr marL="457200" marR="274320" lvl="0" indent="-457200">
-              <a:spcBef>
-                <a:spcPts val="0"/>
-              </a:spcBef>
-              <a:spcAft>
-                <a:spcPts val="600"/>
-              </a:spcAft>
-              <a:buFont typeface="+mj-lt"/>
-              <a:buAutoNum type="arabicPeriod" startAt="9"/>
-              <a:tabLst>
-                <a:tab pos="347345" algn="l"/>
-                <a:tab pos="365760" algn="l"/>
-              </a:tabLst>
-            </a:pPr>
-            <a:r>
-              <a:rPr lang="en-US" spc="-10" dirty="0">
-                <a:latin typeface="Times New Roman" panose="02020603050405020304" pitchFamily="18" charset="0"/>
-                <a:ea typeface="Times New Roman" panose="02020603050405020304" pitchFamily="18" charset="0"/>
-              </a:rPr>
               <a:t>Describe these properties for formatting text: text-indent, text-align, text-decoration, and text-shadow.</a:t>
             </a:r>
           </a:p>
@@ -13111,7 +13068,7 @@
           <p:cNvPr id="4" name="Date Placeholder 3">
             <a:extLst>
               <a:ext uri="{FF2B5EF4-FFF2-40B4-BE49-F238E27FC236}">
-                <a16:creationId xmlns:a16="http://schemas.microsoft.com/office/drawing/2014/main" xmlns="" id="{A76D7093-0E59-4AB8-A3B1-695FE9BE3412}"/>
+                <a16:creationId xmlns:a16="http://schemas.microsoft.com/office/drawing/2014/main" id="{A76D7093-0E59-4AB8-A3B1-695FE9BE3412}"/>
               </a:ext>
             </a:extLst>
           </p:cNvPr>
@@ -13143,7 +13100,7 @@
           <p:cNvPr id="5" name="Footer Placeholder 4">
             <a:extLst>
               <a:ext uri="{FF2B5EF4-FFF2-40B4-BE49-F238E27FC236}">
-                <a16:creationId xmlns:a16="http://schemas.microsoft.com/office/drawing/2014/main" xmlns="" id="{EE1FAED2-4FA1-46D1-83E6-0467771810BC}"/>
+                <a16:creationId xmlns:a16="http://schemas.microsoft.com/office/drawing/2014/main" id="{EE1FAED2-4FA1-46D1-83E6-0467771810BC}"/>
               </a:ext>
             </a:extLst>
           </p:cNvPr>
@@ -13175,7 +13132,7 @@
           <p:cNvPr id="6" name="Slide Number Placeholder 5">
             <a:extLst>
               <a:ext uri="{FF2B5EF4-FFF2-40B4-BE49-F238E27FC236}">
-                <a16:creationId xmlns:a16="http://schemas.microsoft.com/office/drawing/2014/main" xmlns="" id="{FC671961-C68C-49FE-AAD8-E10A6EF91BD3}"/>
+                <a16:creationId xmlns:a16="http://schemas.microsoft.com/office/drawing/2014/main" id="{FC671961-C68C-49FE-AAD8-E10A6EF91BD3}"/>
               </a:ext>
             </a:extLst>
           </p:cNvPr>
@@ -13264,7 +13221,7 @@
           <p:cNvPr id="2" name="Title 1">
             <a:extLst>
               <a:ext uri="{FF2B5EF4-FFF2-40B4-BE49-F238E27FC236}">
-                <a16:creationId xmlns:a16="http://schemas.microsoft.com/office/drawing/2014/main" xmlns="" id="{DBBFBD5D-C1EF-4354-B4D5-2BB65BDFE39C}"/>
+                <a16:creationId xmlns:a16="http://schemas.microsoft.com/office/drawing/2014/main" id="{DBBFBD5D-C1EF-4354-B4D5-2BB65BDFE39C}"/>
               </a:ext>
             </a:extLst>
           </p:cNvPr>
@@ -13308,7 +13265,7 @@
           <p:cNvPr id="3" name="Text Placeholder 2">
             <a:extLst>
               <a:ext uri="{FF2B5EF4-FFF2-40B4-BE49-F238E27FC236}">
-                <a16:creationId xmlns:a16="http://schemas.microsoft.com/office/drawing/2014/main" xmlns="" id="{4D30342E-D676-4E0A-A7F5-5D64DF77BC54}"/>
+                <a16:creationId xmlns:a16="http://schemas.microsoft.com/office/drawing/2014/main" id="{4D30342E-D676-4E0A-A7F5-5D64DF77BC54}"/>
               </a:ext>
             </a:extLst>
           </p:cNvPr>
@@ -13371,7 +13328,7 @@
           <p:cNvPr id="4" name="Date Placeholder 3">
             <a:extLst>
               <a:ext uri="{FF2B5EF4-FFF2-40B4-BE49-F238E27FC236}">
-                <a16:creationId xmlns:a16="http://schemas.microsoft.com/office/drawing/2014/main" xmlns="" id="{0F179A38-69C1-456C-87B2-B4322A711FFF}"/>
+                <a16:creationId xmlns:a16="http://schemas.microsoft.com/office/drawing/2014/main" id="{0F179A38-69C1-456C-87B2-B4322A711FFF}"/>
               </a:ext>
             </a:extLst>
           </p:cNvPr>
@@ -13403,7 +13360,7 @@
           <p:cNvPr id="5" name="Footer Placeholder 4">
             <a:extLst>
               <a:ext uri="{FF2B5EF4-FFF2-40B4-BE49-F238E27FC236}">
-                <a16:creationId xmlns:a16="http://schemas.microsoft.com/office/drawing/2014/main" xmlns="" id="{462B9461-9FED-47F9-B863-F07F237D817D}"/>
+                <a16:creationId xmlns:a16="http://schemas.microsoft.com/office/drawing/2014/main" id="{462B9461-9FED-47F9-B863-F07F237D817D}"/>
               </a:ext>
             </a:extLst>
           </p:cNvPr>
@@ -13435,7 +13392,7 @@
           <p:cNvPr id="6" name="Slide Number Placeholder 5">
             <a:extLst>
               <a:ext uri="{FF2B5EF4-FFF2-40B4-BE49-F238E27FC236}">
-                <a16:creationId xmlns:a16="http://schemas.microsoft.com/office/drawing/2014/main" xmlns="" id="{E02326CF-62CB-4DC3-83CE-9D5663751201}"/>
+                <a16:creationId xmlns:a16="http://schemas.microsoft.com/office/drawing/2014/main" id="{E02326CF-62CB-4DC3-83CE-9D5663751201}"/>
               </a:ext>
             </a:extLst>
           </p:cNvPr>
@@ -13524,7 +13481,7 @@
           <p:cNvPr id="2" name="Title 1">
             <a:extLst>
               <a:ext uri="{FF2B5EF4-FFF2-40B4-BE49-F238E27FC236}">
-                <a16:creationId xmlns:a16="http://schemas.microsoft.com/office/drawing/2014/main" xmlns="" id="{8D271A27-792F-41B7-AE4E-A6CA0138F3E3}"/>
+                <a16:creationId xmlns:a16="http://schemas.microsoft.com/office/drawing/2014/main" id="{8D271A27-792F-41B7-AE4E-A6CA0138F3E3}"/>
               </a:ext>
             </a:extLst>
           </p:cNvPr>
@@ -13568,7 +13525,7 @@
           <p:cNvPr id="3" name="Text Placeholder 2">
             <a:extLst>
               <a:ext uri="{FF2B5EF4-FFF2-40B4-BE49-F238E27FC236}">
-                <a16:creationId xmlns:a16="http://schemas.microsoft.com/office/drawing/2014/main" xmlns="" id="{81AC5CF2-C1B7-445F-9922-13490A0060D3}"/>
+                <a16:creationId xmlns:a16="http://schemas.microsoft.com/office/drawing/2014/main" id="{81AC5CF2-C1B7-445F-9922-13490A0060D3}"/>
               </a:ext>
             </a:extLst>
           </p:cNvPr>
@@ -13688,7 +13645,7 @@
           <p:cNvPr id="4" name="Date Placeholder 3">
             <a:extLst>
               <a:ext uri="{FF2B5EF4-FFF2-40B4-BE49-F238E27FC236}">
-                <a16:creationId xmlns:a16="http://schemas.microsoft.com/office/drawing/2014/main" xmlns="" id="{63CFBD9F-2900-4250-848A-D415B34CA560}"/>
+                <a16:creationId xmlns:a16="http://schemas.microsoft.com/office/drawing/2014/main" id="{63CFBD9F-2900-4250-848A-D415B34CA560}"/>
               </a:ext>
             </a:extLst>
           </p:cNvPr>
@@ -13720,7 +13677,7 @@
           <p:cNvPr id="5" name="Footer Placeholder 4">
             <a:extLst>
               <a:ext uri="{FF2B5EF4-FFF2-40B4-BE49-F238E27FC236}">
-                <a16:creationId xmlns:a16="http://schemas.microsoft.com/office/drawing/2014/main" xmlns="" id="{29A2A8AB-6CF5-4576-9A23-6352995618F8}"/>
+                <a16:creationId xmlns:a16="http://schemas.microsoft.com/office/drawing/2014/main" id="{29A2A8AB-6CF5-4576-9A23-6352995618F8}"/>
               </a:ext>
             </a:extLst>
           </p:cNvPr>
@@ -13752,7 +13709,7 @@
           <p:cNvPr id="6" name="Slide Number Placeholder 5">
             <a:extLst>
               <a:ext uri="{FF2B5EF4-FFF2-40B4-BE49-F238E27FC236}">
-                <a16:creationId xmlns:a16="http://schemas.microsoft.com/office/drawing/2014/main" xmlns="" id="{FE75EE6F-34A8-4F4F-9453-B5F4C1470505}"/>
+                <a16:creationId xmlns:a16="http://schemas.microsoft.com/office/drawing/2014/main" id="{FE75EE6F-34A8-4F4F-9453-B5F4C1470505}"/>
               </a:ext>
             </a:extLst>
           </p:cNvPr>
@@ -13841,7 +13798,7 @@
           <p:cNvPr id="2" name="Title 1">
             <a:extLst>
               <a:ext uri="{FF2B5EF4-FFF2-40B4-BE49-F238E27FC236}">
-                <a16:creationId xmlns:a16="http://schemas.microsoft.com/office/drawing/2014/main" xmlns="" id="{694323D8-4FF1-4A33-A629-2E65B258F1DA}"/>
+                <a16:creationId xmlns:a16="http://schemas.microsoft.com/office/drawing/2014/main" id="{694323D8-4FF1-4A33-A629-2E65B258F1DA}"/>
               </a:ext>
             </a:extLst>
           </p:cNvPr>
@@ -13869,7 +13826,7 @@
           <p:cNvPr id="3" name="Text Placeholder 2">
             <a:extLst>
               <a:ext uri="{FF2B5EF4-FFF2-40B4-BE49-F238E27FC236}">
-                <a16:creationId xmlns:a16="http://schemas.microsoft.com/office/drawing/2014/main" xmlns="" id="{25CAB619-A82A-4947-8E13-355B673FC2A0}"/>
+                <a16:creationId xmlns:a16="http://schemas.microsoft.com/office/drawing/2014/main" id="{25CAB619-A82A-4947-8E13-355B673FC2A0}"/>
               </a:ext>
             </a:extLst>
           </p:cNvPr>
@@ -13976,7 +13933,7 @@
           <p:cNvPr id="4" name="Date Placeholder 3">
             <a:extLst>
               <a:ext uri="{FF2B5EF4-FFF2-40B4-BE49-F238E27FC236}">
-                <a16:creationId xmlns:a16="http://schemas.microsoft.com/office/drawing/2014/main" xmlns="" id="{E76A9FE2-5A81-432E-8C7E-EA161E7BCE64}"/>
+                <a16:creationId xmlns:a16="http://schemas.microsoft.com/office/drawing/2014/main" id="{E76A9FE2-5A81-432E-8C7E-EA161E7BCE64}"/>
               </a:ext>
             </a:extLst>
           </p:cNvPr>
@@ -14008,7 +13965,7 @@
           <p:cNvPr id="5" name="Footer Placeholder 4">
             <a:extLst>
               <a:ext uri="{FF2B5EF4-FFF2-40B4-BE49-F238E27FC236}">
-                <a16:creationId xmlns:a16="http://schemas.microsoft.com/office/drawing/2014/main" xmlns="" id="{9D41268C-C1D0-4028-A53D-43CEF910D4A4}"/>
+                <a16:creationId xmlns:a16="http://schemas.microsoft.com/office/drawing/2014/main" id="{9D41268C-C1D0-4028-A53D-43CEF910D4A4}"/>
               </a:ext>
             </a:extLst>
           </p:cNvPr>
@@ -14040,7 +13997,7 @@
           <p:cNvPr id="6" name="Slide Number Placeholder 5">
             <a:extLst>
               <a:ext uri="{FF2B5EF4-FFF2-40B4-BE49-F238E27FC236}">
-                <a16:creationId xmlns:a16="http://schemas.microsoft.com/office/drawing/2014/main" xmlns="" id="{83FFF9E2-5059-4351-ACC6-951B62FC7BDD}"/>
+                <a16:creationId xmlns:a16="http://schemas.microsoft.com/office/drawing/2014/main" id="{83FFF9E2-5059-4351-ACC6-951B62FC7BDD}"/>
               </a:ext>
             </a:extLst>
           </p:cNvPr>
@@ -14129,7 +14086,7 @@
           <p:cNvPr id="2" name="Title 1">
             <a:extLst>
               <a:ext uri="{FF2B5EF4-FFF2-40B4-BE49-F238E27FC236}">
-                <a16:creationId xmlns:a16="http://schemas.microsoft.com/office/drawing/2014/main" xmlns="" id="{287FAD67-6F0B-4518-8A1B-96958D760F58}"/>
+                <a16:creationId xmlns:a16="http://schemas.microsoft.com/office/drawing/2014/main" id="{287FAD67-6F0B-4518-8A1B-96958D760F58}"/>
               </a:ext>
             </a:extLst>
           </p:cNvPr>
@@ -14178,7 +14135,7 @@
           <p:cNvPr id="3" name="Text Placeholder 2">
             <a:extLst>
               <a:ext uri="{FF2B5EF4-FFF2-40B4-BE49-F238E27FC236}">
-                <a16:creationId xmlns:a16="http://schemas.microsoft.com/office/drawing/2014/main" xmlns="" id="{9E862FE5-7CE4-428D-BE5B-1C34E05D16C6}"/>
+                <a16:creationId xmlns:a16="http://schemas.microsoft.com/office/drawing/2014/main" id="{9E862FE5-7CE4-428D-BE5B-1C34E05D16C6}"/>
               </a:ext>
             </a:extLst>
           </p:cNvPr>
@@ -14327,7 +14284,7 @@
           <p:cNvPr id="4" name="Date Placeholder 3">
             <a:extLst>
               <a:ext uri="{FF2B5EF4-FFF2-40B4-BE49-F238E27FC236}">
-                <a16:creationId xmlns:a16="http://schemas.microsoft.com/office/drawing/2014/main" xmlns="" id="{618BDA89-3BDB-4397-95BF-8518DB7B9808}"/>
+                <a16:creationId xmlns:a16="http://schemas.microsoft.com/office/drawing/2014/main" id="{618BDA89-3BDB-4397-95BF-8518DB7B9808}"/>
               </a:ext>
             </a:extLst>
           </p:cNvPr>
@@ -14359,7 +14316,7 @@
           <p:cNvPr id="5" name="Footer Placeholder 4">
             <a:extLst>
               <a:ext uri="{FF2B5EF4-FFF2-40B4-BE49-F238E27FC236}">
-                <a16:creationId xmlns:a16="http://schemas.microsoft.com/office/drawing/2014/main" xmlns="" id="{FD2E9B6E-EB2B-4C9E-9DFF-4B8E05103C20}"/>
+                <a16:creationId xmlns:a16="http://schemas.microsoft.com/office/drawing/2014/main" id="{FD2E9B6E-EB2B-4C9E-9DFF-4B8E05103C20}"/>
               </a:ext>
             </a:extLst>
           </p:cNvPr>
@@ -14391,7 +14348,7 @@
           <p:cNvPr id="6" name="Slide Number Placeholder 5">
             <a:extLst>
               <a:ext uri="{FF2B5EF4-FFF2-40B4-BE49-F238E27FC236}">
-                <a16:creationId xmlns:a16="http://schemas.microsoft.com/office/drawing/2014/main" xmlns="" id="{D37299D4-0421-4971-9AE3-5FFBBE19532D}"/>
+                <a16:creationId xmlns:a16="http://schemas.microsoft.com/office/drawing/2014/main" id="{D37299D4-0421-4971-9AE3-5FFBBE19532D}"/>
               </a:ext>
             </a:extLst>
           </p:cNvPr>
@@ -14480,7 +14437,7 @@
           <p:cNvPr id="2" name="Title 1">
             <a:extLst>
               <a:ext uri="{FF2B5EF4-FFF2-40B4-BE49-F238E27FC236}">
-                <a16:creationId xmlns:a16="http://schemas.microsoft.com/office/drawing/2014/main" xmlns="" id="{2A41ECB8-3676-437A-95D8-E3F9CA7FAD8E}"/>
+                <a16:creationId xmlns:a16="http://schemas.microsoft.com/office/drawing/2014/main" id="{2A41ECB8-3676-437A-95D8-E3F9CA7FAD8E}"/>
               </a:ext>
             </a:extLst>
           </p:cNvPr>
@@ -14524,7 +14481,7 @@
           <p:cNvPr id="7" name="Content Placeholder 6" descr="See page 144 in book" title="See slide title">
             <a:extLst>
               <a:ext uri="{FF2B5EF4-FFF2-40B4-BE49-F238E27FC236}">
-                <a16:creationId xmlns:a16="http://schemas.microsoft.com/office/drawing/2014/main" xmlns="" id="{CA52131E-FEF6-4908-92D9-38333665DDE8}"/>
+                <a16:creationId xmlns:a16="http://schemas.microsoft.com/office/drawing/2014/main" id="{CA52131E-FEF6-4908-92D9-38333665DDE8}"/>
               </a:ext>
             </a:extLst>
           </p:cNvPr>
@@ -14562,7 +14519,7 @@
           <p:cNvPr id="4" name="Date Placeholder 3">
             <a:extLst>
               <a:ext uri="{FF2B5EF4-FFF2-40B4-BE49-F238E27FC236}">
-                <a16:creationId xmlns:a16="http://schemas.microsoft.com/office/drawing/2014/main" xmlns="" id="{B09DD243-F274-4530-A125-8CF7E3138FEE}"/>
+                <a16:creationId xmlns:a16="http://schemas.microsoft.com/office/drawing/2014/main" id="{B09DD243-F274-4530-A125-8CF7E3138FEE}"/>
               </a:ext>
             </a:extLst>
           </p:cNvPr>
@@ -14594,7 +14551,7 @@
           <p:cNvPr id="5" name="Footer Placeholder 4">
             <a:extLst>
               <a:ext uri="{FF2B5EF4-FFF2-40B4-BE49-F238E27FC236}">
-                <a16:creationId xmlns:a16="http://schemas.microsoft.com/office/drawing/2014/main" xmlns="" id="{EC6505AE-A8D4-49EF-A2A3-DAA644A985D6}"/>
+                <a16:creationId xmlns:a16="http://schemas.microsoft.com/office/drawing/2014/main" id="{EC6505AE-A8D4-49EF-A2A3-DAA644A985D6}"/>
               </a:ext>
             </a:extLst>
           </p:cNvPr>
@@ -14626,7 +14583,7 @@
           <p:cNvPr id="6" name="Slide Number Placeholder 5">
             <a:extLst>
               <a:ext uri="{FF2B5EF4-FFF2-40B4-BE49-F238E27FC236}">
-                <a16:creationId xmlns:a16="http://schemas.microsoft.com/office/drawing/2014/main" xmlns="" id="{52B85999-1CFB-416E-A5C6-E18E91746194}"/>
+                <a16:creationId xmlns:a16="http://schemas.microsoft.com/office/drawing/2014/main" id="{52B85999-1CFB-416E-A5C6-E18E91746194}"/>
               </a:ext>
             </a:extLst>
           </p:cNvPr>
@@ -14715,7 +14672,7 @@
           <p:cNvPr id="2" name="Title 1">
             <a:extLst>
               <a:ext uri="{FF2B5EF4-FFF2-40B4-BE49-F238E27FC236}">
-                <a16:creationId xmlns:a16="http://schemas.microsoft.com/office/drawing/2014/main" xmlns="" id="{F841FD96-7CE2-42C4-B747-25B6C8515238}"/>
+                <a16:creationId xmlns:a16="http://schemas.microsoft.com/office/drawing/2014/main" id="{F841FD96-7CE2-42C4-B747-25B6C8515238}"/>
               </a:ext>
             </a:extLst>
           </p:cNvPr>
@@ -14759,7 +14716,7 @@
           <p:cNvPr id="3" name="Text Placeholder 2">
             <a:extLst>
               <a:ext uri="{FF2B5EF4-FFF2-40B4-BE49-F238E27FC236}">
-                <a16:creationId xmlns:a16="http://schemas.microsoft.com/office/drawing/2014/main" xmlns="" id="{72AD03B2-BE98-4416-9417-F119A5B97D24}"/>
+                <a16:creationId xmlns:a16="http://schemas.microsoft.com/office/drawing/2014/main" id="{72AD03B2-BE98-4416-9417-F119A5B97D24}"/>
               </a:ext>
             </a:extLst>
           </p:cNvPr>
@@ -14841,7 +14798,7 @@
           <p:cNvPr id="4" name="Date Placeholder 3">
             <a:extLst>
               <a:ext uri="{FF2B5EF4-FFF2-40B4-BE49-F238E27FC236}">
-                <a16:creationId xmlns:a16="http://schemas.microsoft.com/office/drawing/2014/main" xmlns="" id="{92CECFD7-11DD-4BB9-9800-F2206F88512C}"/>
+                <a16:creationId xmlns:a16="http://schemas.microsoft.com/office/drawing/2014/main" id="{92CECFD7-11DD-4BB9-9800-F2206F88512C}"/>
               </a:ext>
             </a:extLst>
           </p:cNvPr>
@@ -14873,7 +14830,7 @@
           <p:cNvPr id="5" name="Footer Placeholder 4">
             <a:extLst>
               <a:ext uri="{FF2B5EF4-FFF2-40B4-BE49-F238E27FC236}">
-                <a16:creationId xmlns:a16="http://schemas.microsoft.com/office/drawing/2014/main" xmlns="" id="{0C1E2A7C-B515-4BEF-8D8E-C84CAD0FD683}"/>
+                <a16:creationId xmlns:a16="http://schemas.microsoft.com/office/drawing/2014/main" id="{0C1E2A7C-B515-4BEF-8D8E-C84CAD0FD683}"/>
               </a:ext>
             </a:extLst>
           </p:cNvPr>
@@ -14905,7 +14862,7 @@
           <p:cNvPr id="6" name="Slide Number Placeholder 5">
             <a:extLst>
               <a:ext uri="{FF2B5EF4-FFF2-40B4-BE49-F238E27FC236}">
-                <a16:creationId xmlns:a16="http://schemas.microsoft.com/office/drawing/2014/main" xmlns="" id="{987359CF-D5E5-498D-A0F7-DC8C2EDA2D36}"/>
+                <a16:creationId xmlns:a16="http://schemas.microsoft.com/office/drawing/2014/main" id="{987359CF-D5E5-498D-A0F7-DC8C2EDA2D36}"/>
               </a:ext>
             </a:extLst>
           </p:cNvPr>
@@ -14994,7 +14951,7 @@
           <p:cNvPr id="2" name="Title 1">
             <a:extLst>
               <a:ext uri="{FF2B5EF4-FFF2-40B4-BE49-F238E27FC236}">
-                <a16:creationId xmlns:a16="http://schemas.microsoft.com/office/drawing/2014/main" xmlns="" id="{261CB89C-CFD1-4AAD-A3B4-79BDB4A2FE67}"/>
+                <a16:creationId xmlns:a16="http://schemas.microsoft.com/office/drawing/2014/main" id="{261CB89C-CFD1-4AAD-A3B4-79BDB4A2FE67}"/>
               </a:ext>
             </a:extLst>
           </p:cNvPr>
@@ -15038,7 +14995,7 @@
           <p:cNvPr id="3" name="Text Placeholder 2">
             <a:extLst>
               <a:ext uri="{FF2B5EF4-FFF2-40B4-BE49-F238E27FC236}">
-                <a16:creationId xmlns:a16="http://schemas.microsoft.com/office/drawing/2014/main" xmlns="" id="{859E4B0B-FA00-44CF-87EE-79152C95B5B1}"/>
+                <a16:creationId xmlns:a16="http://schemas.microsoft.com/office/drawing/2014/main" id="{859E4B0B-FA00-44CF-87EE-79152C95B5B1}"/>
               </a:ext>
             </a:extLst>
           </p:cNvPr>
@@ -15183,7 +15140,7 @@
           <p:cNvPr id="4" name="Date Placeholder 3">
             <a:extLst>
               <a:ext uri="{FF2B5EF4-FFF2-40B4-BE49-F238E27FC236}">
-                <a16:creationId xmlns:a16="http://schemas.microsoft.com/office/drawing/2014/main" xmlns="" id="{F6D1D316-C90F-4AFA-81AD-4A4F81B8FFB5}"/>
+                <a16:creationId xmlns:a16="http://schemas.microsoft.com/office/drawing/2014/main" id="{F6D1D316-C90F-4AFA-81AD-4A4F81B8FFB5}"/>
               </a:ext>
             </a:extLst>
           </p:cNvPr>
@@ -15215,7 +15172,7 @@
           <p:cNvPr id="5" name="Footer Placeholder 4">
             <a:extLst>
               <a:ext uri="{FF2B5EF4-FFF2-40B4-BE49-F238E27FC236}">
-                <a16:creationId xmlns:a16="http://schemas.microsoft.com/office/drawing/2014/main" xmlns="" id="{3A428847-B903-4B44-B2FA-4B0FAC7D6493}"/>
+                <a16:creationId xmlns:a16="http://schemas.microsoft.com/office/drawing/2014/main" id="{3A428847-B903-4B44-B2FA-4B0FAC7D6493}"/>
               </a:ext>
             </a:extLst>
           </p:cNvPr>
@@ -15247,7 +15204,7 @@
           <p:cNvPr id="6" name="Slide Number Placeholder 5">
             <a:extLst>
               <a:ext uri="{FF2B5EF4-FFF2-40B4-BE49-F238E27FC236}">
-                <a16:creationId xmlns:a16="http://schemas.microsoft.com/office/drawing/2014/main" xmlns="" id="{BDE736A6-A0CB-48DA-B376-BBCD1673DFE7}"/>
+                <a16:creationId xmlns:a16="http://schemas.microsoft.com/office/drawing/2014/main" id="{BDE736A6-A0CB-48DA-B376-BBCD1673DFE7}"/>
               </a:ext>
             </a:extLst>
           </p:cNvPr>
@@ -15336,7 +15293,7 @@
           <p:cNvPr id="2" name="Title 1">
             <a:extLst>
               <a:ext uri="{FF2B5EF4-FFF2-40B4-BE49-F238E27FC236}">
-                <a16:creationId xmlns:a16="http://schemas.microsoft.com/office/drawing/2014/main" xmlns="" id="{6F5D38CA-0F33-4BCF-B270-09D098344B0E}"/>
+                <a16:creationId xmlns:a16="http://schemas.microsoft.com/office/drawing/2014/main" id="{6F5D38CA-0F33-4BCF-B270-09D098344B0E}"/>
               </a:ext>
             </a:extLst>
           </p:cNvPr>
@@ -15380,7 +15337,7 @@
           <p:cNvPr id="7" name="Content Placeholder 6" descr="See page 146 in book" title="See slide title">
             <a:extLst>
               <a:ext uri="{FF2B5EF4-FFF2-40B4-BE49-F238E27FC236}">
-                <a16:creationId xmlns:a16="http://schemas.microsoft.com/office/drawing/2014/main" xmlns="" id="{620D91B2-9E11-42A5-803D-0F4DEDCE1933}"/>
+                <a16:creationId xmlns:a16="http://schemas.microsoft.com/office/drawing/2014/main" id="{620D91B2-9E11-42A5-803D-0F4DEDCE1933}"/>
               </a:ext>
             </a:extLst>
           </p:cNvPr>
@@ -15423,7 +15380,7 @@
           <p:cNvPr id="4" name="Date Placeholder 3">
             <a:extLst>
               <a:ext uri="{FF2B5EF4-FFF2-40B4-BE49-F238E27FC236}">
-                <a16:creationId xmlns:a16="http://schemas.microsoft.com/office/drawing/2014/main" xmlns="" id="{671F3CCA-7F39-4947-A37A-54E63A1454C3}"/>
+                <a16:creationId xmlns:a16="http://schemas.microsoft.com/office/drawing/2014/main" id="{671F3CCA-7F39-4947-A37A-54E63A1454C3}"/>
               </a:ext>
             </a:extLst>
           </p:cNvPr>
@@ -15455,7 +15412,7 @@
           <p:cNvPr id="5" name="Footer Placeholder 4">
             <a:extLst>
               <a:ext uri="{FF2B5EF4-FFF2-40B4-BE49-F238E27FC236}">
-                <a16:creationId xmlns:a16="http://schemas.microsoft.com/office/drawing/2014/main" xmlns="" id="{24DF4240-468B-4D20-956C-045E075C2DBB}"/>
+                <a16:creationId xmlns:a16="http://schemas.microsoft.com/office/drawing/2014/main" id="{24DF4240-468B-4D20-956C-045E075C2DBB}"/>
               </a:ext>
             </a:extLst>
           </p:cNvPr>
@@ -15487,7 +15444,7 @@
           <p:cNvPr id="6" name="Slide Number Placeholder 5">
             <a:extLst>
               <a:ext uri="{FF2B5EF4-FFF2-40B4-BE49-F238E27FC236}">
-                <a16:creationId xmlns:a16="http://schemas.microsoft.com/office/drawing/2014/main" xmlns="" id="{98E80911-756A-473D-8505-FDFEF1B53267}"/>
+                <a16:creationId xmlns:a16="http://schemas.microsoft.com/office/drawing/2014/main" id="{98E80911-756A-473D-8505-FDFEF1B53267}"/>
               </a:ext>
             </a:extLst>
           </p:cNvPr>
@@ -15576,7 +15533,7 @@
           <p:cNvPr id="2" name="Title 1">
             <a:extLst>
               <a:ext uri="{FF2B5EF4-FFF2-40B4-BE49-F238E27FC236}">
-                <a16:creationId xmlns:a16="http://schemas.microsoft.com/office/drawing/2014/main" xmlns="" id="{955A3EA9-49E5-4E7C-8E4D-C67697990F8D}"/>
+                <a16:creationId xmlns:a16="http://schemas.microsoft.com/office/drawing/2014/main" id="{955A3EA9-49E5-4E7C-8E4D-C67697990F8D}"/>
               </a:ext>
             </a:extLst>
           </p:cNvPr>
@@ -15620,7 +15577,7 @@
           <p:cNvPr id="3" name="Text Placeholder 2">
             <a:extLst>
               <a:ext uri="{FF2B5EF4-FFF2-40B4-BE49-F238E27FC236}">
-                <a16:creationId xmlns:a16="http://schemas.microsoft.com/office/drawing/2014/main" xmlns="" id="{BF9227EE-02C8-4849-B973-0E3CA150EAA6}"/>
+                <a16:creationId xmlns:a16="http://schemas.microsoft.com/office/drawing/2014/main" id="{BF9227EE-02C8-4849-B973-0E3CA150EAA6}"/>
               </a:ext>
             </a:extLst>
           </p:cNvPr>
@@ -15830,7 +15787,7 @@
           <p:cNvPr id="4" name="Date Placeholder 3">
             <a:extLst>
               <a:ext uri="{FF2B5EF4-FFF2-40B4-BE49-F238E27FC236}">
-                <a16:creationId xmlns:a16="http://schemas.microsoft.com/office/drawing/2014/main" xmlns="" id="{28D1FFD3-D9B6-4549-B9D4-20B6C25C8BD2}"/>
+                <a16:creationId xmlns:a16="http://schemas.microsoft.com/office/drawing/2014/main" id="{28D1FFD3-D9B6-4549-B9D4-20B6C25C8BD2}"/>
               </a:ext>
             </a:extLst>
           </p:cNvPr>
@@ -15862,7 +15819,7 @@
           <p:cNvPr id="5" name="Footer Placeholder 4">
             <a:extLst>
               <a:ext uri="{FF2B5EF4-FFF2-40B4-BE49-F238E27FC236}">
-                <a16:creationId xmlns:a16="http://schemas.microsoft.com/office/drawing/2014/main" xmlns="" id="{25684368-7A4F-4A82-9225-BFF12E0748DD}"/>
+                <a16:creationId xmlns:a16="http://schemas.microsoft.com/office/drawing/2014/main" id="{25684368-7A4F-4A82-9225-BFF12E0748DD}"/>
               </a:ext>
             </a:extLst>
           </p:cNvPr>
@@ -15894,7 +15851,7 @@
           <p:cNvPr id="6" name="Slide Number Placeholder 5">
             <a:extLst>
               <a:ext uri="{FF2B5EF4-FFF2-40B4-BE49-F238E27FC236}">
-                <a16:creationId xmlns:a16="http://schemas.microsoft.com/office/drawing/2014/main" xmlns="" id="{9B2BCA87-DF6B-4F4D-A2BD-361D6BF55B51}"/>
+                <a16:creationId xmlns:a16="http://schemas.microsoft.com/office/drawing/2014/main" id="{9B2BCA87-DF6B-4F4D-A2BD-361D6BF55B51}"/>
               </a:ext>
             </a:extLst>
           </p:cNvPr>
@@ -15983,7 +15940,7 @@
           <p:cNvPr id="2" name="Title 1">
             <a:extLst>
               <a:ext uri="{FF2B5EF4-FFF2-40B4-BE49-F238E27FC236}">
-                <a16:creationId xmlns:a16="http://schemas.microsoft.com/office/drawing/2014/main" xmlns="" id="{B61422DB-4275-4AFA-ACA6-A55B6B4F6931}"/>
+                <a16:creationId xmlns:a16="http://schemas.microsoft.com/office/drawing/2014/main" id="{B61422DB-4275-4AFA-ACA6-A55B6B4F6931}"/>
               </a:ext>
             </a:extLst>
           </p:cNvPr>
@@ -16047,7 +16004,7 @@
           <p:cNvPr id="3" name="Text Placeholder 2">
             <a:extLst>
               <a:ext uri="{FF2B5EF4-FFF2-40B4-BE49-F238E27FC236}">
-                <a16:creationId xmlns:a16="http://schemas.microsoft.com/office/drawing/2014/main" xmlns="" id="{719E2551-DDA0-4F9D-B26F-F4A0FE44279C}"/>
+                <a16:creationId xmlns:a16="http://schemas.microsoft.com/office/drawing/2014/main" id="{719E2551-DDA0-4F9D-B26F-F4A0FE44279C}"/>
               </a:ext>
             </a:extLst>
           </p:cNvPr>
@@ -16185,7 +16142,7 @@
           <p:cNvPr id="4" name="Date Placeholder 3">
             <a:extLst>
               <a:ext uri="{FF2B5EF4-FFF2-40B4-BE49-F238E27FC236}">
-                <a16:creationId xmlns:a16="http://schemas.microsoft.com/office/drawing/2014/main" xmlns="" id="{10260B5B-AC5A-4171-A93A-18703EC404AC}"/>
+                <a16:creationId xmlns:a16="http://schemas.microsoft.com/office/drawing/2014/main" id="{10260B5B-AC5A-4171-A93A-18703EC404AC}"/>
               </a:ext>
             </a:extLst>
           </p:cNvPr>
@@ -16217,7 +16174,7 @@
           <p:cNvPr id="5" name="Footer Placeholder 4">
             <a:extLst>
               <a:ext uri="{FF2B5EF4-FFF2-40B4-BE49-F238E27FC236}">
-                <a16:creationId xmlns:a16="http://schemas.microsoft.com/office/drawing/2014/main" xmlns="" id="{3CAB6F43-691A-4D86-B9AE-7C8BF47899A4}"/>
+                <a16:creationId xmlns:a16="http://schemas.microsoft.com/office/drawing/2014/main" id="{3CAB6F43-691A-4D86-B9AE-7C8BF47899A4}"/>
               </a:ext>
             </a:extLst>
           </p:cNvPr>
@@ -16249,7 +16206,7 @@
           <p:cNvPr id="6" name="Slide Number Placeholder 5">
             <a:extLst>
               <a:ext uri="{FF2B5EF4-FFF2-40B4-BE49-F238E27FC236}">
-                <a16:creationId xmlns:a16="http://schemas.microsoft.com/office/drawing/2014/main" xmlns="" id="{8092C0C4-00BA-4E42-BEF5-702EB7D49408}"/>
+                <a16:creationId xmlns:a16="http://schemas.microsoft.com/office/drawing/2014/main" id="{8092C0C4-00BA-4E42-BEF5-702EB7D49408}"/>
               </a:ext>
             </a:extLst>
           </p:cNvPr>
@@ -16338,7 +16295,7 @@
           <p:cNvPr id="2" name="Title 1">
             <a:extLst>
               <a:ext uri="{FF2B5EF4-FFF2-40B4-BE49-F238E27FC236}">
-                <a16:creationId xmlns:a16="http://schemas.microsoft.com/office/drawing/2014/main" xmlns="" id="{82370C7B-375D-45CA-849B-F6B095AFAA10}"/>
+                <a16:creationId xmlns:a16="http://schemas.microsoft.com/office/drawing/2014/main" id="{82370C7B-375D-45CA-849B-F6B095AFAA10}"/>
               </a:ext>
             </a:extLst>
           </p:cNvPr>
@@ -16382,7 +16339,7 @@
           <p:cNvPr id="3" name="Text Placeholder 2">
             <a:extLst>
               <a:ext uri="{FF2B5EF4-FFF2-40B4-BE49-F238E27FC236}">
-                <a16:creationId xmlns:a16="http://schemas.microsoft.com/office/drawing/2014/main" xmlns="" id="{A45FFEAE-5A9D-4A72-93A4-78553BDAB24E}"/>
+                <a16:creationId xmlns:a16="http://schemas.microsoft.com/office/drawing/2014/main" id="{A45FFEAE-5A9D-4A72-93A4-78553BDAB24E}"/>
               </a:ext>
             </a:extLst>
           </p:cNvPr>
@@ -16691,7 +16648,7 @@
           <p:cNvPr id="4" name="Date Placeholder 3">
             <a:extLst>
               <a:ext uri="{FF2B5EF4-FFF2-40B4-BE49-F238E27FC236}">
-                <a16:creationId xmlns:a16="http://schemas.microsoft.com/office/drawing/2014/main" xmlns="" id="{F8D35963-0F65-4062-A786-833B4DC69919}"/>
+                <a16:creationId xmlns:a16="http://schemas.microsoft.com/office/drawing/2014/main" id="{F8D35963-0F65-4062-A786-833B4DC69919}"/>
               </a:ext>
             </a:extLst>
           </p:cNvPr>
@@ -16723,7 +16680,7 @@
           <p:cNvPr id="5" name="Footer Placeholder 4">
             <a:extLst>
               <a:ext uri="{FF2B5EF4-FFF2-40B4-BE49-F238E27FC236}">
-                <a16:creationId xmlns:a16="http://schemas.microsoft.com/office/drawing/2014/main" xmlns="" id="{9EDB3548-9D86-4EE5-8DC9-061A95E963EE}"/>
+                <a16:creationId xmlns:a16="http://schemas.microsoft.com/office/drawing/2014/main" id="{9EDB3548-9D86-4EE5-8DC9-061A95E963EE}"/>
               </a:ext>
             </a:extLst>
           </p:cNvPr>
@@ -16755,7 +16712,7 @@
           <p:cNvPr id="6" name="Slide Number Placeholder 5">
             <a:extLst>
               <a:ext uri="{FF2B5EF4-FFF2-40B4-BE49-F238E27FC236}">
-                <a16:creationId xmlns:a16="http://schemas.microsoft.com/office/drawing/2014/main" xmlns="" id="{BEC63CB8-C353-4864-B823-5B9C3B3A1548}"/>
+                <a16:creationId xmlns:a16="http://schemas.microsoft.com/office/drawing/2014/main" id="{BEC63CB8-C353-4864-B823-5B9C3B3A1548}"/>
               </a:ext>
             </a:extLst>
           </p:cNvPr>
@@ -16844,7 +16801,7 @@
           <p:cNvPr id="2" name="Title 1">
             <a:extLst>
               <a:ext uri="{FF2B5EF4-FFF2-40B4-BE49-F238E27FC236}">
-                <a16:creationId xmlns:a16="http://schemas.microsoft.com/office/drawing/2014/main" xmlns="" id="{868738E1-917C-4EF1-B807-877C075ED705}"/>
+                <a16:creationId xmlns:a16="http://schemas.microsoft.com/office/drawing/2014/main" id="{868738E1-917C-4EF1-B807-877C075ED705}"/>
               </a:ext>
             </a:extLst>
           </p:cNvPr>
@@ -16888,7 +16845,7 @@
           <p:cNvPr id="3" name="Text Placeholder 2">
             <a:extLst>
               <a:ext uri="{FF2B5EF4-FFF2-40B4-BE49-F238E27FC236}">
-                <a16:creationId xmlns:a16="http://schemas.microsoft.com/office/drawing/2014/main" xmlns="" id="{969B8879-AA65-448A-B66A-86A66134D3E6}"/>
+                <a16:creationId xmlns:a16="http://schemas.microsoft.com/office/drawing/2014/main" id="{969B8879-AA65-448A-B66A-86A66134D3E6}"/>
               </a:ext>
             </a:extLst>
           </p:cNvPr>
@@ -16978,7 +16935,7 @@
           <a:p>
             <a:pPr marL="344488"/>
             <a:r>
-              <a:rPr lang="en-US" sz="1600" b="1" dirty="0" smtClean="0">
+              <a:rPr lang="en-US" sz="1600" b="1" dirty="0">
                 <a:latin typeface="Courier New" panose="02070309020205020404" pitchFamily="49" charset="0"/>
                 <a:ea typeface="Times New Roman" panose="02020603050405020304" pitchFamily="18" charset="0"/>
               </a:rPr>
@@ -16993,7 +16950,7 @@
           <p:cNvPr id="4" name="Date Placeholder 3">
             <a:extLst>
               <a:ext uri="{FF2B5EF4-FFF2-40B4-BE49-F238E27FC236}">
-                <a16:creationId xmlns:a16="http://schemas.microsoft.com/office/drawing/2014/main" xmlns="" id="{DEA8DADE-7089-4E99-B8C9-438D2B4802E2}"/>
+                <a16:creationId xmlns:a16="http://schemas.microsoft.com/office/drawing/2014/main" id="{DEA8DADE-7089-4E99-B8C9-438D2B4802E2}"/>
               </a:ext>
             </a:extLst>
           </p:cNvPr>
@@ -17025,7 +16982,7 @@
           <p:cNvPr id="5" name="Footer Placeholder 4">
             <a:extLst>
               <a:ext uri="{FF2B5EF4-FFF2-40B4-BE49-F238E27FC236}">
-                <a16:creationId xmlns:a16="http://schemas.microsoft.com/office/drawing/2014/main" xmlns="" id="{7073793E-4117-48C5-A627-1CC5BDA608C7}"/>
+                <a16:creationId xmlns:a16="http://schemas.microsoft.com/office/drawing/2014/main" id="{7073793E-4117-48C5-A627-1CC5BDA608C7}"/>
               </a:ext>
             </a:extLst>
           </p:cNvPr>
@@ -17057,7 +17014,7 @@
           <p:cNvPr id="6" name="Slide Number Placeholder 5">
             <a:extLst>
               <a:ext uri="{FF2B5EF4-FFF2-40B4-BE49-F238E27FC236}">
-                <a16:creationId xmlns:a16="http://schemas.microsoft.com/office/drawing/2014/main" xmlns="" id="{433D46EE-4FE9-4ED8-85D5-B7DF7104A122}"/>
+                <a16:creationId xmlns:a16="http://schemas.microsoft.com/office/drawing/2014/main" id="{433D46EE-4FE9-4ED8-85D5-B7DF7104A122}"/>
               </a:ext>
             </a:extLst>
           </p:cNvPr>
@@ -17146,7 +17103,7 @@
           <p:cNvPr id="2" name="Title 1">
             <a:extLst>
               <a:ext uri="{FF2B5EF4-FFF2-40B4-BE49-F238E27FC236}">
-                <a16:creationId xmlns:a16="http://schemas.microsoft.com/office/drawing/2014/main" xmlns="" id="{FFCD2C58-B1DF-44E5-9C11-0331DEC11BC2}"/>
+                <a16:creationId xmlns:a16="http://schemas.microsoft.com/office/drawing/2014/main" id="{FFCD2C58-B1DF-44E5-9C11-0331DEC11BC2}"/>
               </a:ext>
             </a:extLst>
           </p:cNvPr>
@@ -17190,7 +17147,7 @@
           <p:cNvPr id="3" name="Text Placeholder 2">
             <a:extLst>
               <a:ext uri="{FF2B5EF4-FFF2-40B4-BE49-F238E27FC236}">
-                <a16:creationId xmlns:a16="http://schemas.microsoft.com/office/drawing/2014/main" xmlns="" id="{DB70B789-E66C-4B03-B8EB-C31D34BB4DEE}"/>
+                <a16:creationId xmlns:a16="http://schemas.microsoft.com/office/drawing/2014/main" id="{DB70B789-E66C-4B03-B8EB-C31D34BB4DEE}"/>
               </a:ext>
             </a:extLst>
           </p:cNvPr>
@@ -17527,7 +17484,7 @@
           <p:cNvPr id="4" name="Date Placeholder 3">
             <a:extLst>
               <a:ext uri="{FF2B5EF4-FFF2-40B4-BE49-F238E27FC236}">
-                <a16:creationId xmlns:a16="http://schemas.microsoft.com/office/drawing/2014/main" xmlns="" id="{18754ED9-B361-4752-874F-BF8E223BF45B}"/>
+                <a16:creationId xmlns:a16="http://schemas.microsoft.com/office/drawing/2014/main" id="{18754ED9-B361-4752-874F-BF8E223BF45B}"/>
               </a:ext>
             </a:extLst>
           </p:cNvPr>
@@ -17559,7 +17516,7 @@
           <p:cNvPr id="5" name="Footer Placeholder 4">
             <a:extLst>
               <a:ext uri="{FF2B5EF4-FFF2-40B4-BE49-F238E27FC236}">
-                <a16:creationId xmlns:a16="http://schemas.microsoft.com/office/drawing/2014/main" xmlns="" id="{7BCD613E-0F19-4649-B570-A2F6B4044D10}"/>
+                <a16:creationId xmlns:a16="http://schemas.microsoft.com/office/drawing/2014/main" id="{7BCD613E-0F19-4649-B570-A2F6B4044D10}"/>
               </a:ext>
             </a:extLst>
           </p:cNvPr>
@@ -17591,7 +17548,7 @@
           <p:cNvPr id="6" name="Slide Number Placeholder 5">
             <a:extLst>
               <a:ext uri="{FF2B5EF4-FFF2-40B4-BE49-F238E27FC236}">
-                <a16:creationId xmlns:a16="http://schemas.microsoft.com/office/drawing/2014/main" xmlns="" id="{E59DAB4A-C4D6-40AC-AFEA-A4303A406016}"/>
+                <a16:creationId xmlns:a16="http://schemas.microsoft.com/office/drawing/2014/main" id="{E59DAB4A-C4D6-40AC-AFEA-A4303A406016}"/>
               </a:ext>
             </a:extLst>
           </p:cNvPr>
@@ -17680,7 +17637,7 @@
           <p:cNvPr id="2" name="Title 1">
             <a:extLst>
               <a:ext uri="{FF2B5EF4-FFF2-40B4-BE49-F238E27FC236}">
-                <a16:creationId xmlns:a16="http://schemas.microsoft.com/office/drawing/2014/main" xmlns="" id="{FF1AF294-A62A-4494-86EA-5CE34E19EC80}"/>
+                <a16:creationId xmlns:a16="http://schemas.microsoft.com/office/drawing/2014/main" id="{FF1AF294-A62A-4494-86EA-5CE34E19EC80}"/>
               </a:ext>
             </a:extLst>
           </p:cNvPr>
@@ -17724,7 +17681,7 @@
           <p:cNvPr id="3" name="Text Placeholder 2">
             <a:extLst>
               <a:ext uri="{FF2B5EF4-FFF2-40B4-BE49-F238E27FC236}">
-                <a16:creationId xmlns:a16="http://schemas.microsoft.com/office/drawing/2014/main" xmlns="" id="{DDBCDA0A-6611-49E9-B957-20FB7E3F7393}"/>
+                <a16:creationId xmlns:a16="http://schemas.microsoft.com/office/drawing/2014/main" id="{DDBCDA0A-6611-49E9-B957-20FB7E3F7393}"/>
               </a:ext>
             </a:extLst>
           </p:cNvPr>
@@ -17926,7 +17883,7 @@
           <p:cNvPr id="4" name="Date Placeholder 3">
             <a:extLst>
               <a:ext uri="{FF2B5EF4-FFF2-40B4-BE49-F238E27FC236}">
-                <a16:creationId xmlns:a16="http://schemas.microsoft.com/office/drawing/2014/main" xmlns="" id="{26EBF09F-C245-4210-9AC0-9B5E2F8CD5E8}"/>
+                <a16:creationId xmlns:a16="http://schemas.microsoft.com/office/drawing/2014/main" id="{26EBF09F-C245-4210-9AC0-9B5E2F8CD5E8}"/>
               </a:ext>
             </a:extLst>
           </p:cNvPr>
@@ -17958,7 +17915,7 @@
           <p:cNvPr id="5" name="Footer Placeholder 4">
             <a:extLst>
               <a:ext uri="{FF2B5EF4-FFF2-40B4-BE49-F238E27FC236}">
-                <a16:creationId xmlns:a16="http://schemas.microsoft.com/office/drawing/2014/main" xmlns="" id="{6E3C1174-D96F-489F-A4C1-16C1949A2E08}"/>
+                <a16:creationId xmlns:a16="http://schemas.microsoft.com/office/drawing/2014/main" id="{6E3C1174-D96F-489F-A4C1-16C1949A2E08}"/>
               </a:ext>
             </a:extLst>
           </p:cNvPr>
@@ -17990,7 +17947,7 @@
           <p:cNvPr id="6" name="Slide Number Placeholder 5">
             <a:extLst>
               <a:ext uri="{FF2B5EF4-FFF2-40B4-BE49-F238E27FC236}">
-                <a16:creationId xmlns:a16="http://schemas.microsoft.com/office/drawing/2014/main" xmlns="" id="{DC9E6F7A-8E8B-4584-9863-857931ECECCC}"/>
+                <a16:creationId xmlns:a16="http://schemas.microsoft.com/office/drawing/2014/main" id="{DC9E6F7A-8E8B-4584-9863-857931ECECCC}"/>
               </a:ext>
             </a:extLst>
           </p:cNvPr>
@@ -18079,7 +18036,7 @@
           <p:cNvPr id="2" name="Title 1">
             <a:extLst>
               <a:ext uri="{FF2B5EF4-FFF2-40B4-BE49-F238E27FC236}">
-                <a16:creationId xmlns:a16="http://schemas.microsoft.com/office/drawing/2014/main" xmlns="" id="{3D00175A-25CD-4368-9482-FEA1007E7F64}"/>
+                <a16:creationId xmlns:a16="http://schemas.microsoft.com/office/drawing/2014/main" id="{3D00175A-25CD-4368-9482-FEA1007E7F64}"/>
               </a:ext>
             </a:extLst>
           </p:cNvPr>
@@ -18143,7 +18100,7 @@
           <p:cNvPr id="3" name="Text Placeholder 2">
             <a:extLst>
               <a:ext uri="{FF2B5EF4-FFF2-40B4-BE49-F238E27FC236}">
-                <a16:creationId xmlns:a16="http://schemas.microsoft.com/office/drawing/2014/main" xmlns="" id="{A3B7317B-FC3F-40CB-91AA-D04B28B35333}"/>
+                <a16:creationId xmlns:a16="http://schemas.microsoft.com/office/drawing/2014/main" id="{A3B7317B-FC3F-40CB-91AA-D04B28B35333}"/>
               </a:ext>
             </a:extLst>
           </p:cNvPr>
@@ -18238,7 +18195,7 @@
           <a:p>
             <a:pPr marL="344488"/>
             <a:r>
-              <a:rPr lang="en-US" sz="1600" b="1" dirty="0" smtClean="0">
+              <a:rPr lang="en-US" sz="1600" b="1" dirty="0">
                 <a:latin typeface="Courier New" panose="02070309020205020404" pitchFamily="49" charset="0"/>
                 <a:ea typeface="Times New Roman" panose="02020603050405020304" pitchFamily="18" charset="0"/>
               </a:rPr>
@@ -18253,7 +18210,7 @@
           <p:cNvPr id="4" name="Date Placeholder 3">
             <a:extLst>
               <a:ext uri="{FF2B5EF4-FFF2-40B4-BE49-F238E27FC236}">
-                <a16:creationId xmlns:a16="http://schemas.microsoft.com/office/drawing/2014/main" xmlns="" id="{3D425C60-F0E7-4FDB-A291-9BDE1A72910F}"/>
+                <a16:creationId xmlns:a16="http://schemas.microsoft.com/office/drawing/2014/main" id="{3D425C60-F0E7-4FDB-A291-9BDE1A72910F}"/>
               </a:ext>
             </a:extLst>
           </p:cNvPr>
@@ -18285,7 +18242,7 @@
           <p:cNvPr id="5" name="Footer Placeholder 4">
             <a:extLst>
               <a:ext uri="{FF2B5EF4-FFF2-40B4-BE49-F238E27FC236}">
-                <a16:creationId xmlns:a16="http://schemas.microsoft.com/office/drawing/2014/main" xmlns="" id="{C0CAC7C7-AACB-47B6-B37D-FD7BFF79CDE6}"/>
+                <a16:creationId xmlns:a16="http://schemas.microsoft.com/office/drawing/2014/main" id="{C0CAC7C7-AACB-47B6-B37D-FD7BFF79CDE6}"/>
               </a:ext>
             </a:extLst>
           </p:cNvPr>
@@ -18317,7 +18274,7 @@
           <p:cNvPr id="6" name="Slide Number Placeholder 5">
             <a:extLst>
               <a:ext uri="{FF2B5EF4-FFF2-40B4-BE49-F238E27FC236}">
-                <a16:creationId xmlns:a16="http://schemas.microsoft.com/office/drawing/2014/main" xmlns="" id="{F56844FD-B760-4581-A8F5-7CE17C60A751}"/>
+                <a16:creationId xmlns:a16="http://schemas.microsoft.com/office/drawing/2014/main" id="{F56844FD-B760-4581-A8F5-7CE17C60A751}"/>
               </a:ext>
             </a:extLst>
           </p:cNvPr>
@@ -18406,7 +18363,7 @@
           <p:cNvPr id="2" name="Title 1">
             <a:extLst>
               <a:ext uri="{FF2B5EF4-FFF2-40B4-BE49-F238E27FC236}">
-                <a16:creationId xmlns:a16="http://schemas.microsoft.com/office/drawing/2014/main" xmlns="" id="{2E3C1363-E9E2-4C0A-98E2-0759E68C8DA5}"/>
+                <a16:creationId xmlns:a16="http://schemas.microsoft.com/office/drawing/2014/main" id="{2E3C1363-E9E2-4C0A-98E2-0759E68C8DA5}"/>
               </a:ext>
             </a:extLst>
           </p:cNvPr>
@@ -18455,7 +18412,7 @@
           <p:cNvPr id="3" name="Text Placeholder 2">
             <a:extLst>
               <a:ext uri="{FF2B5EF4-FFF2-40B4-BE49-F238E27FC236}">
-                <a16:creationId xmlns:a16="http://schemas.microsoft.com/office/drawing/2014/main" xmlns="" id="{4422C306-A8C8-4683-93A1-E57E6B8ED910}"/>
+                <a16:creationId xmlns:a16="http://schemas.microsoft.com/office/drawing/2014/main" id="{4422C306-A8C8-4683-93A1-E57E6B8ED910}"/>
               </a:ext>
             </a:extLst>
           </p:cNvPr>
@@ -18719,7 +18676,7 @@
           <p:cNvPr id="4" name="Date Placeholder 3">
             <a:extLst>
               <a:ext uri="{FF2B5EF4-FFF2-40B4-BE49-F238E27FC236}">
-                <a16:creationId xmlns:a16="http://schemas.microsoft.com/office/drawing/2014/main" xmlns="" id="{790B013A-A33C-4F42-A94A-10605AAF85C8}"/>
+                <a16:creationId xmlns:a16="http://schemas.microsoft.com/office/drawing/2014/main" id="{790B013A-A33C-4F42-A94A-10605AAF85C8}"/>
               </a:ext>
             </a:extLst>
           </p:cNvPr>
@@ -18751,7 +18708,7 @@
           <p:cNvPr id="5" name="Footer Placeholder 4">
             <a:extLst>
               <a:ext uri="{FF2B5EF4-FFF2-40B4-BE49-F238E27FC236}">
-                <a16:creationId xmlns:a16="http://schemas.microsoft.com/office/drawing/2014/main" xmlns="" id="{C5388FCF-F2CC-4B01-93B0-B7E0EF49080B}"/>
+                <a16:creationId xmlns:a16="http://schemas.microsoft.com/office/drawing/2014/main" id="{C5388FCF-F2CC-4B01-93B0-B7E0EF49080B}"/>
               </a:ext>
             </a:extLst>
           </p:cNvPr>
@@ -18783,7 +18740,7 @@
           <p:cNvPr id="6" name="Slide Number Placeholder 5">
             <a:extLst>
               <a:ext uri="{FF2B5EF4-FFF2-40B4-BE49-F238E27FC236}">
-                <a16:creationId xmlns:a16="http://schemas.microsoft.com/office/drawing/2014/main" xmlns="" id="{6E4369F0-2346-4481-B06A-CC3CBAF5C056}"/>
+                <a16:creationId xmlns:a16="http://schemas.microsoft.com/office/drawing/2014/main" id="{6E4369F0-2346-4481-B06A-CC3CBAF5C056}"/>
               </a:ext>
             </a:extLst>
           </p:cNvPr>
@@ -18872,7 +18829,7 @@
           <p:cNvPr id="2" name="Title 1">
             <a:extLst>
               <a:ext uri="{FF2B5EF4-FFF2-40B4-BE49-F238E27FC236}">
-                <a16:creationId xmlns:a16="http://schemas.microsoft.com/office/drawing/2014/main" xmlns="" id="{FC4956E0-47AB-4871-AE2B-4989E413F744}"/>
+                <a16:creationId xmlns:a16="http://schemas.microsoft.com/office/drawing/2014/main" id="{FC4956E0-47AB-4871-AE2B-4989E413F744}"/>
               </a:ext>
             </a:extLst>
           </p:cNvPr>
@@ -18936,7 +18893,7 @@
           <p:cNvPr id="3" name="Text Placeholder 2">
             <a:extLst>
               <a:ext uri="{FF2B5EF4-FFF2-40B4-BE49-F238E27FC236}">
-                <a16:creationId xmlns:a16="http://schemas.microsoft.com/office/drawing/2014/main" xmlns="" id="{C27A4568-403E-43A3-A911-BA7B98B4A467}"/>
+                <a16:creationId xmlns:a16="http://schemas.microsoft.com/office/drawing/2014/main" id="{C27A4568-403E-43A3-A911-BA7B98B4A467}"/>
               </a:ext>
             </a:extLst>
           </p:cNvPr>
@@ -19293,7 +19250,7 @@
           <p:cNvPr id="4" name="Date Placeholder 3">
             <a:extLst>
               <a:ext uri="{FF2B5EF4-FFF2-40B4-BE49-F238E27FC236}">
-                <a16:creationId xmlns:a16="http://schemas.microsoft.com/office/drawing/2014/main" xmlns="" id="{51E2D787-0B04-4C06-9E67-01F98EC5CE0E}"/>
+                <a16:creationId xmlns:a16="http://schemas.microsoft.com/office/drawing/2014/main" id="{51E2D787-0B04-4C06-9E67-01F98EC5CE0E}"/>
               </a:ext>
             </a:extLst>
           </p:cNvPr>
@@ -19325,7 +19282,7 @@
           <p:cNvPr id="5" name="Footer Placeholder 4">
             <a:extLst>
               <a:ext uri="{FF2B5EF4-FFF2-40B4-BE49-F238E27FC236}">
-                <a16:creationId xmlns:a16="http://schemas.microsoft.com/office/drawing/2014/main" xmlns="" id="{8873713D-B57F-4CF8-ABD3-C7A391D542C3}"/>
+                <a16:creationId xmlns:a16="http://schemas.microsoft.com/office/drawing/2014/main" id="{8873713D-B57F-4CF8-ABD3-C7A391D542C3}"/>
               </a:ext>
             </a:extLst>
           </p:cNvPr>
@@ -19357,7 +19314,7 @@
           <p:cNvPr id="6" name="Slide Number Placeholder 5">
             <a:extLst>
               <a:ext uri="{FF2B5EF4-FFF2-40B4-BE49-F238E27FC236}">
-                <a16:creationId xmlns:a16="http://schemas.microsoft.com/office/drawing/2014/main" xmlns="" id="{D127E303-5C4D-473D-9E53-B3B36BA3B6B6}"/>
+                <a16:creationId xmlns:a16="http://schemas.microsoft.com/office/drawing/2014/main" id="{D127E303-5C4D-473D-9E53-B3B36BA3B6B6}"/>
               </a:ext>
             </a:extLst>
           </p:cNvPr>
@@ -19446,7 +19403,7 @@
           <p:cNvPr id="2" name="Title 1">
             <a:extLst>
               <a:ext uri="{FF2B5EF4-FFF2-40B4-BE49-F238E27FC236}">
-                <a16:creationId xmlns:a16="http://schemas.microsoft.com/office/drawing/2014/main" xmlns="" id="{04C5F7E1-19F1-4B9E-8D7D-E9371F2B65E4}"/>
+                <a16:creationId xmlns:a16="http://schemas.microsoft.com/office/drawing/2014/main" id="{04C5F7E1-19F1-4B9E-8D7D-E9371F2B65E4}"/>
               </a:ext>
             </a:extLst>
           </p:cNvPr>
@@ -19490,7 +19447,7 @@
           <p:cNvPr id="7" name="Content Placeholder 6" descr="See page 150 in book" title="See slide title">
             <a:extLst>
               <a:ext uri="{FF2B5EF4-FFF2-40B4-BE49-F238E27FC236}">
-                <a16:creationId xmlns:a16="http://schemas.microsoft.com/office/drawing/2014/main" xmlns="" id="{6187959A-7D09-4FF0-8FD1-BBC638C96B3A}"/>
+                <a16:creationId xmlns:a16="http://schemas.microsoft.com/office/drawing/2014/main" id="{6187959A-7D09-4FF0-8FD1-BBC638C96B3A}"/>
               </a:ext>
             </a:extLst>
           </p:cNvPr>
@@ -19528,7 +19485,7 @@
           <p:cNvPr id="4" name="Date Placeholder 3">
             <a:extLst>
               <a:ext uri="{FF2B5EF4-FFF2-40B4-BE49-F238E27FC236}">
-                <a16:creationId xmlns:a16="http://schemas.microsoft.com/office/drawing/2014/main" xmlns="" id="{F4170597-8EA1-4FFD-9B2E-6BACC6793AC2}"/>
+                <a16:creationId xmlns:a16="http://schemas.microsoft.com/office/drawing/2014/main" id="{F4170597-8EA1-4FFD-9B2E-6BACC6793AC2}"/>
               </a:ext>
             </a:extLst>
           </p:cNvPr>
@@ -19560,7 +19517,7 @@
           <p:cNvPr id="5" name="Footer Placeholder 4">
             <a:extLst>
               <a:ext uri="{FF2B5EF4-FFF2-40B4-BE49-F238E27FC236}">
-                <a16:creationId xmlns:a16="http://schemas.microsoft.com/office/drawing/2014/main" xmlns="" id="{843C6779-3F68-4341-BA6D-62A9377B1161}"/>
+                <a16:creationId xmlns:a16="http://schemas.microsoft.com/office/drawing/2014/main" id="{843C6779-3F68-4341-BA6D-62A9377B1161}"/>
               </a:ext>
             </a:extLst>
           </p:cNvPr>
@@ -19592,7 +19549,7 @@
           <p:cNvPr id="6" name="Slide Number Placeholder 5">
             <a:extLst>
               <a:ext uri="{FF2B5EF4-FFF2-40B4-BE49-F238E27FC236}">
-                <a16:creationId xmlns:a16="http://schemas.microsoft.com/office/drawing/2014/main" xmlns="" id="{C88BC7D9-25B9-403A-844F-FAAF8E9EC747}"/>
+                <a16:creationId xmlns:a16="http://schemas.microsoft.com/office/drawing/2014/main" id="{C88BC7D9-25B9-403A-844F-FAAF8E9EC747}"/>
               </a:ext>
             </a:extLst>
           </p:cNvPr>
@@ -19695,7 +19652,7 @@
               <a:defRPr/>
             </a:pPr>
             <a:r>
-              <a:rPr lang="en-US" smtClean="0"/>
+              <a:rPr lang="en-US"/>
               <a:t>Murach's HTML and CSS, 4th Edition</a:t>
             </a:r>
             <a:endParaRPr lang="en-US" dirty="0"/>
@@ -19720,14 +19677,14 @@
             <a:pPr>
               <a:defRPr/>
             </a:pPr>
-            <a:endParaRPr lang="en-US" smtClean="0"/>
+            <a:endParaRPr lang="en-US"/>
           </a:p>
           <a:p>
             <a:pPr>
               <a:defRPr/>
             </a:pPr>
             <a:r>
-              <a:rPr lang="en-US" smtClean="0">
+              <a:rPr lang="en-US">
                 <a:solidFill>
                   <a:schemeClr val="bg1"/>
                 </a:solidFill>
@@ -19775,13 +19732,8 @@
           <a:p>
             <a:r>
               <a:rPr lang="en-US" dirty="0"/>
-              <a:t>The text-shadow </a:t>
-            </a:r>
-            <a:r>
-              <a:rPr lang="en-US" dirty="0" smtClean="0"/>
-              <a:t>property</a:t>
-            </a:r>
-            <a:endParaRPr lang="en-US" dirty="0"/>
+              <a:t>The text-shadow property</a:t>
+            </a:r>
           </a:p>
         </p:txBody>
       </p:sp>
@@ -19928,7 +19880,7 @@
               <a:defRPr/>
             </a:pPr>
             <a:r>
-              <a:rPr lang="en-US" smtClean="0"/>
+              <a:rPr lang="en-US"/>
               <a:t>© 2018, Mike Murach &amp; Associates, Inc.</a:t>
             </a:r>
             <a:endParaRPr lang="en-US" dirty="0"/>
@@ -19957,21 +19909,8 @@
           <a:p>
             <a:r>
               <a:rPr lang="en-US" dirty="0"/>
-              <a:t>A </a:t>
-            </a:r>
-            <a:r>
-              <a:rPr lang="en-US" dirty="0" smtClean="0"/>
-              <a:t>text </a:t>
-            </a:r>
-            <a:r>
-              <a:rPr lang="en-US" dirty="0"/>
-              <a:t>shadow </a:t>
-            </a:r>
-            <a:r>
-              <a:rPr lang="en-US" dirty="0" smtClean="0"/>
-              <a:t>with no blur or color</a:t>
-            </a:r>
-            <a:endParaRPr lang="en-US" dirty="0"/>
+              <a:t>A text shadow with no blur or color</a:t>
+            </a:r>
           </a:p>
           <a:p>
             <a:endParaRPr lang="en-US" dirty="0"/>
@@ -20181,7 +20120,7 @@
           <p:cNvPr id="2" name="Title 1">
             <a:extLst>
               <a:ext uri="{FF2B5EF4-FFF2-40B4-BE49-F238E27FC236}">
-                <a16:creationId xmlns:a16="http://schemas.microsoft.com/office/drawing/2014/main" xmlns="" id="{C4A99C78-38A6-4D43-99B8-6CCF0560D58B}"/>
+                <a16:creationId xmlns:a16="http://schemas.microsoft.com/office/drawing/2014/main" id="{C4A99C78-38A6-4D43-99B8-6CCF0560D58B}"/>
               </a:ext>
             </a:extLst>
           </p:cNvPr>
@@ -20214,23 +20153,7 @@
                 <a:ea typeface="Times New Roman" panose="02020603050405020304" pitchFamily="18" charset="0"/>
                 <a:cs typeface="Times New Roman" panose="02020603050405020304" pitchFamily="18" charset="0"/>
               </a:rPr>
-              <a:t>The </a:t>
-            </a:r>
-            <a:r>
-              <a:rPr lang="en-US" dirty="0" smtClean="0">
-                <a:latin typeface="Arial" panose="020B0604020202020204" pitchFamily="34" charset="0"/>
-                <a:ea typeface="Times New Roman" panose="02020603050405020304" pitchFamily="18" charset="0"/>
-                <a:cs typeface="Times New Roman" panose="02020603050405020304" pitchFamily="18" charset="0"/>
-              </a:rPr>
-              <a:t>shadow with no blur or color in </a:t>
-            </a:r>
-            <a:r>
-              <a:rPr lang="en-US" dirty="0">
-                <a:latin typeface="Arial" panose="020B0604020202020204" pitchFamily="34" charset="0"/>
-                <a:ea typeface="Times New Roman" panose="02020603050405020304" pitchFamily="18" charset="0"/>
-                <a:cs typeface="Times New Roman" panose="02020603050405020304" pitchFamily="18" charset="0"/>
-              </a:rPr>
-              <a:t>a browser</a:t>
+              <a:t>The shadow with no blur or color in a browser</a:t>
             </a:r>
             <a:endParaRPr lang="en-US" dirty="0"/>
           </a:p>
@@ -20241,7 +20164,7 @@
           <p:cNvPr id="7" name="Content Placeholder 6" descr="See page 152 in book" title="See slide title">
             <a:extLst>
               <a:ext uri="{FF2B5EF4-FFF2-40B4-BE49-F238E27FC236}">
-                <a16:creationId xmlns:a16="http://schemas.microsoft.com/office/drawing/2014/main" xmlns="" id="{9A315228-054A-4A5E-9D20-4A51A3E01D20}"/>
+                <a16:creationId xmlns:a16="http://schemas.microsoft.com/office/drawing/2014/main" id="{9A315228-054A-4A5E-9D20-4A51A3E01D20}"/>
               </a:ext>
             </a:extLst>
           </p:cNvPr>
@@ -20279,7 +20202,7 @@
           <p:cNvPr id="4" name="Date Placeholder 3">
             <a:extLst>
               <a:ext uri="{FF2B5EF4-FFF2-40B4-BE49-F238E27FC236}">
-                <a16:creationId xmlns:a16="http://schemas.microsoft.com/office/drawing/2014/main" xmlns="" id="{60E42863-ED5A-4E7F-8107-3E9FD8900272}"/>
+                <a16:creationId xmlns:a16="http://schemas.microsoft.com/office/drawing/2014/main" id="{60E42863-ED5A-4E7F-8107-3E9FD8900272}"/>
               </a:ext>
             </a:extLst>
           </p:cNvPr>
@@ -20311,7 +20234,7 @@
           <p:cNvPr id="5" name="Footer Placeholder 4">
             <a:extLst>
               <a:ext uri="{FF2B5EF4-FFF2-40B4-BE49-F238E27FC236}">
-                <a16:creationId xmlns:a16="http://schemas.microsoft.com/office/drawing/2014/main" xmlns="" id="{558AB11A-DCED-4366-B532-BFC48463732C}"/>
+                <a16:creationId xmlns:a16="http://schemas.microsoft.com/office/drawing/2014/main" id="{558AB11A-DCED-4366-B532-BFC48463732C}"/>
               </a:ext>
             </a:extLst>
           </p:cNvPr>
@@ -20343,7 +20266,7 @@
           <p:cNvPr id="6" name="Slide Number Placeholder 5">
             <a:extLst>
               <a:ext uri="{FF2B5EF4-FFF2-40B4-BE49-F238E27FC236}">
-                <a16:creationId xmlns:a16="http://schemas.microsoft.com/office/drawing/2014/main" xmlns="" id="{B7641F31-DBCB-4BAA-A7EA-1EDAA5F34644}"/>
+                <a16:creationId xmlns:a16="http://schemas.microsoft.com/office/drawing/2014/main" id="{B7641F31-DBCB-4BAA-A7EA-1EDAA5F34644}"/>
               </a:ext>
             </a:extLst>
           </p:cNvPr>
@@ -20432,7 +20355,7 @@
           <p:cNvPr id="2" name="Title 1">
             <a:extLst>
               <a:ext uri="{FF2B5EF4-FFF2-40B4-BE49-F238E27FC236}">
-                <a16:creationId xmlns:a16="http://schemas.microsoft.com/office/drawing/2014/main" xmlns="" id="{50DBE76F-63D5-4ED5-A548-3001BA726BB8}"/>
+                <a16:creationId xmlns:a16="http://schemas.microsoft.com/office/drawing/2014/main" id="{50DBE76F-63D5-4ED5-A548-3001BA726BB8}"/>
               </a:ext>
             </a:extLst>
           </p:cNvPr>
@@ -20460,7 +20383,7 @@
               </a:tabLst>
             </a:pPr>
             <a:r>
-              <a:rPr lang="en-US" dirty="0" smtClean="0">
+              <a:rPr lang="en-US" dirty="0">
                 <a:latin typeface="Arial" panose="020B0604020202020204" pitchFamily="34" charset="0"/>
                 <a:ea typeface="Times New Roman" panose="02020603050405020304" pitchFamily="18" charset="0"/>
                 <a:cs typeface="Times New Roman" panose="02020603050405020304" pitchFamily="18" charset="0"/>
@@ -20476,7 +20399,7 @@
           <p:cNvPr id="3" name="Text Placeholder 2">
             <a:extLst>
               <a:ext uri="{FF2B5EF4-FFF2-40B4-BE49-F238E27FC236}">
-                <a16:creationId xmlns:a16="http://schemas.microsoft.com/office/drawing/2014/main" xmlns="" id="{907E0ECF-2600-4821-B6D4-F594D4B85346}"/>
+                <a16:creationId xmlns:a16="http://schemas.microsoft.com/office/drawing/2014/main" id="{907E0ECF-2600-4821-B6D4-F594D4B85346}"/>
               </a:ext>
             </a:extLst>
           </p:cNvPr>
@@ -20629,7 +20552,7 @@
           <p:cNvPr id="4" name="Date Placeholder 3">
             <a:extLst>
               <a:ext uri="{FF2B5EF4-FFF2-40B4-BE49-F238E27FC236}">
-                <a16:creationId xmlns:a16="http://schemas.microsoft.com/office/drawing/2014/main" xmlns="" id="{89DF1536-67E8-4BC5-B930-756C39CCA8FD}"/>
+                <a16:creationId xmlns:a16="http://schemas.microsoft.com/office/drawing/2014/main" id="{89DF1536-67E8-4BC5-B930-756C39CCA8FD}"/>
               </a:ext>
             </a:extLst>
           </p:cNvPr>
@@ -20661,7 +20584,7 @@
           <p:cNvPr id="5" name="Footer Placeholder 4">
             <a:extLst>
               <a:ext uri="{FF2B5EF4-FFF2-40B4-BE49-F238E27FC236}">
-                <a16:creationId xmlns:a16="http://schemas.microsoft.com/office/drawing/2014/main" xmlns="" id="{EB896A1C-1BDB-49CC-A7B2-96A4240FFD76}"/>
+                <a16:creationId xmlns:a16="http://schemas.microsoft.com/office/drawing/2014/main" id="{EB896A1C-1BDB-49CC-A7B2-96A4240FFD76}"/>
               </a:ext>
             </a:extLst>
           </p:cNvPr>
@@ -20693,7 +20616,7 @@
           <p:cNvPr id="6" name="Slide Number Placeholder 5">
             <a:extLst>
               <a:ext uri="{FF2B5EF4-FFF2-40B4-BE49-F238E27FC236}">
-                <a16:creationId xmlns:a16="http://schemas.microsoft.com/office/drawing/2014/main" xmlns="" id="{9D4BDCEB-CBDD-46D3-A2D6-86E906865BC4}"/>
+                <a16:creationId xmlns:a16="http://schemas.microsoft.com/office/drawing/2014/main" id="{9D4BDCEB-CBDD-46D3-A2D6-86E906865BC4}"/>
               </a:ext>
             </a:extLst>
           </p:cNvPr>
@@ -20782,7 +20705,7 @@
           <p:cNvPr id="2" name="Title 1">
             <a:extLst>
               <a:ext uri="{FF2B5EF4-FFF2-40B4-BE49-F238E27FC236}">
-                <a16:creationId xmlns:a16="http://schemas.microsoft.com/office/drawing/2014/main" xmlns="" id="{762EF1D8-7446-4255-9438-7642C24C9880}"/>
+                <a16:creationId xmlns:a16="http://schemas.microsoft.com/office/drawing/2014/main" id="{762EF1D8-7446-4255-9438-7642C24C9880}"/>
               </a:ext>
             </a:extLst>
           </p:cNvPr>
@@ -20846,7 +20769,7 @@
           <p:cNvPr id="3" name="Text Placeholder 2">
             <a:extLst>
               <a:ext uri="{FF2B5EF4-FFF2-40B4-BE49-F238E27FC236}">
-                <a16:creationId xmlns:a16="http://schemas.microsoft.com/office/drawing/2014/main" xmlns="" id="{5D6E5979-FCBF-4039-ABA0-B126C0866CF8}"/>
+                <a16:creationId xmlns:a16="http://schemas.microsoft.com/office/drawing/2014/main" id="{5D6E5979-FCBF-4039-ABA0-B126C0866CF8}"/>
               </a:ext>
             </a:extLst>
           </p:cNvPr>
@@ -20933,7 +20856,7 @@
           <p:cNvPr id="4" name="Date Placeholder 3">
             <a:extLst>
               <a:ext uri="{FF2B5EF4-FFF2-40B4-BE49-F238E27FC236}">
-                <a16:creationId xmlns:a16="http://schemas.microsoft.com/office/drawing/2014/main" xmlns="" id="{4064D46A-8820-4480-951F-C5992B4A24CE}"/>
+                <a16:creationId xmlns:a16="http://schemas.microsoft.com/office/drawing/2014/main" id="{4064D46A-8820-4480-951F-C5992B4A24CE}"/>
               </a:ext>
             </a:extLst>
           </p:cNvPr>
@@ -20965,7 +20888,7 @@
           <p:cNvPr id="5" name="Footer Placeholder 4">
             <a:extLst>
               <a:ext uri="{FF2B5EF4-FFF2-40B4-BE49-F238E27FC236}">
-                <a16:creationId xmlns:a16="http://schemas.microsoft.com/office/drawing/2014/main" xmlns="" id="{DDB619DB-1804-4009-AA34-02D7EE4952F8}"/>
+                <a16:creationId xmlns:a16="http://schemas.microsoft.com/office/drawing/2014/main" id="{DDB619DB-1804-4009-AA34-02D7EE4952F8}"/>
               </a:ext>
             </a:extLst>
           </p:cNvPr>
@@ -20997,7 +20920,7 @@
           <p:cNvPr id="6" name="Slide Number Placeholder 5">
             <a:extLst>
               <a:ext uri="{FF2B5EF4-FFF2-40B4-BE49-F238E27FC236}">
-                <a16:creationId xmlns:a16="http://schemas.microsoft.com/office/drawing/2014/main" xmlns="" id="{6427F751-BC84-4900-A186-26DA0B3BE7B0}"/>
+                <a16:creationId xmlns:a16="http://schemas.microsoft.com/office/drawing/2014/main" id="{6427F751-BC84-4900-A186-26DA0B3BE7B0}"/>
               </a:ext>
             </a:extLst>
           </p:cNvPr>
@@ -21086,7 +21009,7 @@
           <p:cNvPr id="2" name="Title 1">
             <a:extLst>
               <a:ext uri="{FF2B5EF4-FFF2-40B4-BE49-F238E27FC236}">
-                <a16:creationId xmlns:a16="http://schemas.microsoft.com/office/drawing/2014/main" xmlns="" id="{7D897312-D1FA-463D-8CFE-FF63454CA129}"/>
+                <a16:creationId xmlns:a16="http://schemas.microsoft.com/office/drawing/2014/main" id="{7D897312-D1FA-463D-8CFE-FF63454CA129}"/>
               </a:ext>
             </a:extLst>
           </p:cNvPr>
@@ -21119,23 +21042,7 @@
                 <a:ea typeface="Times New Roman" panose="02020603050405020304" pitchFamily="18" charset="0"/>
                 <a:cs typeface="Times New Roman" panose="02020603050405020304" pitchFamily="18" charset="0"/>
               </a:rPr>
-              <a:t>The </a:t>
-            </a:r>
-            <a:r>
-              <a:rPr lang="en-US" dirty="0" smtClean="0">
-                <a:latin typeface="Arial" panose="020B0604020202020204" pitchFamily="34" charset="0"/>
-                <a:ea typeface="Times New Roman" panose="02020603050405020304" pitchFamily="18" charset="0"/>
-                <a:cs typeface="Times New Roman" panose="02020603050405020304" pitchFamily="18" charset="0"/>
-              </a:rPr>
-              <a:t>shadow with blur and a color </a:t>
-            </a:r>
-            <a:r>
-              <a:rPr lang="en-US" dirty="0">
-                <a:latin typeface="Arial" panose="020B0604020202020204" pitchFamily="34" charset="0"/>
-                <a:ea typeface="Times New Roman" panose="02020603050405020304" pitchFamily="18" charset="0"/>
-                <a:cs typeface="Times New Roman" panose="02020603050405020304" pitchFamily="18" charset="0"/>
-              </a:rPr>
-              <a:t>in a browser</a:t>
+              <a:t>The shadow with blur and a color in a browser</a:t>
             </a:r>
             <a:endParaRPr lang="en-US" dirty="0"/>
           </a:p>
@@ -21146,7 +21053,7 @@
           <p:cNvPr id="7" name="Content Placeholder 6" descr="See page 152 in book" title="See slide title">
             <a:extLst>
               <a:ext uri="{FF2B5EF4-FFF2-40B4-BE49-F238E27FC236}">
-                <a16:creationId xmlns:a16="http://schemas.microsoft.com/office/drawing/2014/main" xmlns="" id="{3E614C84-4F91-4815-89A1-57069C991261}"/>
+                <a16:creationId xmlns:a16="http://schemas.microsoft.com/office/drawing/2014/main" id="{3E614C84-4F91-4815-89A1-57069C991261}"/>
               </a:ext>
             </a:extLst>
           </p:cNvPr>
@@ -21184,7 +21091,7 @@
           <p:cNvPr id="4" name="Date Placeholder 3">
             <a:extLst>
               <a:ext uri="{FF2B5EF4-FFF2-40B4-BE49-F238E27FC236}">
-                <a16:creationId xmlns:a16="http://schemas.microsoft.com/office/drawing/2014/main" xmlns="" id="{98B9469C-19E1-4962-9ACD-4BA33DDBB955}"/>
+                <a16:creationId xmlns:a16="http://schemas.microsoft.com/office/drawing/2014/main" id="{98B9469C-19E1-4962-9ACD-4BA33DDBB955}"/>
               </a:ext>
             </a:extLst>
           </p:cNvPr>
@@ -21216,7 +21123,7 @@
           <p:cNvPr id="5" name="Footer Placeholder 4">
             <a:extLst>
               <a:ext uri="{FF2B5EF4-FFF2-40B4-BE49-F238E27FC236}">
-                <a16:creationId xmlns:a16="http://schemas.microsoft.com/office/drawing/2014/main" xmlns="" id="{E0C78BF0-8E75-4BAE-A404-763D89363D5F}"/>
+                <a16:creationId xmlns:a16="http://schemas.microsoft.com/office/drawing/2014/main" id="{E0C78BF0-8E75-4BAE-A404-763D89363D5F}"/>
               </a:ext>
             </a:extLst>
           </p:cNvPr>
@@ -21248,7 +21155,7 @@
           <p:cNvPr id="6" name="Slide Number Placeholder 5">
             <a:extLst>
               <a:ext uri="{FF2B5EF4-FFF2-40B4-BE49-F238E27FC236}">
-                <a16:creationId xmlns:a16="http://schemas.microsoft.com/office/drawing/2014/main" xmlns="" id="{15D5A95E-B837-4AFF-8629-1E296517436C}"/>
+                <a16:creationId xmlns:a16="http://schemas.microsoft.com/office/drawing/2014/main" id="{15D5A95E-B837-4AFF-8629-1E296517436C}"/>
               </a:ext>
             </a:extLst>
           </p:cNvPr>
@@ -21337,7 +21244,7 @@
           <p:cNvPr id="2" name="Title 1">
             <a:extLst>
               <a:ext uri="{FF2B5EF4-FFF2-40B4-BE49-F238E27FC236}">
-                <a16:creationId xmlns:a16="http://schemas.microsoft.com/office/drawing/2014/main" xmlns="" id="{A76DF3BD-7F80-45EA-8FEC-FAC13C3F0272}"/>
+                <a16:creationId xmlns:a16="http://schemas.microsoft.com/office/drawing/2014/main" id="{A76DF3BD-7F80-45EA-8FEC-FAC13C3F0272}"/>
               </a:ext>
             </a:extLst>
           </p:cNvPr>
@@ -21381,7 +21288,7 @@
           <p:cNvPr id="3" name="Text Placeholder 2">
             <a:extLst>
               <a:ext uri="{FF2B5EF4-FFF2-40B4-BE49-F238E27FC236}">
-                <a16:creationId xmlns:a16="http://schemas.microsoft.com/office/drawing/2014/main" xmlns="" id="{5BAC0724-0CC3-48CB-9C0E-F17378443ACA}"/>
+                <a16:creationId xmlns:a16="http://schemas.microsoft.com/office/drawing/2014/main" id="{5BAC0724-0CC3-48CB-9C0E-F17378443ACA}"/>
               </a:ext>
             </a:extLst>
           </p:cNvPr>
@@ -21425,7 +21332,7 @@
           <p:cNvPr id="4" name="Date Placeholder 3">
             <a:extLst>
               <a:ext uri="{FF2B5EF4-FFF2-40B4-BE49-F238E27FC236}">
-                <a16:creationId xmlns:a16="http://schemas.microsoft.com/office/drawing/2014/main" xmlns="" id="{1F0979FD-58AE-497B-818D-F1ED6D3D8023}"/>
+                <a16:creationId xmlns:a16="http://schemas.microsoft.com/office/drawing/2014/main" id="{1F0979FD-58AE-497B-818D-F1ED6D3D8023}"/>
               </a:ext>
             </a:extLst>
           </p:cNvPr>
@@ -21457,7 +21364,7 @@
           <p:cNvPr id="5" name="Footer Placeholder 4">
             <a:extLst>
               <a:ext uri="{FF2B5EF4-FFF2-40B4-BE49-F238E27FC236}">
-                <a16:creationId xmlns:a16="http://schemas.microsoft.com/office/drawing/2014/main" xmlns="" id="{C8AD8F88-92FA-43DB-A77C-2D5E49EE7F49}"/>
+                <a16:creationId xmlns:a16="http://schemas.microsoft.com/office/drawing/2014/main" id="{C8AD8F88-92FA-43DB-A77C-2D5E49EE7F49}"/>
               </a:ext>
             </a:extLst>
           </p:cNvPr>
@@ -21489,7 +21396,7 @@
           <p:cNvPr id="6" name="Slide Number Placeholder 5">
             <a:extLst>
               <a:ext uri="{FF2B5EF4-FFF2-40B4-BE49-F238E27FC236}">
-                <a16:creationId xmlns:a16="http://schemas.microsoft.com/office/drawing/2014/main" xmlns="" id="{ADD39B49-95E9-4051-845C-8FB38F4ED976}"/>
+                <a16:creationId xmlns:a16="http://schemas.microsoft.com/office/drawing/2014/main" id="{ADD39B49-95E9-4051-845C-8FB38F4ED976}"/>
               </a:ext>
             </a:extLst>
           </p:cNvPr>
@@ -21578,7 +21485,7 @@
           <p:cNvPr id="2" name="Title 1">
             <a:extLst>
               <a:ext uri="{FF2B5EF4-FFF2-40B4-BE49-F238E27FC236}">
-                <a16:creationId xmlns:a16="http://schemas.microsoft.com/office/drawing/2014/main" xmlns="" id="{851C6FC6-E86C-498C-8733-6181FB52AE3B}"/>
+                <a16:creationId xmlns:a16="http://schemas.microsoft.com/office/drawing/2014/main" id="{851C6FC6-E86C-498C-8733-6181FB52AE3B}"/>
               </a:ext>
             </a:extLst>
           </p:cNvPr>
@@ -21644,7 +21551,7 @@
           <p:cNvPr id="7" name="Content Placeholder 6" descr="See page 154 in book" title="See slide title">
             <a:extLst>
               <a:ext uri="{FF2B5EF4-FFF2-40B4-BE49-F238E27FC236}">
-                <a16:creationId xmlns:a16="http://schemas.microsoft.com/office/drawing/2014/main" xmlns="" id="{DFBB67D7-887C-4D7F-B1B0-B1CAA63CA361}"/>
+                <a16:creationId xmlns:a16="http://schemas.microsoft.com/office/drawing/2014/main" id="{DFBB67D7-887C-4D7F-B1B0-B1CAA63CA361}"/>
               </a:ext>
             </a:extLst>
           </p:cNvPr>
@@ -21682,7 +21589,7 @@
           <p:cNvPr id="4" name="Date Placeholder 3">
             <a:extLst>
               <a:ext uri="{FF2B5EF4-FFF2-40B4-BE49-F238E27FC236}">
-                <a16:creationId xmlns:a16="http://schemas.microsoft.com/office/drawing/2014/main" xmlns="" id="{AD2AF92F-5D9B-4958-9DCF-DA5F8A4875E8}"/>
+                <a16:creationId xmlns:a16="http://schemas.microsoft.com/office/drawing/2014/main" id="{AD2AF92F-5D9B-4958-9DCF-DA5F8A4875E8}"/>
               </a:ext>
             </a:extLst>
           </p:cNvPr>
@@ -21714,7 +21621,7 @@
           <p:cNvPr id="5" name="Footer Placeholder 4">
             <a:extLst>
               <a:ext uri="{FF2B5EF4-FFF2-40B4-BE49-F238E27FC236}">
-                <a16:creationId xmlns:a16="http://schemas.microsoft.com/office/drawing/2014/main" xmlns="" id="{E575F43E-C89D-4EC8-9D69-FF0AECF0F99E}"/>
+                <a16:creationId xmlns:a16="http://schemas.microsoft.com/office/drawing/2014/main" id="{E575F43E-C89D-4EC8-9D69-FF0AECF0F99E}"/>
               </a:ext>
             </a:extLst>
           </p:cNvPr>
@@ -21746,7 +21653,7 @@
           <p:cNvPr id="6" name="Slide Number Placeholder 5">
             <a:extLst>
               <a:ext uri="{FF2B5EF4-FFF2-40B4-BE49-F238E27FC236}">
-                <a16:creationId xmlns:a16="http://schemas.microsoft.com/office/drawing/2014/main" xmlns="" id="{5C855537-F76F-4C1E-9242-6924B7B7DB66}"/>
+                <a16:creationId xmlns:a16="http://schemas.microsoft.com/office/drawing/2014/main" id="{5C855537-F76F-4C1E-9242-6924B7B7DB66}"/>
               </a:ext>
             </a:extLst>
           </p:cNvPr>
@@ -21835,7 +21742,7 @@
           <p:cNvPr id="2" name="Title 1">
             <a:extLst>
               <a:ext uri="{FF2B5EF4-FFF2-40B4-BE49-F238E27FC236}">
-                <a16:creationId xmlns:a16="http://schemas.microsoft.com/office/drawing/2014/main" xmlns="" id="{8B11E646-F64E-449D-8ACD-77441667D0F9}"/>
+                <a16:creationId xmlns:a16="http://schemas.microsoft.com/office/drawing/2014/main" id="{8B11E646-F64E-449D-8ACD-77441667D0F9}"/>
               </a:ext>
             </a:extLst>
           </p:cNvPr>
@@ -21879,7 +21786,7 @@
           <p:cNvPr id="3" name="Text Placeholder 2">
             <a:extLst>
               <a:ext uri="{FF2B5EF4-FFF2-40B4-BE49-F238E27FC236}">
-                <a16:creationId xmlns:a16="http://schemas.microsoft.com/office/drawing/2014/main" xmlns="" id="{FB251660-F9EE-436A-A2FE-BA4EC8CA8482}"/>
+                <a16:creationId xmlns:a16="http://schemas.microsoft.com/office/drawing/2014/main" id="{FB251660-F9EE-436A-A2FE-BA4EC8CA8482}"/>
               </a:ext>
             </a:extLst>
           </p:cNvPr>
@@ -22312,7 +22219,7 @@
           <p:cNvPr id="4" name="Date Placeholder 3">
             <a:extLst>
               <a:ext uri="{FF2B5EF4-FFF2-40B4-BE49-F238E27FC236}">
-                <a16:creationId xmlns:a16="http://schemas.microsoft.com/office/drawing/2014/main" xmlns="" id="{48139C29-66ED-4748-B4A3-8321A166B912}"/>
+                <a16:creationId xmlns:a16="http://schemas.microsoft.com/office/drawing/2014/main" id="{48139C29-66ED-4748-B4A3-8321A166B912}"/>
               </a:ext>
             </a:extLst>
           </p:cNvPr>
@@ -22344,7 +22251,7 @@
           <p:cNvPr id="5" name="Footer Placeholder 4">
             <a:extLst>
               <a:ext uri="{FF2B5EF4-FFF2-40B4-BE49-F238E27FC236}">
-                <a16:creationId xmlns:a16="http://schemas.microsoft.com/office/drawing/2014/main" xmlns="" id="{AC0CA59C-BCC8-42E0-97AF-1CA0684F7D42}"/>
+                <a16:creationId xmlns:a16="http://schemas.microsoft.com/office/drawing/2014/main" id="{AC0CA59C-BCC8-42E0-97AF-1CA0684F7D42}"/>
               </a:ext>
             </a:extLst>
           </p:cNvPr>
@@ -22376,7 +22283,7 @@
           <p:cNvPr id="6" name="Slide Number Placeholder 5">
             <a:extLst>
               <a:ext uri="{FF2B5EF4-FFF2-40B4-BE49-F238E27FC236}">
-                <a16:creationId xmlns:a16="http://schemas.microsoft.com/office/drawing/2014/main" xmlns="" id="{E5D4F584-3C64-416C-96D8-3B61C77C6135}"/>
+                <a16:creationId xmlns:a16="http://schemas.microsoft.com/office/drawing/2014/main" id="{E5D4F584-3C64-416C-96D8-3B61C77C6135}"/>
               </a:ext>
             </a:extLst>
           </p:cNvPr>
@@ -22465,7 +22372,7 @@
           <p:cNvPr id="2" name="Title 1">
             <a:extLst>
               <a:ext uri="{FF2B5EF4-FFF2-40B4-BE49-F238E27FC236}">
-                <a16:creationId xmlns:a16="http://schemas.microsoft.com/office/drawing/2014/main" xmlns="" id="{7939A00A-391E-4D3F-B69F-D27211D1B76C}"/>
+                <a16:creationId xmlns:a16="http://schemas.microsoft.com/office/drawing/2014/main" id="{7939A00A-391E-4D3F-B69F-D27211D1B76C}"/>
               </a:ext>
             </a:extLst>
           </p:cNvPr>
@@ -22509,7 +22416,7 @@
           <p:cNvPr id="7" name="Content Placeholder 6" descr="See page 154 in book" title="See slide title">
             <a:extLst>
               <a:ext uri="{FF2B5EF4-FFF2-40B4-BE49-F238E27FC236}">
-                <a16:creationId xmlns:a16="http://schemas.microsoft.com/office/drawing/2014/main" xmlns="" id="{C3684511-52BD-45A2-97D0-342F9FFF90BA}"/>
+                <a16:creationId xmlns:a16="http://schemas.microsoft.com/office/drawing/2014/main" id="{C3684511-52BD-45A2-97D0-342F9FFF90BA}"/>
               </a:ext>
             </a:extLst>
           </p:cNvPr>
@@ -22547,7 +22454,7 @@
           <p:cNvPr id="4" name="Date Placeholder 3">
             <a:extLst>
               <a:ext uri="{FF2B5EF4-FFF2-40B4-BE49-F238E27FC236}">
-                <a16:creationId xmlns:a16="http://schemas.microsoft.com/office/drawing/2014/main" xmlns="" id="{24ABE107-2426-41F2-A3D8-50CFC9179992}"/>
+                <a16:creationId xmlns:a16="http://schemas.microsoft.com/office/drawing/2014/main" id="{24ABE107-2426-41F2-A3D8-50CFC9179992}"/>
               </a:ext>
             </a:extLst>
           </p:cNvPr>
@@ -22579,7 +22486,7 @@
           <p:cNvPr id="5" name="Footer Placeholder 4">
             <a:extLst>
               <a:ext uri="{FF2B5EF4-FFF2-40B4-BE49-F238E27FC236}">
-                <a16:creationId xmlns:a16="http://schemas.microsoft.com/office/drawing/2014/main" xmlns="" id="{C2A6E27D-A9B7-4DD2-982B-5C1AD5010D4B}"/>
+                <a16:creationId xmlns:a16="http://schemas.microsoft.com/office/drawing/2014/main" id="{C2A6E27D-A9B7-4DD2-982B-5C1AD5010D4B}"/>
               </a:ext>
             </a:extLst>
           </p:cNvPr>
@@ -22611,7 +22518,7 @@
           <p:cNvPr id="6" name="Slide Number Placeholder 5">
             <a:extLst>
               <a:ext uri="{FF2B5EF4-FFF2-40B4-BE49-F238E27FC236}">
-                <a16:creationId xmlns:a16="http://schemas.microsoft.com/office/drawing/2014/main" xmlns="" id="{100397C5-7F4F-45A7-B006-DC24D0D7B263}"/>
+                <a16:creationId xmlns:a16="http://schemas.microsoft.com/office/drawing/2014/main" id="{100397C5-7F4F-45A7-B006-DC24D0D7B263}"/>
               </a:ext>
             </a:extLst>
           </p:cNvPr>
@@ -22700,7 +22607,7 @@
           <p:cNvPr id="2" name="Title 1">
             <a:extLst>
               <a:ext uri="{FF2B5EF4-FFF2-40B4-BE49-F238E27FC236}">
-                <a16:creationId xmlns:a16="http://schemas.microsoft.com/office/drawing/2014/main" xmlns="" id="{D2A3B521-F845-400E-AB1B-80951C989FA2}"/>
+                <a16:creationId xmlns:a16="http://schemas.microsoft.com/office/drawing/2014/main" id="{D2A3B521-F845-400E-AB1B-80951C989FA2}"/>
               </a:ext>
             </a:extLst>
           </p:cNvPr>
@@ -22764,7 +22671,7 @@
           <p:cNvPr id="3" name="Text Placeholder 2">
             <a:extLst>
               <a:ext uri="{FF2B5EF4-FFF2-40B4-BE49-F238E27FC236}">
-                <a16:creationId xmlns:a16="http://schemas.microsoft.com/office/drawing/2014/main" xmlns="" id="{C178A46E-0F3C-4D88-A90E-E768520DB011}"/>
+                <a16:creationId xmlns:a16="http://schemas.microsoft.com/office/drawing/2014/main" id="{C178A46E-0F3C-4D88-A90E-E768520DB011}"/>
               </a:ext>
             </a:extLst>
           </p:cNvPr>
@@ -22815,7 +22722,7 @@
           <p:cNvPr id="4" name="Date Placeholder 3">
             <a:extLst>
               <a:ext uri="{FF2B5EF4-FFF2-40B4-BE49-F238E27FC236}">
-                <a16:creationId xmlns:a16="http://schemas.microsoft.com/office/drawing/2014/main" xmlns="" id="{8F972C8C-383B-48DB-AA34-DC23942ED427}"/>
+                <a16:creationId xmlns:a16="http://schemas.microsoft.com/office/drawing/2014/main" id="{8F972C8C-383B-48DB-AA34-DC23942ED427}"/>
               </a:ext>
             </a:extLst>
           </p:cNvPr>
@@ -22847,7 +22754,7 @@
           <p:cNvPr id="5" name="Footer Placeholder 4">
             <a:extLst>
               <a:ext uri="{FF2B5EF4-FFF2-40B4-BE49-F238E27FC236}">
-                <a16:creationId xmlns:a16="http://schemas.microsoft.com/office/drawing/2014/main" xmlns="" id="{77435746-B1FF-4F72-865F-A91FF522F589}"/>
+                <a16:creationId xmlns:a16="http://schemas.microsoft.com/office/drawing/2014/main" id="{77435746-B1FF-4F72-865F-A91FF522F589}"/>
               </a:ext>
             </a:extLst>
           </p:cNvPr>
@@ -22879,7 +22786,7 @@
           <p:cNvPr id="6" name="Slide Number Placeholder 5">
             <a:extLst>
               <a:ext uri="{FF2B5EF4-FFF2-40B4-BE49-F238E27FC236}">
-                <a16:creationId xmlns:a16="http://schemas.microsoft.com/office/drawing/2014/main" xmlns="" id="{AA26D65F-EDDD-408B-AA20-8860D48E1B1E}"/>
+                <a16:creationId xmlns:a16="http://schemas.microsoft.com/office/drawing/2014/main" id="{AA26D65F-EDDD-408B-AA20-8860D48E1B1E}"/>
               </a:ext>
             </a:extLst>
           </p:cNvPr>
@@ -22968,7 +22875,7 @@
           <p:cNvPr id="2" name="Title 1">
             <a:extLst>
               <a:ext uri="{FF2B5EF4-FFF2-40B4-BE49-F238E27FC236}">
-                <a16:creationId xmlns:a16="http://schemas.microsoft.com/office/drawing/2014/main" xmlns="" id="{2CF788A1-9E9D-4B68-947D-F72A5991AC19}"/>
+                <a16:creationId xmlns:a16="http://schemas.microsoft.com/office/drawing/2014/main" id="{2CF788A1-9E9D-4B68-947D-F72A5991AC19}"/>
               </a:ext>
             </a:extLst>
           </p:cNvPr>
@@ -23012,7 +22919,7 @@
           <p:cNvPr id="7" name="Content Placeholder 6" descr="See page 156 in book" title="See slide title">
             <a:extLst>
               <a:ext uri="{FF2B5EF4-FFF2-40B4-BE49-F238E27FC236}">
-                <a16:creationId xmlns:a16="http://schemas.microsoft.com/office/drawing/2014/main" xmlns="" id="{855E6A8D-F06F-4EDF-806F-BE37CB8DC47B}"/>
+                <a16:creationId xmlns:a16="http://schemas.microsoft.com/office/drawing/2014/main" id="{855E6A8D-F06F-4EDF-806F-BE37CB8DC47B}"/>
               </a:ext>
             </a:extLst>
           </p:cNvPr>
@@ -23050,7 +22957,7 @@
           <p:cNvPr id="4" name="Date Placeholder 3">
             <a:extLst>
               <a:ext uri="{FF2B5EF4-FFF2-40B4-BE49-F238E27FC236}">
-                <a16:creationId xmlns:a16="http://schemas.microsoft.com/office/drawing/2014/main" xmlns="" id="{83B0EB2C-D006-4C54-9483-37A132114E10}"/>
+                <a16:creationId xmlns:a16="http://schemas.microsoft.com/office/drawing/2014/main" id="{83B0EB2C-D006-4C54-9483-37A132114E10}"/>
               </a:ext>
             </a:extLst>
           </p:cNvPr>
@@ -23082,7 +22989,7 @@
           <p:cNvPr id="5" name="Footer Placeholder 4">
             <a:extLst>
               <a:ext uri="{FF2B5EF4-FFF2-40B4-BE49-F238E27FC236}">
-                <a16:creationId xmlns:a16="http://schemas.microsoft.com/office/drawing/2014/main" xmlns="" id="{D398CD9B-4F10-4695-9D63-560F58EB70B6}"/>
+                <a16:creationId xmlns:a16="http://schemas.microsoft.com/office/drawing/2014/main" id="{D398CD9B-4F10-4695-9D63-560F58EB70B6}"/>
               </a:ext>
             </a:extLst>
           </p:cNvPr>
@@ -23114,7 +23021,7 @@
           <p:cNvPr id="6" name="Slide Number Placeholder 5">
             <a:extLst>
               <a:ext uri="{FF2B5EF4-FFF2-40B4-BE49-F238E27FC236}">
-                <a16:creationId xmlns:a16="http://schemas.microsoft.com/office/drawing/2014/main" xmlns="" id="{2CFC2B9C-F7DF-4072-AFE1-B519B784DF1E}"/>
+                <a16:creationId xmlns:a16="http://schemas.microsoft.com/office/drawing/2014/main" id="{2CFC2B9C-F7DF-4072-AFE1-B519B784DF1E}"/>
               </a:ext>
             </a:extLst>
           </p:cNvPr>
@@ -23203,7 +23110,7 @@
           <p:cNvPr id="2" name="Title 1">
             <a:extLst>
               <a:ext uri="{FF2B5EF4-FFF2-40B4-BE49-F238E27FC236}">
-                <a16:creationId xmlns:a16="http://schemas.microsoft.com/office/drawing/2014/main" xmlns="" id="{B070EBCB-A75D-4617-87F6-F2B94C4215F6}"/>
+                <a16:creationId xmlns:a16="http://schemas.microsoft.com/office/drawing/2014/main" id="{B070EBCB-A75D-4617-87F6-F2B94C4215F6}"/>
               </a:ext>
             </a:extLst>
           </p:cNvPr>
@@ -23236,23 +23143,7 @@
                 <a:ea typeface="Times New Roman" panose="02020603050405020304" pitchFamily="18" charset="0"/>
                 <a:cs typeface="Times New Roman" panose="02020603050405020304" pitchFamily="18" charset="0"/>
               </a:rPr>
-              <a:t>The HTML file for the web page (</a:t>
-            </a:r>
-            <a:r>
-              <a:rPr lang="en-US" dirty="0" smtClean="0">
-                <a:latin typeface="Arial" panose="020B0604020202020204" pitchFamily="34" charset="0"/>
-                <a:ea typeface="Times New Roman" panose="02020603050405020304" pitchFamily="18" charset="0"/>
-                <a:cs typeface="Times New Roman" panose="02020603050405020304" pitchFamily="18" charset="0"/>
-              </a:rPr>
-              <a:t>part </a:t>
-            </a:r>
-            <a:r>
-              <a:rPr lang="en-US" dirty="0">
-                <a:latin typeface="Arial" panose="020B0604020202020204" pitchFamily="34" charset="0"/>
-                <a:ea typeface="Times New Roman" panose="02020603050405020304" pitchFamily="18" charset="0"/>
-                <a:cs typeface="Times New Roman" panose="02020603050405020304" pitchFamily="18" charset="0"/>
-              </a:rPr>
-              <a:t>1)</a:t>
+              <a:t>The HTML file for the web page (part 1)</a:t>
             </a:r>
             <a:endParaRPr lang="en-US" dirty="0"/>
           </a:p>
@@ -23263,7 +23154,7 @@
           <p:cNvPr id="3" name="Text Placeholder 2">
             <a:extLst>
               <a:ext uri="{FF2B5EF4-FFF2-40B4-BE49-F238E27FC236}">
-                <a16:creationId xmlns:a16="http://schemas.microsoft.com/office/drawing/2014/main" xmlns="" id="{21E2FAFE-911B-430A-B2E3-13E6B658A157}"/>
+                <a16:creationId xmlns:a16="http://schemas.microsoft.com/office/drawing/2014/main" id="{21E2FAFE-911B-430A-B2E3-13E6B658A157}"/>
               </a:ext>
             </a:extLst>
           </p:cNvPr>
@@ -24017,7 +23908,7 @@
           <p:cNvPr id="4" name="Date Placeholder 3">
             <a:extLst>
               <a:ext uri="{FF2B5EF4-FFF2-40B4-BE49-F238E27FC236}">
-                <a16:creationId xmlns:a16="http://schemas.microsoft.com/office/drawing/2014/main" xmlns="" id="{A9F935A5-F403-461B-8CFC-270D502A9BD3}"/>
+                <a16:creationId xmlns:a16="http://schemas.microsoft.com/office/drawing/2014/main" id="{A9F935A5-F403-461B-8CFC-270D502A9BD3}"/>
               </a:ext>
             </a:extLst>
           </p:cNvPr>
@@ -24049,7 +23940,7 @@
           <p:cNvPr id="5" name="Footer Placeholder 4">
             <a:extLst>
               <a:ext uri="{FF2B5EF4-FFF2-40B4-BE49-F238E27FC236}">
-                <a16:creationId xmlns:a16="http://schemas.microsoft.com/office/drawing/2014/main" xmlns="" id="{BCCED976-4F37-4DEC-A5E8-12122B0FB386}"/>
+                <a16:creationId xmlns:a16="http://schemas.microsoft.com/office/drawing/2014/main" id="{BCCED976-4F37-4DEC-A5E8-12122B0FB386}"/>
               </a:ext>
             </a:extLst>
           </p:cNvPr>
@@ -24081,7 +23972,7 @@
           <p:cNvPr id="6" name="Slide Number Placeholder 5">
             <a:extLst>
               <a:ext uri="{FF2B5EF4-FFF2-40B4-BE49-F238E27FC236}">
-                <a16:creationId xmlns:a16="http://schemas.microsoft.com/office/drawing/2014/main" xmlns="" id="{A0A4CB1A-C57F-4213-A408-3ADE3AA18916}"/>
+                <a16:creationId xmlns:a16="http://schemas.microsoft.com/office/drawing/2014/main" id="{A0A4CB1A-C57F-4213-A408-3ADE3AA18916}"/>
               </a:ext>
             </a:extLst>
           </p:cNvPr>
@@ -24170,7 +24061,7 @@
           <p:cNvPr id="2" name="Title 1">
             <a:extLst>
               <a:ext uri="{FF2B5EF4-FFF2-40B4-BE49-F238E27FC236}">
-                <a16:creationId xmlns:a16="http://schemas.microsoft.com/office/drawing/2014/main" xmlns="" id="{6D338FEE-F33E-489D-B144-46273DD5ED78}"/>
+                <a16:creationId xmlns:a16="http://schemas.microsoft.com/office/drawing/2014/main" id="{6D338FEE-F33E-489D-B144-46273DD5ED78}"/>
               </a:ext>
             </a:extLst>
           </p:cNvPr>
@@ -24203,23 +24094,7 @@
                 <a:ea typeface="Times New Roman" panose="02020603050405020304" pitchFamily="18" charset="0"/>
                 <a:cs typeface="Times New Roman" panose="02020603050405020304" pitchFamily="18" charset="0"/>
               </a:rPr>
-              <a:t>The HTML file for the web page (</a:t>
-            </a:r>
-            <a:r>
-              <a:rPr lang="en-US" dirty="0" smtClean="0">
-                <a:latin typeface="Arial" panose="020B0604020202020204" pitchFamily="34" charset="0"/>
-                <a:ea typeface="Times New Roman" panose="02020603050405020304" pitchFamily="18" charset="0"/>
-                <a:cs typeface="Times New Roman" panose="02020603050405020304" pitchFamily="18" charset="0"/>
-              </a:rPr>
-              <a:t>part </a:t>
-            </a:r>
-            <a:r>
-              <a:rPr lang="en-US" dirty="0">
-                <a:latin typeface="Arial" panose="020B0604020202020204" pitchFamily="34" charset="0"/>
-                <a:ea typeface="Times New Roman" panose="02020603050405020304" pitchFamily="18" charset="0"/>
-                <a:cs typeface="Times New Roman" panose="02020603050405020304" pitchFamily="18" charset="0"/>
-              </a:rPr>
-              <a:t>2)</a:t>
+              <a:t>The HTML file for the web page (part 2)</a:t>
             </a:r>
             <a:endParaRPr lang="en-US" dirty="0"/>
           </a:p>
@@ -24230,7 +24105,7 @@
           <p:cNvPr id="3" name="Text Placeholder 2">
             <a:extLst>
               <a:ext uri="{FF2B5EF4-FFF2-40B4-BE49-F238E27FC236}">
-                <a16:creationId xmlns:a16="http://schemas.microsoft.com/office/drawing/2014/main" xmlns="" id="{CEC6A0C1-9AE4-483D-B311-FC24D4089064}"/>
+                <a16:creationId xmlns:a16="http://schemas.microsoft.com/office/drawing/2014/main" id="{CEC6A0C1-9AE4-483D-B311-FC24D4089064}"/>
               </a:ext>
             </a:extLst>
           </p:cNvPr>
@@ -25237,7 +25112,7 @@
           <p:cNvPr id="4" name="Date Placeholder 3">
             <a:extLst>
               <a:ext uri="{FF2B5EF4-FFF2-40B4-BE49-F238E27FC236}">
-                <a16:creationId xmlns:a16="http://schemas.microsoft.com/office/drawing/2014/main" xmlns="" id="{6C49E311-3455-4836-8CA0-E5790BA787E1}"/>
+                <a16:creationId xmlns:a16="http://schemas.microsoft.com/office/drawing/2014/main" id="{6C49E311-3455-4836-8CA0-E5790BA787E1}"/>
               </a:ext>
             </a:extLst>
           </p:cNvPr>
@@ -25269,7 +25144,7 @@
           <p:cNvPr id="5" name="Footer Placeholder 4">
             <a:extLst>
               <a:ext uri="{FF2B5EF4-FFF2-40B4-BE49-F238E27FC236}">
-                <a16:creationId xmlns:a16="http://schemas.microsoft.com/office/drawing/2014/main" xmlns="" id="{798A5DD4-AC6E-4A35-B45B-AC363AA201B5}"/>
+                <a16:creationId xmlns:a16="http://schemas.microsoft.com/office/drawing/2014/main" id="{798A5DD4-AC6E-4A35-B45B-AC363AA201B5}"/>
               </a:ext>
             </a:extLst>
           </p:cNvPr>
@@ -25301,7 +25176,7 @@
           <p:cNvPr id="6" name="Slide Number Placeholder 5">
             <a:extLst>
               <a:ext uri="{FF2B5EF4-FFF2-40B4-BE49-F238E27FC236}">
-                <a16:creationId xmlns:a16="http://schemas.microsoft.com/office/drawing/2014/main" xmlns="" id="{CB9B4DB0-87E9-4B28-BDDE-2B9DA66C7747}"/>
+                <a16:creationId xmlns:a16="http://schemas.microsoft.com/office/drawing/2014/main" id="{CB9B4DB0-87E9-4B28-BDDE-2B9DA66C7747}"/>
               </a:ext>
             </a:extLst>
           </p:cNvPr>
@@ -25390,7 +25265,7 @@
           <p:cNvPr id="2" name="Title 1">
             <a:extLst>
               <a:ext uri="{FF2B5EF4-FFF2-40B4-BE49-F238E27FC236}">
-                <a16:creationId xmlns:a16="http://schemas.microsoft.com/office/drawing/2014/main" xmlns="" id="{3EE0F7CC-446E-4FEE-97F1-85861146171D}"/>
+                <a16:creationId xmlns:a16="http://schemas.microsoft.com/office/drawing/2014/main" id="{3EE0F7CC-446E-4FEE-97F1-85861146171D}"/>
               </a:ext>
             </a:extLst>
           </p:cNvPr>
@@ -25423,23 +25298,7 @@
                 <a:ea typeface="Times New Roman" panose="02020603050405020304" pitchFamily="18" charset="0"/>
                 <a:cs typeface="Times New Roman" panose="02020603050405020304" pitchFamily="18" charset="0"/>
               </a:rPr>
-              <a:t>The HTML file for the web page (</a:t>
-            </a:r>
-            <a:r>
-              <a:rPr lang="en-US" dirty="0" smtClean="0">
-                <a:latin typeface="Arial" panose="020B0604020202020204" pitchFamily="34" charset="0"/>
-                <a:ea typeface="Times New Roman" panose="02020603050405020304" pitchFamily="18" charset="0"/>
-                <a:cs typeface="Times New Roman" panose="02020603050405020304" pitchFamily="18" charset="0"/>
-              </a:rPr>
-              <a:t>part </a:t>
-            </a:r>
-            <a:r>
-              <a:rPr lang="en-US" dirty="0">
-                <a:latin typeface="Arial" panose="020B0604020202020204" pitchFamily="34" charset="0"/>
-                <a:ea typeface="Times New Roman" panose="02020603050405020304" pitchFamily="18" charset="0"/>
-                <a:cs typeface="Times New Roman" panose="02020603050405020304" pitchFamily="18" charset="0"/>
-              </a:rPr>
-              <a:t>3)</a:t>
+              <a:t>The HTML file for the web page (part 3)</a:t>
             </a:r>
             <a:endParaRPr lang="en-US" dirty="0"/>
           </a:p>
@@ -25450,7 +25309,7 @@
           <p:cNvPr id="3" name="Text Placeholder 2">
             <a:extLst>
               <a:ext uri="{FF2B5EF4-FFF2-40B4-BE49-F238E27FC236}">
-                <a16:creationId xmlns:a16="http://schemas.microsoft.com/office/drawing/2014/main" xmlns="" id="{15CD732C-2656-4744-81B3-A5E19EE12507}"/>
+                <a16:creationId xmlns:a16="http://schemas.microsoft.com/office/drawing/2014/main" id="{15CD732C-2656-4744-81B3-A5E19EE12507}"/>
               </a:ext>
             </a:extLst>
           </p:cNvPr>
@@ -26073,7 +25932,7 @@
           <p:cNvPr id="4" name="Date Placeholder 3">
             <a:extLst>
               <a:ext uri="{FF2B5EF4-FFF2-40B4-BE49-F238E27FC236}">
-                <a16:creationId xmlns:a16="http://schemas.microsoft.com/office/drawing/2014/main" xmlns="" id="{B28E6B65-E809-48DF-9C44-7435BE655444}"/>
+                <a16:creationId xmlns:a16="http://schemas.microsoft.com/office/drawing/2014/main" id="{B28E6B65-E809-48DF-9C44-7435BE655444}"/>
               </a:ext>
             </a:extLst>
           </p:cNvPr>
@@ -26105,7 +25964,7 @@
           <p:cNvPr id="5" name="Footer Placeholder 4">
             <a:extLst>
               <a:ext uri="{FF2B5EF4-FFF2-40B4-BE49-F238E27FC236}">
-                <a16:creationId xmlns:a16="http://schemas.microsoft.com/office/drawing/2014/main" xmlns="" id="{B47677E2-5007-4840-9413-7758F3A6F713}"/>
+                <a16:creationId xmlns:a16="http://schemas.microsoft.com/office/drawing/2014/main" id="{B47677E2-5007-4840-9413-7758F3A6F713}"/>
               </a:ext>
             </a:extLst>
           </p:cNvPr>
@@ -26137,7 +25996,7 @@
           <p:cNvPr id="6" name="Slide Number Placeholder 5">
             <a:extLst>
               <a:ext uri="{FF2B5EF4-FFF2-40B4-BE49-F238E27FC236}">
-                <a16:creationId xmlns:a16="http://schemas.microsoft.com/office/drawing/2014/main" xmlns="" id="{6CF2BC85-BC58-4FCF-9760-A88E2EE8870C}"/>
+                <a16:creationId xmlns:a16="http://schemas.microsoft.com/office/drawing/2014/main" id="{6CF2BC85-BC58-4FCF-9760-A88E2EE8870C}"/>
               </a:ext>
             </a:extLst>
           </p:cNvPr>
@@ -26226,7 +26085,7 @@
           <p:cNvPr id="2" name="Title 1">
             <a:extLst>
               <a:ext uri="{FF2B5EF4-FFF2-40B4-BE49-F238E27FC236}">
-                <a16:creationId xmlns:a16="http://schemas.microsoft.com/office/drawing/2014/main" xmlns="" id="{60A09200-8CBD-45A2-ACE7-B70930B002A3}"/>
+                <a16:creationId xmlns:a16="http://schemas.microsoft.com/office/drawing/2014/main" id="{60A09200-8CBD-45A2-ACE7-B70930B002A3}"/>
               </a:ext>
             </a:extLst>
           </p:cNvPr>
@@ -26270,7 +26129,7 @@
           <p:cNvPr id="3" name="Text Placeholder 2">
             <a:extLst>
               <a:ext uri="{FF2B5EF4-FFF2-40B4-BE49-F238E27FC236}">
-                <a16:creationId xmlns:a16="http://schemas.microsoft.com/office/drawing/2014/main" xmlns="" id="{8373C710-B8D5-4874-B61E-ACF445A9899E}"/>
+                <a16:creationId xmlns:a16="http://schemas.microsoft.com/office/drawing/2014/main" id="{8373C710-B8D5-4874-B61E-ACF445A9899E}"/>
               </a:ext>
             </a:extLst>
           </p:cNvPr>
@@ -26507,7 +26366,7 @@
           <p:cNvPr id="4" name="Date Placeholder 3">
             <a:extLst>
               <a:ext uri="{FF2B5EF4-FFF2-40B4-BE49-F238E27FC236}">
-                <a16:creationId xmlns:a16="http://schemas.microsoft.com/office/drawing/2014/main" xmlns="" id="{F6F7C767-18CD-443F-ACDA-CE9A641BF78B}"/>
+                <a16:creationId xmlns:a16="http://schemas.microsoft.com/office/drawing/2014/main" id="{F6F7C767-18CD-443F-ACDA-CE9A641BF78B}"/>
               </a:ext>
             </a:extLst>
           </p:cNvPr>
@@ -26539,7 +26398,7 @@
           <p:cNvPr id="5" name="Footer Placeholder 4">
             <a:extLst>
               <a:ext uri="{FF2B5EF4-FFF2-40B4-BE49-F238E27FC236}">
-                <a16:creationId xmlns:a16="http://schemas.microsoft.com/office/drawing/2014/main" xmlns="" id="{E40C8915-AEE9-482A-9F88-3D80DD92F9D6}"/>
+                <a16:creationId xmlns:a16="http://schemas.microsoft.com/office/drawing/2014/main" id="{E40C8915-AEE9-482A-9F88-3D80DD92F9D6}"/>
               </a:ext>
             </a:extLst>
           </p:cNvPr>
@@ -26571,7 +26430,7 @@
           <p:cNvPr id="6" name="Slide Number Placeholder 5">
             <a:extLst>
               <a:ext uri="{FF2B5EF4-FFF2-40B4-BE49-F238E27FC236}">
-                <a16:creationId xmlns:a16="http://schemas.microsoft.com/office/drawing/2014/main" xmlns="" id="{CF7C2734-B319-42D9-A18B-4C17BD540998}"/>
+                <a16:creationId xmlns:a16="http://schemas.microsoft.com/office/drawing/2014/main" id="{CF7C2734-B319-42D9-A18B-4C17BD540998}"/>
               </a:ext>
             </a:extLst>
           </p:cNvPr>
@@ -26660,7 +26519,7 @@
           <p:cNvPr id="2" name="Title 1">
             <a:extLst>
               <a:ext uri="{FF2B5EF4-FFF2-40B4-BE49-F238E27FC236}">
-                <a16:creationId xmlns:a16="http://schemas.microsoft.com/office/drawing/2014/main" xmlns="" id="{B66658E2-B345-4B94-AB75-C830F8752D28}"/>
+                <a16:creationId xmlns:a16="http://schemas.microsoft.com/office/drawing/2014/main" id="{B66658E2-B345-4B94-AB75-C830F8752D28}"/>
               </a:ext>
             </a:extLst>
           </p:cNvPr>
@@ -26693,23 +26552,7 @@
                 <a:ea typeface="Times New Roman" panose="02020603050405020304" pitchFamily="18" charset="0"/>
                 <a:cs typeface="Times New Roman" panose="02020603050405020304" pitchFamily="18" charset="0"/>
               </a:rPr>
-              <a:t>The CSS file for the web page (</a:t>
-            </a:r>
-            <a:r>
-              <a:rPr lang="en-US" dirty="0" smtClean="0">
-                <a:latin typeface="Arial" panose="020B0604020202020204" pitchFamily="34" charset="0"/>
-                <a:ea typeface="Times New Roman" panose="02020603050405020304" pitchFamily="18" charset="0"/>
-                <a:cs typeface="Times New Roman" panose="02020603050405020304" pitchFamily="18" charset="0"/>
-              </a:rPr>
-              <a:t>part </a:t>
-            </a:r>
-            <a:r>
-              <a:rPr lang="en-US" dirty="0">
-                <a:latin typeface="Arial" panose="020B0604020202020204" pitchFamily="34" charset="0"/>
-                <a:ea typeface="Times New Roman" panose="02020603050405020304" pitchFamily="18" charset="0"/>
-                <a:cs typeface="Times New Roman" panose="02020603050405020304" pitchFamily="18" charset="0"/>
-              </a:rPr>
-              <a:t>1)</a:t>
+              <a:t>The CSS file for the web page (part 1)</a:t>
             </a:r>
             <a:endParaRPr lang="en-US" dirty="0"/>
           </a:p>
@@ -26720,7 +26563,7 @@
           <p:cNvPr id="3" name="Text Placeholder 2">
             <a:extLst>
               <a:ext uri="{FF2B5EF4-FFF2-40B4-BE49-F238E27FC236}">
-                <a16:creationId xmlns:a16="http://schemas.microsoft.com/office/drawing/2014/main" xmlns="" id="{1D32CD01-7F80-443C-B2D3-265C68356B8F}"/>
+                <a16:creationId xmlns:a16="http://schemas.microsoft.com/office/drawing/2014/main" id="{1D32CD01-7F80-443C-B2D3-265C68356B8F}"/>
               </a:ext>
             </a:extLst>
           </p:cNvPr>
@@ -27418,7 +27261,7 @@
           <p:cNvPr id="4" name="Date Placeholder 3">
             <a:extLst>
               <a:ext uri="{FF2B5EF4-FFF2-40B4-BE49-F238E27FC236}">
-                <a16:creationId xmlns:a16="http://schemas.microsoft.com/office/drawing/2014/main" xmlns="" id="{2045E6EA-EF20-412B-8640-70A683067A02}"/>
+                <a16:creationId xmlns:a16="http://schemas.microsoft.com/office/drawing/2014/main" id="{2045E6EA-EF20-412B-8640-70A683067A02}"/>
               </a:ext>
             </a:extLst>
           </p:cNvPr>
@@ -27450,7 +27293,7 @@
           <p:cNvPr id="5" name="Footer Placeholder 4">
             <a:extLst>
               <a:ext uri="{FF2B5EF4-FFF2-40B4-BE49-F238E27FC236}">
-                <a16:creationId xmlns:a16="http://schemas.microsoft.com/office/drawing/2014/main" xmlns="" id="{E3E322B5-AEEC-46E6-9BC1-C1403C55A458}"/>
+                <a16:creationId xmlns:a16="http://schemas.microsoft.com/office/drawing/2014/main" id="{E3E322B5-AEEC-46E6-9BC1-C1403C55A458}"/>
               </a:ext>
             </a:extLst>
           </p:cNvPr>
@@ -27482,7 +27325,7 @@
           <p:cNvPr id="6" name="Slide Number Placeholder 5">
             <a:extLst>
               <a:ext uri="{FF2B5EF4-FFF2-40B4-BE49-F238E27FC236}">
-                <a16:creationId xmlns:a16="http://schemas.microsoft.com/office/drawing/2014/main" xmlns="" id="{56494ACE-7B5A-41D3-BC18-9A289D86601D}"/>
+                <a16:creationId xmlns:a16="http://schemas.microsoft.com/office/drawing/2014/main" id="{56494ACE-7B5A-41D3-BC18-9A289D86601D}"/>
               </a:ext>
             </a:extLst>
           </p:cNvPr>
@@ -27571,7 +27414,7 @@
           <p:cNvPr id="2" name="Title 1">
             <a:extLst>
               <a:ext uri="{FF2B5EF4-FFF2-40B4-BE49-F238E27FC236}">
-                <a16:creationId xmlns:a16="http://schemas.microsoft.com/office/drawing/2014/main" xmlns="" id="{61F7C5AC-D4FE-4257-906E-09E5588283C6}"/>
+                <a16:creationId xmlns:a16="http://schemas.microsoft.com/office/drawing/2014/main" id="{61F7C5AC-D4FE-4257-906E-09E5588283C6}"/>
               </a:ext>
             </a:extLst>
           </p:cNvPr>
@@ -27612,15 +27455,7 @@
                 <a:ea typeface="Times New Roman" panose="02020603050405020304" pitchFamily="18" charset="0"/>
                 <a:cs typeface="Times New Roman" panose="02020603050405020304" pitchFamily="18" charset="0"/>
               </a:rPr>
-              <a:t>(</a:t>
-            </a:r>
-            <a:r>
-              <a:rPr lang="en-US" smtClean="0">
-                <a:latin typeface="Arial" panose="020B0604020202020204" pitchFamily="34" charset="0"/>
-                <a:ea typeface="Times New Roman" panose="02020603050405020304" pitchFamily="18" charset="0"/>
-                <a:cs typeface="Times New Roman" panose="02020603050405020304" pitchFamily="18" charset="0"/>
-              </a:rPr>
-              <a:t>part </a:t>
+              <a:t>(part </a:t>
             </a:r>
             <a:r>
               <a:rPr lang="en-US" dirty="0">
@@ -27639,7 +27474,7 @@
           <p:cNvPr id="3" name="Text Placeholder 2">
             <a:extLst>
               <a:ext uri="{FF2B5EF4-FFF2-40B4-BE49-F238E27FC236}">
-                <a16:creationId xmlns:a16="http://schemas.microsoft.com/office/drawing/2014/main" xmlns="" id="{8D284C38-25BF-4C74-829E-4C7D51563784}"/>
+                <a16:creationId xmlns:a16="http://schemas.microsoft.com/office/drawing/2014/main" id="{8D284C38-25BF-4C74-829E-4C7D51563784}"/>
               </a:ext>
             </a:extLst>
           </p:cNvPr>
@@ -28177,7 +28012,7 @@
           <p:cNvPr id="4" name="Date Placeholder 3">
             <a:extLst>
               <a:ext uri="{FF2B5EF4-FFF2-40B4-BE49-F238E27FC236}">
-                <a16:creationId xmlns:a16="http://schemas.microsoft.com/office/drawing/2014/main" xmlns="" id="{2C4FB622-8970-49EB-B698-D977477892EA}"/>
+                <a16:creationId xmlns:a16="http://schemas.microsoft.com/office/drawing/2014/main" id="{2C4FB622-8970-49EB-B698-D977477892EA}"/>
               </a:ext>
             </a:extLst>
           </p:cNvPr>
@@ -28209,7 +28044,7 @@
           <p:cNvPr id="5" name="Footer Placeholder 4">
             <a:extLst>
               <a:ext uri="{FF2B5EF4-FFF2-40B4-BE49-F238E27FC236}">
-                <a16:creationId xmlns:a16="http://schemas.microsoft.com/office/drawing/2014/main" xmlns="" id="{8BA079C9-AD6B-4F50-8E1F-4891607535AA}"/>
+                <a16:creationId xmlns:a16="http://schemas.microsoft.com/office/drawing/2014/main" id="{8BA079C9-AD6B-4F50-8E1F-4891607535AA}"/>
               </a:ext>
             </a:extLst>
           </p:cNvPr>
@@ -28241,7 +28076,7 @@
           <p:cNvPr id="6" name="Slide Number Placeholder 5">
             <a:extLst>
               <a:ext uri="{FF2B5EF4-FFF2-40B4-BE49-F238E27FC236}">
-                <a16:creationId xmlns:a16="http://schemas.microsoft.com/office/drawing/2014/main" xmlns="" id="{CFBAC638-4738-4B0D-936C-7538EFFA9F77}"/>
+                <a16:creationId xmlns:a16="http://schemas.microsoft.com/office/drawing/2014/main" id="{CFBAC638-4738-4B0D-936C-7538EFFA9F77}"/>
               </a:ext>
             </a:extLst>
           </p:cNvPr>
@@ -28299,6 +28134,791 @@
     <p:extLst>
       <p:ext uri="{BB962C8B-B14F-4D97-AF65-F5344CB8AC3E}">
         <p14:creationId xmlns:p14="http://schemas.microsoft.com/office/powerpoint/2010/main" val="3048018288"/>
+      </p:ext>
+    </p:extLst>
+  </p:cSld>
+  <p:clrMapOvr>
+    <a:masterClrMapping/>
+  </p:clrMapOvr>
+</p:sld>
+</file>
+
+<file path=ppt/slides/slide62.xml><?xml version="1.0" encoding="utf-8"?>
+<p:sld xmlns:a="http://schemas.openxmlformats.org/drawingml/2006/main" xmlns:r="http://schemas.openxmlformats.org/officeDocument/2006/relationships" xmlns:p="http://schemas.openxmlformats.org/presentationml/2006/main">
+  <p:cSld>
+    <p:spTree>
+      <p:nvGrpSpPr>
+        <p:cNvPr id="1" name=""/>
+        <p:cNvGrpSpPr/>
+        <p:nvPr/>
+      </p:nvGrpSpPr>
+      <p:grpSpPr>
+        <a:xfrm>
+          <a:off x="0" y="0"/>
+          <a:ext cx="0" cy="0"/>
+          <a:chOff x="0" y="0"/>
+          <a:chExt cx="0" cy="0"/>
+        </a:xfrm>
+      </p:grpSpPr>
+      <p:sp>
+        <p:nvSpPr>
+          <p:cNvPr id="2" name="Title 1">
+            <a:extLst>
+              <a:ext uri="{FF2B5EF4-FFF2-40B4-BE49-F238E27FC236}">
+                <a16:creationId xmlns:a16="http://schemas.microsoft.com/office/drawing/2014/main" id="{A164FAEE-959D-40CE-8100-583E8C0F9AA0}"/>
+              </a:ext>
+            </a:extLst>
+          </p:cNvPr>
+          <p:cNvSpPr>
+            <a:spLocks noGrp="1"/>
+          </p:cNvSpPr>
+          <p:nvPr>
+            <p:ph type="title"/>
+          </p:nvPr>
+        </p:nvSpPr>
+        <p:spPr/>
+        <p:txBody>
+          <a:bodyPr/>
+          <a:lstStyle/>
+          <a:p>
+            <a:pPr marL="0" marR="0">
+              <a:spcBef>
+                <a:spcPts val="0"/>
+              </a:spcBef>
+              <a:spcAft>
+                <a:spcPts val="600"/>
+              </a:spcAft>
+              <a:tabLst>
+                <a:tab pos="1371600" algn="l"/>
+              </a:tabLst>
+            </a:pPr>
+            <a:r>
+              <a:rPr lang="en-US" dirty="0">
+                <a:latin typeface="Arial" panose="020B0604020202020204" pitchFamily="34" charset="0"/>
+                <a:ea typeface="Times New Roman" panose="02020603050405020304" pitchFamily="18" charset="0"/>
+                <a:cs typeface="Times New Roman" panose="02020603050405020304" pitchFamily="18" charset="0"/>
+              </a:rPr>
+              <a:t>Objectives</a:t>
+            </a:r>
+            <a:endParaRPr lang="en-US" dirty="0"/>
+          </a:p>
+        </p:txBody>
+      </p:sp>
+      <p:sp>
+        <p:nvSpPr>
+          <p:cNvPr id="3" name="Text Placeholder 2">
+            <a:extLst>
+              <a:ext uri="{FF2B5EF4-FFF2-40B4-BE49-F238E27FC236}">
+                <a16:creationId xmlns:a16="http://schemas.microsoft.com/office/drawing/2014/main" id="{C370FF70-0469-401D-B2A1-712DF236566B}"/>
+              </a:ext>
+            </a:extLst>
+          </p:cNvPr>
+          <p:cNvSpPr>
+            <a:spLocks noGrp="1"/>
+          </p:cNvSpPr>
+          <p:nvPr>
+            <p:ph type="body" sz="quarter" idx="13"/>
+          </p:nvPr>
+        </p:nvSpPr>
+        <p:spPr/>
+        <p:txBody>
+          <a:bodyPr/>
+          <a:lstStyle/>
+          <a:p>
+            <a:pPr>
+              <a:spcBef>
+                <a:spcPts val="1500"/>
+              </a:spcBef>
+              <a:spcAft>
+                <a:spcPts val="600"/>
+              </a:spcAft>
+              <a:tabLst>
+                <a:tab pos="1371600" algn="l"/>
+              </a:tabLst>
+            </a:pPr>
+            <a:r>
+              <a:rPr lang="en-US" b="1" dirty="0">
+                <a:latin typeface="Arial" panose="020B0604020202020204" pitchFamily="34" charset="0"/>
+                <a:ea typeface="Times New Roman" panose="02020603050405020304" pitchFamily="18" charset="0"/>
+                <a:cs typeface="Times New Roman" panose="02020603050405020304" pitchFamily="18" charset="0"/>
+              </a:rPr>
+              <a:t>Applied</a:t>
+            </a:r>
+          </a:p>
+          <a:p>
+            <a:pPr marL="342900" marR="274320" lvl="0" indent="-342900">
+              <a:spcBef>
+                <a:spcPts val="0"/>
+              </a:spcBef>
+              <a:spcAft>
+                <a:spcPts val="600"/>
+              </a:spcAft>
+              <a:buFont typeface="+mj-lt"/>
+              <a:buAutoNum type="arabicPeriod"/>
+              <a:tabLst>
+                <a:tab pos="347345" algn="l"/>
+                <a:tab pos="365760" algn="l"/>
+              </a:tabLst>
+            </a:pPr>
+            <a:r>
+              <a:rPr lang="en-US" spc="-10" dirty="0">
+                <a:latin typeface="Times New Roman" panose="02020603050405020304" pitchFamily="18" charset="0"/>
+                <a:ea typeface="Times New Roman" panose="02020603050405020304" pitchFamily="18" charset="0"/>
+              </a:rPr>
+              <a:t>Given an HTML document, create a CSS style sheet for formatting the web page using any of the types of selectors or rules that are presented in this chapter.</a:t>
+            </a:r>
+          </a:p>
+          <a:p>
+            <a:pPr marL="342900" marR="274320" lvl="0" indent="-342900">
+              <a:spcBef>
+                <a:spcPts val="0"/>
+              </a:spcBef>
+              <a:spcAft>
+                <a:spcPts val="600"/>
+              </a:spcAft>
+              <a:buFont typeface="+mj-lt"/>
+              <a:buAutoNum type="arabicPeriod"/>
+              <a:tabLst>
+                <a:tab pos="347345" algn="l"/>
+                <a:tab pos="365760" algn="l"/>
+              </a:tabLst>
+            </a:pPr>
+            <a:r>
+              <a:rPr lang="en-US" spc="-10" dirty="0">
+                <a:latin typeface="Times New Roman" panose="02020603050405020304" pitchFamily="18" charset="0"/>
+                <a:ea typeface="Times New Roman" panose="02020603050405020304" pitchFamily="18" charset="0"/>
+              </a:rPr>
+              <a:t>Given an HTML document with one or more CSS style sheets applied to it, use the developer tools for your browser to inspect the styles.</a:t>
+            </a:r>
+          </a:p>
+          <a:p>
+            <a:pPr marL="342900" marR="274320" lvl="0" indent="-342900">
+              <a:spcBef>
+                <a:spcPts val="0"/>
+              </a:spcBef>
+              <a:spcAft>
+                <a:spcPts val="600"/>
+              </a:spcAft>
+              <a:buFont typeface="+mj-lt"/>
+              <a:buAutoNum type="arabicPeriod"/>
+              <a:tabLst>
+                <a:tab pos="347345" algn="l"/>
+                <a:tab pos="365760" algn="l"/>
+              </a:tabLst>
+            </a:pPr>
+            <a:r>
+              <a:rPr lang="en-US" spc="-10" dirty="0">
+                <a:latin typeface="Times New Roman" panose="02020603050405020304" pitchFamily="18" charset="0"/>
+                <a:ea typeface="Times New Roman" panose="02020603050405020304" pitchFamily="18" charset="0"/>
+              </a:rPr>
+              <a:t>Given a selector in the CSS for an HTML document, describe what the selector applies to.</a:t>
+            </a:r>
+          </a:p>
+          <a:p>
+            <a:pPr>
+              <a:spcBef>
+                <a:spcPts val="1500"/>
+              </a:spcBef>
+              <a:spcAft>
+                <a:spcPts val="600"/>
+              </a:spcAft>
+              <a:tabLst>
+                <a:tab pos="1371600" algn="l"/>
+              </a:tabLst>
+            </a:pPr>
+            <a:r>
+              <a:rPr lang="en-US" b="1" dirty="0">
+                <a:latin typeface="Arial" panose="020B0604020202020204" pitchFamily="34" charset="0"/>
+                <a:ea typeface="Times New Roman" panose="02020603050405020304" pitchFamily="18" charset="0"/>
+                <a:cs typeface="Times New Roman" panose="02020603050405020304" pitchFamily="18" charset="0"/>
+              </a:rPr>
+              <a:t>Knowledge</a:t>
+            </a:r>
+          </a:p>
+          <a:p>
+            <a:pPr marL="342900" marR="274320" lvl="0" indent="-342900">
+              <a:spcBef>
+                <a:spcPts val="0"/>
+              </a:spcBef>
+              <a:spcAft>
+                <a:spcPts val="600"/>
+              </a:spcAft>
+              <a:buFont typeface="+mj-lt"/>
+              <a:buAutoNum type="arabicPeriod"/>
+              <a:tabLst>
+                <a:tab pos="347345" algn="l"/>
+                <a:tab pos="365760" algn="l"/>
+              </a:tabLst>
+            </a:pPr>
+            <a:r>
+              <a:rPr lang="en-US" spc="-10" dirty="0">
+                <a:latin typeface="Times New Roman" panose="02020603050405020304" pitchFamily="18" charset="0"/>
+                <a:ea typeface="Times New Roman" panose="02020603050405020304" pitchFamily="18" charset="0"/>
+              </a:rPr>
+              <a:t>Describe three ways to include CSS in a web page.</a:t>
+            </a:r>
+          </a:p>
+          <a:p>
+            <a:pPr marL="342900" marR="274320" lvl="0" indent="-342900">
+              <a:spcBef>
+                <a:spcPts val="0"/>
+              </a:spcBef>
+              <a:spcAft>
+                <a:spcPts val="600"/>
+              </a:spcAft>
+              <a:buFont typeface="+mj-lt"/>
+              <a:buAutoNum type="arabicPeriod"/>
+              <a:tabLst>
+                <a:tab pos="347345" algn="l"/>
+                <a:tab pos="365760" algn="l"/>
+              </a:tabLst>
+            </a:pPr>
+            <a:r>
+              <a:rPr lang="en-US" spc="-10" dirty="0">
+                <a:latin typeface="Times New Roman" panose="02020603050405020304" pitchFamily="18" charset="0"/>
+                <a:ea typeface="Times New Roman" panose="02020603050405020304" pitchFamily="18" charset="0"/>
+              </a:rPr>
+              <a:t>Explain why it’s usually best to use an external style sheet for formatting a page.</a:t>
+            </a:r>
+          </a:p>
+          <a:p>
+            <a:endParaRPr lang="en-US" dirty="0"/>
+          </a:p>
+        </p:txBody>
+      </p:sp>
+      <p:sp>
+        <p:nvSpPr>
+          <p:cNvPr id="4" name="Date Placeholder 3">
+            <a:extLst>
+              <a:ext uri="{FF2B5EF4-FFF2-40B4-BE49-F238E27FC236}">
+                <a16:creationId xmlns:a16="http://schemas.microsoft.com/office/drawing/2014/main" id="{605211FD-08FA-4547-AB8E-071CC7355B73}"/>
+              </a:ext>
+            </a:extLst>
+          </p:cNvPr>
+          <p:cNvSpPr>
+            <a:spLocks noGrp="1"/>
+          </p:cNvSpPr>
+          <p:nvPr>
+            <p:ph type="dt" sz="half" idx="14"/>
+          </p:nvPr>
+        </p:nvSpPr>
+        <p:spPr/>
+        <p:txBody>
+          <a:bodyPr/>
+          <a:lstStyle/>
+          <a:p>
+            <a:pPr>
+              <a:defRPr/>
+            </a:pPr>
+            <a:r>
+              <a:rPr lang="en-US"/>
+              <a:t>Murach's HTML and CSS, 4th Edition</a:t>
+            </a:r>
+            <a:endParaRPr lang="en-US" dirty="0"/>
+          </a:p>
+        </p:txBody>
+      </p:sp>
+      <p:sp>
+        <p:nvSpPr>
+          <p:cNvPr id="5" name="Footer Placeholder 4">
+            <a:extLst>
+              <a:ext uri="{FF2B5EF4-FFF2-40B4-BE49-F238E27FC236}">
+                <a16:creationId xmlns:a16="http://schemas.microsoft.com/office/drawing/2014/main" id="{164F5A81-2529-468B-BF96-FBAC19652C6B}"/>
+              </a:ext>
+            </a:extLst>
+          </p:cNvPr>
+          <p:cNvSpPr>
+            <a:spLocks noGrp="1"/>
+          </p:cNvSpPr>
+          <p:nvPr>
+            <p:ph type="ftr" sz="quarter" idx="15"/>
+          </p:nvPr>
+        </p:nvSpPr>
+        <p:spPr/>
+        <p:txBody>
+          <a:bodyPr/>
+          <a:lstStyle/>
+          <a:p>
+            <a:pPr>
+              <a:defRPr/>
+            </a:pPr>
+            <a:r>
+              <a:rPr lang="en-US"/>
+              <a:t>© 2018, Mike Murach &amp; Associates, Inc.</a:t>
+            </a:r>
+            <a:endParaRPr lang="en-US" dirty="0"/>
+          </a:p>
+        </p:txBody>
+      </p:sp>
+      <p:sp>
+        <p:nvSpPr>
+          <p:cNvPr id="6" name="Slide Number Placeholder 5">
+            <a:extLst>
+              <a:ext uri="{FF2B5EF4-FFF2-40B4-BE49-F238E27FC236}">
+                <a16:creationId xmlns:a16="http://schemas.microsoft.com/office/drawing/2014/main" id="{E9DDF860-D18A-4E1D-877A-9C81C9C90860}"/>
+              </a:ext>
+            </a:extLst>
+          </p:cNvPr>
+          <p:cNvSpPr>
+            <a:spLocks noGrp="1"/>
+          </p:cNvSpPr>
+          <p:nvPr>
+            <p:ph type="sldNum" sz="quarter" idx="16"/>
+          </p:nvPr>
+        </p:nvSpPr>
+        <p:spPr/>
+        <p:txBody>
+          <a:bodyPr/>
+          <a:lstStyle/>
+          <a:p>
+            <a:pPr algn="l">
+              <a:defRPr/>
+            </a:pPr>
+            <a:endParaRPr lang="en-US" sz="1400" dirty="0">
+              <a:latin typeface="Times New Roman"/>
+            </a:endParaRPr>
+          </a:p>
+          <a:p>
+            <a:pPr>
+              <a:defRPr/>
+            </a:pPr>
+            <a:r>
+              <a:rPr lang="en-US" dirty="0">
+                <a:solidFill>
+                  <a:schemeClr val="bg1"/>
+                </a:solidFill>
+              </a:rPr>
+              <a:t>C4, Slide </a:t>
+            </a:r>
+            <a:fld id="{BF5C1183-B085-4070-A402-C03A3F977D3D}" type="slidenum">
+              <a:rPr lang="en-US" smtClean="0">
+                <a:solidFill>
+                  <a:schemeClr val="bg1"/>
+                </a:solidFill>
+              </a:rPr>
+              <a:pPr>
+                <a:defRPr/>
+              </a:pPr>
+              <a:t>62</a:t>
+            </a:fld>
+            <a:endParaRPr lang="en-US" dirty="0">
+              <a:solidFill>
+                <a:schemeClr val="bg1"/>
+              </a:solidFill>
+            </a:endParaRPr>
+          </a:p>
+        </p:txBody>
+      </p:sp>
+    </p:spTree>
+    <p:extLst>
+      <p:ext uri="{BB962C8B-B14F-4D97-AF65-F5344CB8AC3E}">
+        <p14:creationId xmlns:p14="http://schemas.microsoft.com/office/powerpoint/2010/main" val="3793283840"/>
+      </p:ext>
+    </p:extLst>
+  </p:cSld>
+  <p:clrMapOvr>
+    <a:masterClrMapping/>
+  </p:clrMapOvr>
+</p:sld>
+</file>
+
+<file path=ppt/slides/slide63.xml><?xml version="1.0" encoding="utf-8"?>
+<p:sld xmlns:a="http://schemas.openxmlformats.org/drawingml/2006/main" xmlns:r="http://schemas.openxmlformats.org/officeDocument/2006/relationships" xmlns:p="http://schemas.openxmlformats.org/presentationml/2006/main">
+  <p:cSld>
+    <p:spTree>
+      <p:nvGrpSpPr>
+        <p:cNvPr id="1" name=""/>
+        <p:cNvGrpSpPr/>
+        <p:nvPr/>
+      </p:nvGrpSpPr>
+      <p:grpSpPr>
+        <a:xfrm>
+          <a:off x="0" y="0"/>
+          <a:ext cx="0" cy="0"/>
+          <a:chOff x="0" y="0"/>
+          <a:chExt cx="0" cy="0"/>
+        </a:xfrm>
+      </p:grpSpPr>
+      <p:sp>
+        <p:nvSpPr>
+          <p:cNvPr id="2" name="Title 1">
+            <a:extLst>
+              <a:ext uri="{FF2B5EF4-FFF2-40B4-BE49-F238E27FC236}">
+                <a16:creationId xmlns:a16="http://schemas.microsoft.com/office/drawing/2014/main" id="{93AEB272-DCC5-4D12-A756-65B47BFBB78D}"/>
+              </a:ext>
+            </a:extLst>
+          </p:cNvPr>
+          <p:cNvSpPr>
+            <a:spLocks noGrp="1"/>
+          </p:cNvSpPr>
+          <p:nvPr>
+            <p:ph type="title"/>
+          </p:nvPr>
+        </p:nvSpPr>
+        <p:spPr/>
+        <p:txBody>
+          <a:bodyPr/>
+          <a:lstStyle/>
+          <a:p>
+            <a:pPr marL="0" marR="0">
+              <a:spcBef>
+                <a:spcPts val="0"/>
+              </a:spcBef>
+              <a:spcAft>
+                <a:spcPts val="600"/>
+              </a:spcAft>
+              <a:tabLst>
+                <a:tab pos="1371600" algn="l"/>
+              </a:tabLst>
+            </a:pPr>
+            <a:r>
+              <a:rPr lang="en-US" dirty="0">
+                <a:latin typeface="Arial" panose="020B0604020202020204" pitchFamily="34" charset="0"/>
+                <a:ea typeface="Times New Roman" panose="02020603050405020304" pitchFamily="18" charset="0"/>
+                <a:cs typeface="Times New Roman" panose="02020603050405020304" pitchFamily="18" charset="0"/>
+              </a:rPr>
+              <a:t>Objectives (continued)</a:t>
+            </a:r>
+            <a:endParaRPr lang="en-US" dirty="0"/>
+          </a:p>
+        </p:txBody>
+      </p:sp>
+      <p:sp>
+        <p:nvSpPr>
+          <p:cNvPr id="3" name="Text Placeholder 2">
+            <a:extLst>
+              <a:ext uri="{FF2B5EF4-FFF2-40B4-BE49-F238E27FC236}">
+                <a16:creationId xmlns:a16="http://schemas.microsoft.com/office/drawing/2014/main" id="{FE2FF72C-D441-4068-BD2A-EA311DD926BC}"/>
+              </a:ext>
+            </a:extLst>
+          </p:cNvPr>
+          <p:cNvSpPr>
+            <a:spLocks noGrp="1"/>
+          </p:cNvSpPr>
+          <p:nvPr>
+            <p:ph type="body" sz="quarter" idx="13"/>
+          </p:nvPr>
+        </p:nvSpPr>
+        <p:spPr/>
+        <p:txBody>
+          <a:bodyPr/>
+          <a:lstStyle/>
+          <a:p>
+            <a:pPr marL="457200" marR="274320" lvl="0" indent="-457200">
+              <a:spcBef>
+                <a:spcPts val="0"/>
+              </a:spcBef>
+              <a:spcAft>
+                <a:spcPts val="600"/>
+              </a:spcAft>
+              <a:buFont typeface="+mj-lt"/>
+              <a:buAutoNum type="arabicPeriod" startAt="3"/>
+              <a:tabLst>
+                <a:tab pos="347345" algn="l"/>
+                <a:tab pos="365760" algn="l"/>
+              </a:tabLst>
+            </a:pPr>
+            <a:r>
+              <a:rPr lang="en-US" spc="-10" dirty="0">
+                <a:latin typeface="Times New Roman" panose="02020603050405020304" pitchFamily="18" charset="0"/>
+                <a:ea typeface="Times New Roman" panose="02020603050405020304" pitchFamily="18" charset="0"/>
+              </a:rPr>
+              <a:t>Describe the purpose of the normalize.css style sheet.</a:t>
+            </a:r>
+          </a:p>
+          <a:p>
+            <a:pPr marL="457200" marR="274320" lvl="0" indent="-457200">
+              <a:spcBef>
+                <a:spcPts val="0"/>
+              </a:spcBef>
+              <a:spcAft>
+                <a:spcPts val="600"/>
+              </a:spcAft>
+              <a:buFont typeface="+mj-lt"/>
+              <a:buAutoNum type="arabicPeriod" startAt="3"/>
+              <a:tabLst>
+                <a:tab pos="347345" algn="l"/>
+                <a:tab pos="365760" algn="l"/>
+              </a:tabLst>
+            </a:pPr>
+            <a:r>
+              <a:rPr lang="en-US" spc="-10" dirty="0">
+                <a:latin typeface="Times New Roman" panose="02020603050405020304" pitchFamily="18" charset="0"/>
+                <a:ea typeface="Times New Roman" panose="02020603050405020304" pitchFamily="18" charset="0"/>
+              </a:rPr>
+              <a:t>Distinguish between absolute and relative units of measurement.</a:t>
+            </a:r>
+          </a:p>
+          <a:p>
+            <a:pPr marL="457200" marR="274320" lvl="0" indent="-457200">
+              <a:spcBef>
+                <a:spcPts val="0"/>
+              </a:spcBef>
+              <a:spcAft>
+                <a:spcPts val="600"/>
+              </a:spcAft>
+              <a:buFont typeface="+mj-lt"/>
+              <a:buAutoNum type="arabicPeriod" startAt="3"/>
+              <a:tabLst>
+                <a:tab pos="347345" algn="l"/>
+                <a:tab pos="365760" algn="l"/>
+              </a:tabLst>
+            </a:pPr>
+            <a:r>
+              <a:rPr lang="en-US" spc="-10" dirty="0">
+                <a:latin typeface="Times New Roman" panose="02020603050405020304" pitchFamily="18" charset="0"/>
+                <a:ea typeface="Times New Roman" panose="02020603050405020304" pitchFamily="18" charset="0"/>
+              </a:rPr>
+              <a:t>Describe three ways to specify color in CSS, and describe how CSS3 expands upon that.</a:t>
+            </a:r>
+          </a:p>
+          <a:p>
+            <a:pPr marL="457200" marR="274320" lvl="0" indent="-457200">
+              <a:spcBef>
+                <a:spcPts val="0"/>
+              </a:spcBef>
+              <a:spcAft>
+                <a:spcPts val="600"/>
+              </a:spcAft>
+              <a:buFont typeface="+mj-lt"/>
+              <a:buAutoNum type="arabicPeriod" startAt="3"/>
+              <a:tabLst>
+                <a:tab pos="347345" algn="l"/>
+                <a:tab pos="365760" algn="l"/>
+              </a:tabLst>
+            </a:pPr>
+            <a:r>
+              <a:rPr lang="en-US" spc="-10" dirty="0">
+                <a:latin typeface="Times New Roman" panose="02020603050405020304" pitchFamily="18" charset="0"/>
+                <a:ea typeface="Times New Roman" panose="02020603050405020304" pitchFamily="18" charset="0"/>
+              </a:rPr>
+              <a:t>Describe these types of selectors: universal, type, id, class, descendant, child, sibling, pseudo-class, and pseudo-element.</a:t>
+            </a:r>
+          </a:p>
+          <a:p>
+            <a:pPr marL="457200" marR="274320" lvl="0" indent="-457200">
+              <a:spcBef>
+                <a:spcPts val="0"/>
+              </a:spcBef>
+              <a:spcAft>
+                <a:spcPts val="600"/>
+              </a:spcAft>
+              <a:buFont typeface="+mj-lt"/>
+              <a:buAutoNum type="arabicPeriod" startAt="3"/>
+              <a:tabLst>
+                <a:tab pos="347345" algn="l"/>
+                <a:tab pos="365760" algn="l"/>
+              </a:tabLst>
+            </a:pPr>
+            <a:r>
+              <a:rPr lang="en-US" spc="-10" dirty="0">
+                <a:latin typeface="Times New Roman" panose="02020603050405020304" pitchFamily="18" charset="0"/>
+                <a:ea typeface="Times New Roman" panose="02020603050405020304" pitchFamily="18" charset="0"/>
+              </a:rPr>
+              <a:t>Describe one accessibility guideline for using pseudo-class selectors.</a:t>
+            </a:r>
+          </a:p>
+          <a:p>
+            <a:pPr marL="457200" marR="274320" lvl="0" indent="-457200">
+              <a:spcBef>
+                <a:spcPts val="0"/>
+              </a:spcBef>
+              <a:spcAft>
+                <a:spcPts val="600"/>
+              </a:spcAft>
+              <a:buFont typeface="+mj-lt"/>
+              <a:buAutoNum type="arabicPeriod" startAt="3"/>
+              <a:tabLst>
+                <a:tab pos="347345" algn="l"/>
+                <a:tab pos="365760" algn="l"/>
+              </a:tabLst>
+            </a:pPr>
+            <a:r>
+              <a:rPr lang="en-US" spc="-10" dirty="0">
+                <a:latin typeface="Times New Roman" panose="02020603050405020304" pitchFamily="18" charset="0"/>
+                <a:ea typeface="Times New Roman" panose="02020603050405020304" pitchFamily="18" charset="0"/>
+              </a:rPr>
+              <a:t>Explain how user style sheets, !important rules, and specificity are used in the cascade order for applying style rules.</a:t>
+            </a:r>
+          </a:p>
+          <a:p>
+            <a:pPr marL="457200" marR="274320" lvl="0" indent="-457200">
+              <a:spcBef>
+                <a:spcPts val="0"/>
+              </a:spcBef>
+              <a:spcAft>
+                <a:spcPts val="600"/>
+              </a:spcAft>
+              <a:buFont typeface="+mj-lt"/>
+              <a:buAutoNum type="arabicPeriod" startAt="9"/>
+              <a:tabLst>
+                <a:tab pos="347345" algn="l"/>
+                <a:tab pos="365760" algn="l"/>
+              </a:tabLst>
+            </a:pPr>
+            <a:r>
+              <a:rPr lang="en-US" spc="-10" dirty="0">
+                <a:latin typeface="Times New Roman" panose="02020603050405020304" pitchFamily="18" charset="0"/>
+                <a:ea typeface="Times New Roman" panose="02020603050405020304" pitchFamily="18" charset="0"/>
+              </a:rPr>
+              <a:t>Describe these properties for styling fonts: font-family, font-style, font-weight, font-size, and line-height.</a:t>
+            </a:r>
+          </a:p>
+          <a:p>
+            <a:pPr marL="457200" marR="274320" lvl="0" indent="-457200">
+              <a:spcBef>
+                <a:spcPts val="0"/>
+              </a:spcBef>
+              <a:spcAft>
+                <a:spcPts val="600"/>
+              </a:spcAft>
+              <a:buFont typeface="+mj-lt"/>
+              <a:buAutoNum type="arabicPeriod" startAt="9"/>
+              <a:tabLst>
+                <a:tab pos="347345" algn="l"/>
+                <a:tab pos="365760" algn="l"/>
+              </a:tabLst>
+            </a:pPr>
+            <a:r>
+              <a:rPr lang="en-US" spc="-10" dirty="0">
+                <a:latin typeface="Times New Roman" panose="02020603050405020304" pitchFamily="18" charset="0"/>
+                <a:ea typeface="Times New Roman" panose="02020603050405020304" pitchFamily="18" charset="0"/>
+              </a:rPr>
+              <a:t>Describe these properties for formatting text: text-indent, text-align, text-decoration, and text-shadow.</a:t>
+            </a:r>
+          </a:p>
+          <a:p>
+            <a:endParaRPr lang="en-US" dirty="0"/>
+          </a:p>
+        </p:txBody>
+      </p:sp>
+      <p:sp>
+        <p:nvSpPr>
+          <p:cNvPr id="4" name="Date Placeholder 3">
+            <a:extLst>
+              <a:ext uri="{FF2B5EF4-FFF2-40B4-BE49-F238E27FC236}">
+                <a16:creationId xmlns:a16="http://schemas.microsoft.com/office/drawing/2014/main" id="{A76D7093-0E59-4AB8-A3B1-695FE9BE3412}"/>
+              </a:ext>
+            </a:extLst>
+          </p:cNvPr>
+          <p:cNvSpPr>
+            <a:spLocks noGrp="1"/>
+          </p:cNvSpPr>
+          <p:nvPr>
+            <p:ph type="dt" sz="half" idx="14"/>
+          </p:nvPr>
+        </p:nvSpPr>
+        <p:spPr/>
+        <p:txBody>
+          <a:bodyPr/>
+          <a:lstStyle/>
+          <a:p>
+            <a:pPr>
+              <a:defRPr/>
+            </a:pPr>
+            <a:r>
+              <a:rPr lang="en-US"/>
+              <a:t>Murach's HTML and CSS, 4th Edition</a:t>
+            </a:r>
+            <a:endParaRPr lang="en-US" dirty="0"/>
+          </a:p>
+        </p:txBody>
+      </p:sp>
+      <p:sp>
+        <p:nvSpPr>
+          <p:cNvPr id="5" name="Footer Placeholder 4">
+            <a:extLst>
+              <a:ext uri="{FF2B5EF4-FFF2-40B4-BE49-F238E27FC236}">
+                <a16:creationId xmlns:a16="http://schemas.microsoft.com/office/drawing/2014/main" id="{EE1FAED2-4FA1-46D1-83E6-0467771810BC}"/>
+              </a:ext>
+            </a:extLst>
+          </p:cNvPr>
+          <p:cNvSpPr>
+            <a:spLocks noGrp="1"/>
+          </p:cNvSpPr>
+          <p:nvPr>
+            <p:ph type="ftr" sz="quarter" idx="15"/>
+          </p:nvPr>
+        </p:nvSpPr>
+        <p:spPr/>
+        <p:txBody>
+          <a:bodyPr/>
+          <a:lstStyle/>
+          <a:p>
+            <a:pPr>
+              <a:defRPr/>
+            </a:pPr>
+            <a:r>
+              <a:rPr lang="en-US"/>
+              <a:t>© 2018, Mike Murach &amp; Associates, Inc.</a:t>
+            </a:r>
+            <a:endParaRPr lang="en-US" dirty="0"/>
+          </a:p>
+        </p:txBody>
+      </p:sp>
+      <p:sp>
+        <p:nvSpPr>
+          <p:cNvPr id="6" name="Slide Number Placeholder 5">
+            <a:extLst>
+              <a:ext uri="{FF2B5EF4-FFF2-40B4-BE49-F238E27FC236}">
+                <a16:creationId xmlns:a16="http://schemas.microsoft.com/office/drawing/2014/main" id="{FC671961-C68C-49FE-AAD8-E10A6EF91BD3}"/>
+              </a:ext>
+            </a:extLst>
+          </p:cNvPr>
+          <p:cNvSpPr>
+            <a:spLocks noGrp="1"/>
+          </p:cNvSpPr>
+          <p:nvPr>
+            <p:ph type="sldNum" sz="quarter" idx="16"/>
+          </p:nvPr>
+        </p:nvSpPr>
+        <p:spPr/>
+        <p:txBody>
+          <a:bodyPr/>
+          <a:lstStyle/>
+          <a:p>
+            <a:pPr algn="l">
+              <a:defRPr/>
+            </a:pPr>
+            <a:endParaRPr lang="en-US" sz="1400" dirty="0">
+              <a:latin typeface="Times New Roman"/>
+            </a:endParaRPr>
+          </a:p>
+          <a:p>
+            <a:pPr>
+              <a:defRPr/>
+            </a:pPr>
+            <a:r>
+              <a:rPr lang="en-US" dirty="0">
+                <a:solidFill>
+                  <a:schemeClr val="bg1"/>
+                </a:solidFill>
+              </a:rPr>
+              <a:t>C4, Slide </a:t>
+            </a:r>
+            <a:fld id="{BF5C1183-B085-4070-A402-C03A3F977D3D}" type="slidenum">
+              <a:rPr lang="en-US" smtClean="0">
+                <a:solidFill>
+                  <a:schemeClr val="bg1"/>
+                </a:solidFill>
+              </a:rPr>
+              <a:pPr>
+                <a:defRPr/>
+              </a:pPr>
+              <a:t>63</a:t>
+            </a:fld>
+            <a:endParaRPr lang="en-US" dirty="0">
+              <a:solidFill>
+                <a:schemeClr val="bg1"/>
+              </a:solidFill>
+            </a:endParaRPr>
+          </a:p>
+        </p:txBody>
+      </p:sp>
+    </p:spTree>
+    <p:extLst>
+      <p:ext uri="{BB962C8B-B14F-4D97-AF65-F5344CB8AC3E}">
+        <p14:creationId xmlns:p14="http://schemas.microsoft.com/office/powerpoint/2010/main" val="1404993776"/>
       </p:ext>
     </p:extLst>
   </p:cSld>
@@ -28344,7 +28964,7 @@
               <a:defRPr/>
             </a:pPr>
             <a:r>
-              <a:rPr lang="en-US" smtClean="0"/>
+              <a:rPr lang="en-US"/>
               <a:t>Murach's HTML and CSS, 4th Edition</a:t>
             </a:r>
             <a:endParaRPr lang="en-US" dirty="0"/>
@@ -28369,14 +28989,14 @@
             <a:pPr>
               <a:defRPr/>
             </a:pPr>
-            <a:endParaRPr lang="en-US" smtClean="0"/>
+            <a:endParaRPr lang="en-US"/>
           </a:p>
           <a:p>
             <a:pPr>
               <a:defRPr/>
             </a:pPr>
             <a:r>
-              <a:rPr lang="en-US" smtClean="0">
+              <a:rPr lang="en-US">
                 <a:solidFill>
                   <a:schemeClr val="bg1"/>
                 </a:solidFill>
@@ -28424,13 +29044,8 @@
           <a:p>
             <a:r>
               <a:rPr lang="en-US" dirty="0"/>
-              <a:t>How to download and use </a:t>
-            </a:r>
-            <a:r>
-              <a:rPr lang="en-US" dirty="0" smtClean="0"/>
-              <a:t>normalize.css</a:t>
-            </a:r>
-            <a:endParaRPr lang="en-US" dirty="0"/>
+              <a:t>How to download and use normalize.css</a:t>
+            </a:r>
           </a:p>
         </p:txBody>
       </p:sp>
@@ -28448,6 +29063,40 @@
         <p:txBody>
           <a:bodyPr/>
           <a:lstStyle/>
+          <a:p>
+            <a:pPr marR="274320" lvl="0">
+              <a:spcBef>
+                <a:spcPts val="0"/>
+              </a:spcBef>
+              <a:spcAft>
+                <a:spcPts val="600"/>
+              </a:spcAft>
+            </a:pPr>
+            <a:r>
+              <a:rPr lang="en-US" spc="-10" dirty="0">
+                <a:solidFill>
+                  <a:schemeClr val="accent6"/>
+                </a:solidFill>
+                <a:latin typeface="Times New Roman" panose="02020603050405020304" pitchFamily="18" charset="0"/>
+                <a:ea typeface="Times New Roman" panose="02020603050405020304" pitchFamily="18" charset="0"/>
+                <a:hlinkClick r:id="rId2">
+                  <a:extLst>
+                    <a:ext uri="{A12FA001-AC4F-418D-AE19-62706E023703}">
+                      <ahyp:hlinkClr xmlns:ahyp="http://schemas.microsoft.com/office/drawing/2018/hyperlinkcolor" val="tx"/>
+                    </a:ext>
+                  </a:extLst>
+                </a:hlinkClick>
+              </a:rPr>
+              <a:t>http://necolas.github.io/normalize.css/</a:t>
+            </a:r>
+            <a:endParaRPr lang="en-US" spc="-10" dirty="0">
+              <a:solidFill>
+                <a:schemeClr val="accent6"/>
+              </a:solidFill>
+              <a:latin typeface="Times New Roman" panose="02020603050405020304" pitchFamily="18" charset="0"/>
+              <a:ea typeface="Times New Roman" panose="02020603050405020304" pitchFamily="18" charset="0"/>
+            </a:endParaRPr>
+          </a:p>
           <a:p>
             <a:pPr marL="342900" marR="274320" lvl="0" indent="-342900">
               <a:spcBef>
@@ -28529,7 +29178,7 @@
               <a:defRPr/>
             </a:pPr>
             <a:r>
-              <a:rPr lang="en-US" smtClean="0"/>
+              <a:rPr lang="en-US"/>
               <a:t>© 2018, Mike Murach &amp; Associates, Inc.</a:t>
             </a:r>
             <a:endParaRPr lang="en-US" dirty="0"/>
@@ -28548,7 +29197,7 @@
         </p:nvSpPr>
         <p:spPr>
           <a:xfrm>
-            <a:off x="838200" y="3009128"/>
+            <a:off x="838200" y="3320269"/>
             <a:ext cx="7391400" cy="382544"/>
           </a:xfrm>
         </p:spPr>
@@ -28578,7 +29227,7 @@
         </p:nvSpPr>
         <p:spPr>
           <a:xfrm>
-            <a:off x="838200" y="3464150"/>
+            <a:off x="838200" y="3775291"/>
             <a:ext cx="7391400" cy="2049956"/>
           </a:xfrm>
         </p:spPr>
@@ -28663,7 +29312,7 @@
           <p:cNvPr id="2" name="Title 1">
             <a:extLst>
               <a:ext uri="{FF2B5EF4-FFF2-40B4-BE49-F238E27FC236}">
-                <a16:creationId xmlns:a16="http://schemas.microsoft.com/office/drawing/2014/main" xmlns="" id="{752F7D0F-C465-453A-A227-CFD2A1BCCFED}"/>
+                <a16:creationId xmlns:a16="http://schemas.microsoft.com/office/drawing/2014/main" id="{752F7D0F-C465-453A-A227-CFD2A1BCCFED}"/>
               </a:ext>
             </a:extLst>
           </p:cNvPr>
@@ -28707,7 +29356,7 @@
           <p:cNvPr id="3" name="Text Placeholder 2">
             <a:extLst>
               <a:ext uri="{FF2B5EF4-FFF2-40B4-BE49-F238E27FC236}">
-                <a16:creationId xmlns:a16="http://schemas.microsoft.com/office/drawing/2014/main" xmlns="" id="{DE22843F-F12C-491D-8A5C-E228EAB5917E}"/>
+                <a16:creationId xmlns:a16="http://schemas.microsoft.com/office/drawing/2014/main" id="{DE22843F-F12C-491D-8A5C-E228EAB5917E}"/>
               </a:ext>
             </a:extLst>
           </p:cNvPr>
@@ -28829,7 +29478,7 @@
           <p:cNvPr id="4" name="Date Placeholder 3">
             <a:extLst>
               <a:ext uri="{FF2B5EF4-FFF2-40B4-BE49-F238E27FC236}">
-                <a16:creationId xmlns:a16="http://schemas.microsoft.com/office/drawing/2014/main" xmlns="" id="{38F7AC26-EF17-431D-A020-F85F8CFFAC67}"/>
+                <a16:creationId xmlns:a16="http://schemas.microsoft.com/office/drawing/2014/main" id="{38F7AC26-EF17-431D-A020-F85F8CFFAC67}"/>
               </a:ext>
             </a:extLst>
           </p:cNvPr>
@@ -28861,7 +29510,7 @@
           <p:cNvPr id="5" name="Footer Placeholder 4">
             <a:extLst>
               <a:ext uri="{FF2B5EF4-FFF2-40B4-BE49-F238E27FC236}">
-                <a16:creationId xmlns:a16="http://schemas.microsoft.com/office/drawing/2014/main" xmlns="" id="{949C103D-9A1C-4051-A967-1696CF8CB52B}"/>
+                <a16:creationId xmlns:a16="http://schemas.microsoft.com/office/drawing/2014/main" id="{949C103D-9A1C-4051-A967-1696CF8CB52B}"/>
               </a:ext>
             </a:extLst>
           </p:cNvPr>
@@ -28893,7 +29542,7 @@
           <p:cNvPr id="6" name="Slide Number Placeholder 5">
             <a:extLst>
               <a:ext uri="{FF2B5EF4-FFF2-40B4-BE49-F238E27FC236}">
-                <a16:creationId xmlns:a16="http://schemas.microsoft.com/office/drawing/2014/main" xmlns="" id="{BD8CDDA0-A854-4759-B1F9-B88865E1681B}"/>
+                <a16:creationId xmlns:a16="http://schemas.microsoft.com/office/drawing/2014/main" id="{BD8CDDA0-A854-4759-B1F9-B88865E1681B}"/>
               </a:ext>
             </a:extLst>
           </p:cNvPr>
@@ -28957,13 +29606,6 @@
   <p:clrMapOvr>
     <a:masterClrMapping/>
   </p:clrMapOvr>
-  <p:timing>
-    <p:tnLst>
-      <p:par>
-        <p:cTn id="1" dur="indefinite" restart="never" nodeType="tmRoot"/>
-      </p:par>
-    </p:tnLst>
-  </p:timing>
 </p:sld>
 </file>
 
@@ -28989,7 +29631,7 @@
           <p:cNvPr id="2" name="Title 1">
             <a:extLst>
               <a:ext uri="{FF2B5EF4-FFF2-40B4-BE49-F238E27FC236}">
-                <a16:creationId xmlns:a16="http://schemas.microsoft.com/office/drawing/2014/main" xmlns="" id="{9901C203-4665-4AF2-BD73-4BBC1DB7F5D9}"/>
+                <a16:creationId xmlns:a16="http://schemas.microsoft.com/office/drawing/2014/main" id="{9901C203-4665-4AF2-BD73-4BBC1DB7F5D9}"/>
               </a:ext>
             </a:extLst>
           </p:cNvPr>
@@ -29033,7 +29675,7 @@
           <p:cNvPr id="3" name="Text Placeholder 2">
             <a:extLst>
               <a:ext uri="{FF2B5EF4-FFF2-40B4-BE49-F238E27FC236}">
-                <a16:creationId xmlns:a16="http://schemas.microsoft.com/office/drawing/2014/main" xmlns="" id="{95C99B20-503D-41AB-A784-53066A6FBFB3}"/>
+                <a16:creationId xmlns:a16="http://schemas.microsoft.com/office/drawing/2014/main" id="{95C99B20-503D-41AB-A784-53066A6FBFB3}"/>
               </a:ext>
             </a:extLst>
           </p:cNvPr>
@@ -29256,7 +29898,7 @@
           <p:cNvPr id="4" name="Date Placeholder 3">
             <a:extLst>
               <a:ext uri="{FF2B5EF4-FFF2-40B4-BE49-F238E27FC236}">
-                <a16:creationId xmlns:a16="http://schemas.microsoft.com/office/drawing/2014/main" xmlns="" id="{908E8DFD-EC5F-440D-A542-E40C0C6C141E}"/>
+                <a16:creationId xmlns:a16="http://schemas.microsoft.com/office/drawing/2014/main" id="{908E8DFD-EC5F-440D-A542-E40C0C6C141E}"/>
               </a:ext>
             </a:extLst>
           </p:cNvPr>
@@ -29288,7 +29930,7 @@
           <p:cNvPr id="5" name="Footer Placeholder 4">
             <a:extLst>
               <a:ext uri="{FF2B5EF4-FFF2-40B4-BE49-F238E27FC236}">
-                <a16:creationId xmlns:a16="http://schemas.microsoft.com/office/drawing/2014/main" xmlns="" id="{9BAFD9C3-D221-4DF6-8CD2-892F2892D1B0}"/>
+                <a16:creationId xmlns:a16="http://schemas.microsoft.com/office/drawing/2014/main" id="{9BAFD9C3-D221-4DF6-8CD2-892F2892D1B0}"/>
               </a:ext>
             </a:extLst>
           </p:cNvPr>
@@ -29320,7 +29962,7 @@
           <p:cNvPr id="6" name="Slide Number Placeholder 5">
             <a:extLst>
               <a:ext uri="{FF2B5EF4-FFF2-40B4-BE49-F238E27FC236}">
-                <a16:creationId xmlns:a16="http://schemas.microsoft.com/office/drawing/2014/main" xmlns="" id="{131C7B28-9143-4DFD-A6B5-BEAC6BB74E66}"/>
+                <a16:creationId xmlns:a16="http://schemas.microsoft.com/office/drawing/2014/main" id="{131C7B28-9143-4DFD-A6B5-BEAC6BB74E66}"/>
               </a:ext>
             </a:extLst>
           </p:cNvPr>
@@ -29384,13 +30026,6 @@
   <p:clrMapOvr>
     <a:masterClrMapping/>
   </p:clrMapOvr>
-  <p:timing>
-    <p:tnLst>
-      <p:par>
-        <p:cTn id="1" dur="indefinite" restart="never" nodeType="tmRoot"/>
-      </p:par>
-    </p:tnLst>
-  </p:timing>
 </p:sld>
 </file>
 
